--- a/presentations/11082016071454.pptx
+++ b/presentations/11082016071454.pptx
@@ -9,7 +9,7 @@
     <p:sldMasterId id="2147483755" r:id="rId8"/>
   </p:sldMasterIdLst>
   <p:notesMasterIdLst>
-    <p:notesMasterId r:id="rId49"/>
+    <p:notesMasterId r:id="rId50"/>
   </p:notesMasterIdLst>
   <p:sldIdLst>
     <p:sldId id="293" r:id="rId9"/>
@@ -35,23 +35,24 @@
     <p:sldId id="386" r:id="rId29"/>
     <p:sldId id="387" r:id="rId30"/>
     <p:sldId id="419" r:id="rId31"/>
-    <p:sldId id="389" r:id="rId32"/>
-    <p:sldId id="408" r:id="rId33"/>
-    <p:sldId id="409" r:id="rId34"/>
-    <p:sldId id="415" r:id="rId35"/>
-    <p:sldId id="412" r:id="rId36"/>
-    <p:sldId id="391" r:id="rId37"/>
-    <p:sldId id="392" r:id="rId38"/>
-    <p:sldId id="394" r:id="rId39"/>
-    <p:sldId id="399" r:id="rId40"/>
-    <p:sldId id="400" r:id="rId41"/>
-    <p:sldId id="401" r:id="rId42"/>
-    <p:sldId id="417" r:id="rId43"/>
-    <p:sldId id="306" r:id="rId44"/>
-    <p:sldId id="310" r:id="rId45"/>
-    <p:sldId id="390" r:id="rId46"/>
-    <p:sldId id="402" r:id="rId47"/>
-    <p:sldId id="292" r:id="rId48"/>
+    <p:sldId id="420" r:id="rId32"/>
+    <p:sldId id="389" r:id="rId33"/>
+    <p:sldId id="408" r:id="rId34"/>
+    <p:sldId id="409" r:id="rId35"/>
+    <p:sldId id="415" r:id="rId36"/>
+    <p:sldId id="412" r:id="rId37"/>
+    <p:sldId id="391" r:id="rId38"/>
+    <p:sldId id="392" r:id="rId39"/>
+    <p:sldId id="394" r:id="rId40"/>
+    <p:sldId id="399" r:id="rId41"/>
+    <p:sldId id="400" r:id="rId42"/>
+    <p:sldId id="401" r:id="rId43"/>
+    <p:sldId id="417" r:id="rId44"/>
+    <p:sldId id="306" r:id="rId45"/>
+    <p:sldId id="310" r:id="rId46"/>
+    <p:sldId id="390" r:id="rId47"/>
+    <p:sldId id="402" r:id="rId48"/>
+    <p:sldId id="292" r:id="rId49"/>
   </p:sldIdLst>
   <p:sldSz cx="9144000" cy="6858000" type="screen4x3"/>
   <p:notesSz cx="7010400" cy="9296400"/>
@@ -3122,7 +3123,7 @@
               <a:pPr>
                 <a:defRPr/>
               </a:pPr>
-              <a:t>24</a:t>
+              <a:t>25</a:t>
             </a:fld>
             <a:endParaRPr lang="en-US" dirty="0"/>
           </a:p>
@@ -3267,7 +3268,7 @@
               <a:pPr>
                 <a:defRPr/>
               </a:pPr>
-              <a:t>25</a:t>
+              <a:t>26</a:t>
             </a:fld>
             <a:endParaRPr lang="en-US" dirty="0"/>
           </a:p>
@@ -3414,7 +3415,7 @@
               <a:pPr>
                 <a:defRPr/>
               </a:pPr>
-              <a:t>26</a:t>
+              <a:t>27</a:t>
             </a:fld>
             <a:endParaRPr lang="en-US" dirty="0"/>
           </a:p>
@@ -3556,7 +3557,7 @@
               <a:pPr>
                 <a:defRPr/>
               </a:pPr>
-              <a:t>27</a:t>
+              <a:t>28</a:t>
             </a:fld>
             <a:endParaRPr lang="en-US" dirty="0"/>
           </a:p>
@@ -3698,7 +3699,7 @@
               <a:pPr>
                 <a:defRPr/>
               </a:pPr>
-              <a:t>28</a:t>
+              <a:t>29</a:t>
             </a:fld>
             <a:endParaRPr lang="en-US" dirty="0"/>
           </a:p>
@@ -3843,7 +3844,7 @@
               <a:pPr>
                 <a:defRPr/>
               </a:pPr>
-              <a:t>29</a:t>
+              <a:t>30</a:t>
             </a:fld>
             <a:endParaRPr lang="en-US" dirty="0"/>
           </a:p>
@@ -4080,7 +4081,7 @@
               <a:pPr>
                 <a:defRPr/>
               </a:pPr>
-              <a:t>30</a:t>
+              <a:t>31</a:t>
             </a:fld>
             <a:endParaRPr lang="en-US" dirty="0"/>
           </a:p>
@@ -4225,7 +4226,7 @@
               <a:pPr>
                 <a:defRPr/>
               </a:pPr>
-              <a:t>31</a:t>
+              <a:t>32</a:t>
             </a:fld>
             <a:endParaRPr lang="en-US" dirty="0"/>
           </a:p>
@@ -4387,7 +4388,7 @@
               <a:pPr>
                 <a:defRPr/>
               </a:pPr>
-              <a:t>32</a:t>
+              <a:t>33</a:t>
             </a:fld>
             <a:endParaRPr lang="en-US" dirty="0"/>
           </a:p>
@@ -4532,7 +4533,7 @@
               <a:pPr>
                 <a:defRPr/>
               </a:pPr>
-              <a:t>33</a:t>
+              <a:t>34</a:t>
             </a:fld>
             <a:endParaRPr lang="en-US" dirty="0"/>
           </a:p>
@@ -4677,7 +4678,7 @@
               <a:pPr>
                 <a:defRPr/>
               </a:pPr>
-              <a:t>34</a:t>
+              <a:t>35</a:t>
             </a:fld>
             <a:endParaRPr lang="en-US" dirty="0"/>
           </a:p>
@@ -4819,7 +4820,7 @@
               <a:pPr>
                 <a:defRPr/>
               </a:pPr>
-              <a:t>35</a:t>
+              <a:t>36</a:t>
             </a:fld>
             <a:endParaRPr lang="en-US" dirty="0"/>
           </a:p>
@@ -4961,7 +4962,7 @@
               <a:pPr>
                 <a:defRPr/>
               </a:pPr>
-              <a:t>36</a:t>
+              <a:t>37</a:t>
             </a:fld>
             <a:endParaRPr lang="en-US" dirty="0"/>
           </a:p>
@@ -5103,7 +5104,7 @@
               <a:pPr>
                 <a:defRPr/>
               </a:pPr>
-              <a:t>37</a:t>
+              <a:t>38</a:t>
             </a:fld>
             <a:endParaRPr lang="en-US" dirty="0"/>
           </a:p>
@@ -5245,7 +5246,7 @@
               <a:pPr>
                 <a:defRPr/>
               </a:pPr>
-              <a:t>38</a:t>
+              <a:t>39</a:t>
             </a:fld>
             <a:endParaRPr lang="en-US" dirty="0"/>
           </a:p>
@@ -5387,7 +5388,7 @@
               <a:pPr>
                 <a:defRPr/>
               </a:pPr>
-              <a:t>39</a:t>
+              <a:t>40</a:t>
             </a:fld>
             <a:endParaRPr lang="en-US" dirty="0"/>
           </a:p>
@@ -5671,7 +5672,7 @@
               <a:pPr>
                 <a:defRPr/>
               </a:pPr>
-              <a:t>40</a:t>
+              <a:t>41</a:t>
             </a:fld>
             <a:endParaRPr lang="en-US" dirty="0"/>
           </a:p>
@@ -30012,14 +30013,14 @@
                 <a:gridCol w="2443092">
                   <a:extLst>
                     <a:ext uri="{9D8B030D-6E8A-4147-A177-3AD203B41FA5}">
-                      <a16:colId xmlns:a16="http://schemas.microsoft.com/office/drawing/2014/main" val="20000"/>
+                      <a16:colId xmlns:a16="http://schemas.microsoft.com/office/drawing/2014/main" xmlns="" val="20000"/>
                     </a:ext>
                   </a:extLst>
                 </a:gridCol>
                 <a:gridCol w="4476997">
                   <a:extLst>
                     <a:ext uri="{9D8B030D-6E8A-4147-A177-3AD203B41FA5}">
-                      <a16:colId xmlns:a16="http://schemas.microsoft.com/office/drawing/2014/main" val="20001"/>
+                      <a16:colId xmlns:a16="http://schemas.microsoft.com/office/drawing/2014/main" xmlns="" val="20001"/>
                     </a:ext>
                   </a:extLst>
                 </a:gridCol>
@@ -30053,7 +30054,7 @@
                 </a:tc>
                 <a:extLst>
                   <a:ext uri="{0D108BD9-81ED-4DB2-BD59-A6C34878D82A}">
-                    <a16:rowId xmlns:a16="http://schemas.microsoft.com/office/drawing/2014/main" val="10000"/>
+                    <a16:rowId xmlns:a16="http://schemas.microsoft.com/office/drawing/2014/main" xmlns="" val="10000"/>
                   </a:ext>
                 </a:extLst>
               </a:tr>
@@ -30108,7 +30109,7 @@
                 </a:tc>
                 <a:extLst>
                   <a:ext uri="{0D108BD9-81ED-4DB2-BD59-A6C34878D82A}">
-                    <a16:rowId xmlns:a16="http://schemas.microsoft.com/office/drawing/2014/main" val="10001"/>
+                    <a16:rowId xmlns:a16="http://schemas.microsoft.com/office/drawing/2014/main" xmlns="" val="10001"/>
                   </a:ext>
                 </a:extLst>
               </a:tr>
@@ -30158,7 +30159,7 @@
                 </a:tc>
                 <a:extLst>
                   <a:ext uri="{0D108BD9-81ED-4DB2-BD59-A6C34878D82A}">
-                    <a16:rowId xmlns:a16="http://schemas.microsoft.com/office/drawing/2014/main" val="10002"/>
+                    <a16:rowId xmlns:a16="http://schemas.microsoft.com/office/drawing/2014/main" xmlns="" val="10002"/>
                   </a:ext>
                 </a:extLst>
               </a:tr>
@@ -30220,7 +30221,7 @@
                 </a:tc>
                 <a:extLst>
                   <a:ext uri="{0D108BD9-81ED-4DB2-BD59-A6C34878D82A}">
-                    <a16:rowId xmlns:a16="http://schemas.microsoft.com/office/drawing/2014/main" val="10003"/>
+                    <a16:rowId xmlns:a16="http://schemas.microsoft.com/office/drawing/2014/main" xmlns="" val="10003"/>
                   </a:ext>
                 </a:extLst>
               </a:tr>
@@ -31069,345 +31070,58 @@
             </a:lvl9pPr>
           </a:lstStyle>
           <a:p>
+            <a:endParaRPr lang="en-US" b="0" dirty="0" smtClean="0"/>
+          </a:p>
+          <a:p>
+            <a:endParaRPr lang="en-US" b="0" dirty="0"/>
+          </a:p>
+          <a:p>
+            <a:endParaRPr lang="en-US" b="0" dirty="0" smtClean="0"/>
+          </a:p>
+          <a:p>
+            <a:endParaRPr lang="en-US" b="0" dirty="0"/>
+          </a:p>
+          <a:p>
+            <a:r>
+              <a:rPr lang="en-US" b="0" dirty="0" smtClean="0"/>
+              <a:t>CHAR, NCHAR are fixed length</a:t>
+            </a:r>
+          </a:p>
+          <a:p>
+            <a:endParaRPr lang="en-US" b="0" dirty="0" smtClean="0"/>
+          </a:p>
+          <a:p>
+            <a:r>
+              <a:rPr lang="en-US" b="0" dirty="0" smtClean="0"/>
+              <a:t>VARCHAR</a:t>
+            </a:r>
             <a:r>
               <a:rPr lang="en-US" b="0" dirty="0"/>
-              <a:t>CHAR, NCHAR are fixed length</a:t>
-            </a:r>
-          </a:p>
-          <a:p>
+              <a:t>, NVARCHAR are variable length</a:t>
+            </a:r>
+          </a:p>
+          <a:p>
+            <a:endParaRPr lang="en-US" b="0" dirty="0" smtClean="0"/>
+          </a:p>
+          <a:p>
+            <a:r>
+              <a:rPr lang="en-US" b="0" dirty="0" smtClean="0"/>
+              <a:t>Character </a:t>
+            </a:r>
             <a:r>
               <a:rPr lang="en-US" b="0" dirty="0"/>
-              <a:t>VARCHAR, NVARCHAR are variable length</a:t>
-            </a:r>
-          </a:p>
-          <a:p>
-            <a:r>
-              <a:rPr lang="en-US" b="0" dirty="0"/>
-              <a:t>Character data is delimited with single quotes</a:t>
-            </a:r>
+              <a:t>data is delimited with single </a:t>
+            </a:r>
+            <a:r>
+              <a:rPr lang="en-US" b="0" dirty="0" smtClean="0"/>
+              <a:t>quotes</a:t>
+            </a:r>
+          </a:p>
+          <a:p>
+            <a:endParaRPr lang="en-US" b="0" dirty="0"/>
           </a:p>
         </p:txBody>
       </p:sp>
-      <p:graphicFrame>
-        <p:nvGraphicFramePr>
-          <p:cNvPr id="10" name="Table 9"/>
-          <p:cNvGraphicFramePr>
-            <a:graphicFrameLocks noGrp="1"/>
-          </p:cNvGraphicFramePr>
-          <p:nvPr>
-            <p:extLst>
-              <p:ext uri="{D42A27DB-BD31-4B8C-83A1-F6EECF244321}">
-                <p14:modId xmlns:p14="http://schemas.microsoft.com/office/powerpoint/2010/main" val="3593660237"/>
-              </p:ext>
-            </p:extLst>
-          </p:nvPr>
-        </p:nvGraphicFramePr>
-        <p:xfrm>
-          <a:off x="596413" y="2665729"/>
-          <a:ext cx="7875035" cy="2085340"/>
-        </p:xfrm>
-        <a:graphic>
-          <a:graphicData uri="http://schemas.openxmlformats.org/drawingml/2006/table">
-            <a:tbl>
-              <a:tblPr firstRow="1" bandRow="1">
-                <a:tableStyleId>{073A0DAA-6AF3-43AB-8588-CEC1D06C72B9}</a:tableStyleId>
-              </a:tblPr>
-              <a:tblGrid>
-                <a:gridCol w="2687216">
-                  <a:extLst>
-                    <a:ext uri="{9D8B030D-6E8A-4147-A177-3AD203B41FA5}">
-                      <a16:colId xmlns:a16="http://schemas.microsoft.com/office/drawing/2014/main" val="20000"/>
-                    </a:ext>
-                  </a:extLst>
-                </a:gridCol>
-                <a:gridCol w="2562807">
-                  <a:extLst>
-                    <a:ext uri="{9D8B030D-6E8A-4147-A177-3AD203B41FA5}">
-                      <a16:colId xmlns:a16="http://schemas.microsoft.com/office/drawing/2014/main" val="20001"/>
-                    </a:ext>
-                  </a:extLst>
-                </a:gridCol>
-                <a:gridCol w="2625012">
-                  <a:extLst>
-                    <a:ext uri="{9D8B030D-6E8A-4147-A177-3AD203B41FA5}">
-                      <a16:colId xmlns:a16="http://schemas.microsoft.com/office/drawing/2014/main" val="20002"/>
-                    </a:ext>
-                  </a:extLst>
-                </a:gridCol>
-              </a:tblGrid>
-              <a:tr h="370840">
-                <a:tc>
-                  <a:txBody>
-                    <a:bodyPr/>
-                    <a:lstStyle/>
-                    <a:p>
-                      <a:r>
-                        <a:rPr lang="en-US" dirty="0"/>
-                        <a:t>Data Type</a:t>
-                      </a:r>
-                    </a:p>
-                  </a:txBody>
-                  <a:tcPr/>
-                </a:tc>
-                <a:tc>
-                  <a:txBody>
-                    <a:bodyPr/>
-                    <a:lstStyle/>
-                    <a:p>
-                      <a:r>
-                        <a:rPr lang="en-US" dirty="0"/>
-                        <a:t>Range</a:t>
-                      </a:r>
-                    </a:p>
-                  </a:txBody>
-                  <a:tcPr/>
-                </a:tc>
-                <a:tc>
-                  <a:txBody>
-                    <a:bodyPr/>
-                    <a:lstStyle/>
-                    <a:p>
-                      <a:r>
-                        <a:rPr lang="en-US" dirty="0"/>
-                        <a:t>Storage</a:t>
-                      </a:r>
-                    </a:p>
-                  </a:txBody>
-                  <a:tcPr/>
-                </a:tc>
-                <a:extLst>
-                  <a:ext uri="{0D108BD9-81ED-4DB2-BD59-A6C34878D82A}">
-                    <a16:rowId xmlns:a16="http://schemas.microsoft.com/office/drawing/2014/main" val="10000"/>
-                  </a:ext>
-                </a:extLst>
-              </a:tr>
-              <a:tr h="370840">
-                <a:tc>
-                  <a:txBody>
-                    <a:bodyPr/>
-                    <a:lstStyle/>
-                    <a:p>
-                      <a:r>
-                        <a:rPr lang="en-US" dirty="0"/>
-                        <a:t>CHAR(n), </a:t>
-                      </a:r>
-                      <a:br>
-                        <a:rPr lang="en-US" dirty="0"/>
-                      </a:br>
-                      <a:r>
-                        <a:rPr lang="en-US" dirty="0"/>
-                        <a:t>NCHAR(n)</a:t>
-                      </a:r>
-                    </a:p>
-                  </a:txBody>
-                  <a:tcPr/>
-                </a:tc>
-                <a:tc>
-                  <a:txBody>
-                    <a:bodyPr/>
-                    <a:lstStyle/>
-                    <a:p>
-                      <a:r>
-                        <a:rPr lang="en-US" dirty="0"/>
-                        <a:t>1-8000</a:t>
-                      </a:r>
-                      <a:r>
-                        <a:rPr lang="en-US" baseline="0" dirty="0"/>
-                        <a:t> characters</a:t>
-                      </a:r>
-                      <a:endParaRPr lang="en-US" dirty="0"/>
-                    </a:p>
-                  </a:txBody>
-                  <a:tcPr/>
-                </a:tc>
-                <a:tc>
-                  <a:txBody>
-                    <a:bodyPr/>
-                    <a:lstStyle/>
-                    <a:p>
-                      <a:r>
-                        <a:rPr lang="en-US" dirty="0"/>
-                        <a:t>n bytes, padded</a:t>
-                      </a:r>
-                    </a:p>
-                    <a:p>
-                      <a:r>
-                        <a:rPr lang="en-US" dirty="0"/>
-                        <a:t>2*n bytes, padded</a:t>
-                      </a:r>
-                    </a:p>
-                  </a:txBody>
-                  <a:tcPr/>
-                </a:tc>
-                <a:extLst>
-                  <a:ext uri="{0D108BD9-81ED-4DB2-BD59-A6C34878D82A}">
-                    <a16:rowId xmlns:a16="http://schemas.microsoft.com/office/drawing/2014/main" val="10001"/>
-                  </a:ext>
-                </a:extLst>
-              </a:tr>
-              <a:tr h="370840">
-                <a:tc>
-                  <a:txBody>
-                    <a:bodyPr/>
-                    <a:lstStyle/>
-                    <a:p>
-                      <a:r>
-                        <a:rPr lang="en-US" dirty="0"/>
-                        <a:t>VARCHAR(n), NVARCHAR(n)</a:t>
-                      </a:r>
-                    </a:p>
-                  </a:txBody>
-                  <a:tcPr/>
-                </a:tc>
-                <a:tc>
-                  <a:txBody>
-                    <a:bodyPr/>
-                    <a:lstStyle/>
-                    <a:p>
-                      <a:r>
-                        <a:rPr lang="en-US" dirty="0"/>
-                        <a:t>1-8000 characters</a:t>
-                      </a:r>
-                    </a:p>
-                  </a:txBody>
-                  <a:tcPr/>
-                </a:tc>
-                <a:tc>
-                  <a:txBody>
-                    <a:bodyPr/>
-                    <a:lstStyle/>
-                    <a:p>
-                      <a:r>
-                        <a:rPr lang="en-US" dirty="0"/>
-                        <a:t>Actual</a:t>
-                      </a:r>
-                      <a:r>
-                        <a:rPr lang="en-US" baseline="0" dirty="0"/>
-                        <a:t> length </a:t>
-                      </a:r>
-                      <a:r>
-                        <a:rPr lang="en-US" dirty="0"/>
-                        <a:t>+2 bytes</a:t>
-                      </a:r>
-                    </a:p>
-                    <a:p>
-                      <a:r>
-                        <a:rPr lang="en-US" dirty="0"/>
-                        <a:t>2*</a:t>
-                      </a:r>
-                      <a:r>
-                        <a:rPr lang="en-US" baseline="0" dirty="0"/>
-                        <a:t> (</a:t>
-                      </a:r>
-                      <a:r>
-                        <a:rPr lang="en-US" dirty="0"/>
-                        <a:t>Actual</a:t>
-                      </a:r>
-                      <a:r>
-                        <a:rPr lang="en-US" baseline="0" dirty="0"/>
-                        <a:t> length</a:t>
-                      </a:r>
-                      <a:r>
-                        <a:rPr lang="en-US" dirty="0"/>
-                        <a:t>) +2 bytes</a:t>
-                      </a:r>
-                    </a:p>
-                  </a:txBody>
-                  <a:tcPr/>
-                </a:tc>
-                <a:extLst>
-                  <a:ext uri="{0D108BD9-81ED-4DB2-BD59-A6C34878D82A}">
-                    <a16:rowId xmlns:a16="http://schemas.microsoft.com/office/drawing/2014/main" val="10002"/>
-                  </a:ext>
-                </a:extLst>
-              </a:tr>
-              <a:tr h="370840">
-                <a:tc>
-                  <a:txBody>
-                    <a:bodyPr/>
-                    <a:lstStyle/>
-                    <a:p>
-                      <a:pPr marL="0" marR="0" indent="0" algn="l" defTabSz="914400" rtl="0" eaLnBrk="1" fontAlgn="auto" latinLnBrk="0" hangingPunct="1">
-                        <a:lnSpc>
-                          <a:spcPct val="100000"/>
-                        </a:lnSpc>
-                        <a:spcBef>
-                          <a:spcPts val="0"/>
-                        </a:spcBef>
-                        <a:spcAft>
-                          <a:spcPts val="0"/>
-                        </a:spcAft>
-                        <a:buClrTx/>
-                        <a:buSzTx/>
-                        <a:buFontTx/>
-                        <a:buNone/>
-                        <a:tabLst/>
-                        <a:defRPr/>
-                      </a:pPr>
-                      <a:r>
-                        <a:rPr lang="en-US" dirty="0"/>
-                        <a:t>VARCHAR(MAX),</a:t>
-                      </a:r>
-                      <a:br>
-                        <a:rPr lang="en-US" dirty="0"/>
-                      </a:br>
-                      <a:r>
-                        <a:rPr lang="en-US" dirty="0"/>
-                        <a:t>NVARCHAR(MAX)</a:t>
-                      </a:r>
-                    </a:p>
-                    <a:p>
-                      <a:endParaRPr lang="en-US" dirty="0"/>
-                    </a:p>
-                  </a:txBody>
-                  <a:tcPr/>
-                </a:tc>
-                <a:tc>
-                  <a:txBody>
-                    <a:bodyPr/>
-                    <a:lstStyle/>
-                    <a:p>
-                      <a:r>
-                        <a:rPr lang="en-US" dirty="0"/>
-                        <a:t>1-2^31-1</a:t>
-                      </a:r>
-                      <a:r>
-                        <a:rPr lang="en-US" baseline="0" dirty="0"/>
-                        <a:t> characters</a:t>
-                      </a:r>
-                      <a:endParaRPr lang="en-US" dirty="0"/>
-                    </a:p>
-                  </a:txBody>
-                  <a:tcPr/>
-                </a:tc>
-                <a:tc>
-                  <a:txBody>
-                    <a:bodyPr/>
-                    <a:lstStyle/>
-                    <a:p>
-                      <a:r>
-                        <a:rPr lang="en-US" dirty="0"/>
-                        <a:t>Actual</a:t>
-                      </a:r>
-                      <a:r>
-                        <a:rPr lang="en-US" baseline="0" dirty="0"/>
-                        <a:t> length + 2</a:t>
-                      </a:r>
-                      <a:endParaRPr lang="en-US" dirty="0"/>
-                    </a:p>
-                  </a:txBody>
-                  <a:tcPr/>
-                </a:tc>
-                <a:extLst>
-                  <a:ext uri="{0D108BD9-81ED-4DB2-BD59-A6C34878D82A}">
-                    <a16:rowId xmlns:a16="http://schemas.microsoft.com/office/drawing/2014/main" val="10003"/>
-                  </a:ext>
-                </a:extLst>
-              </a:tr>
-            </a:tbl>
-          </a:graphicData>
-        </a:graphic>
-      </p:graphicFrame>
       <p:grpSp>
         <p:nvGrpSpPr>
           <p:cNvPr id="11" name="Group 12"/>
@@ -32017,41 +31731,6 @@
                                   </p:childTnLst>
                                 </p:cTn>
                               </p:par>
-                              <p:par>
-                                <p:cTn id="38" presetID="10" presetClass="entr" presetSubtype="0" fill="hold" nodeType="withEffect">
-                                  <p:stCondLst>
-                                    <p:cond delay="0"/>
-                                  </p:stCondLst>
-                                  <p:childTnLst>
-                                    <p:set>
-                                      <p:cBhvr>
-                                        <p:cTn id="39" dur="1" fill="hold">
-                                          <p:stCondLst>
-                                            <p:cond delay="0"/>
-                                          </p:stCondLst>
-                                        </p:cTn>
-                                        <p:tgtEl>
-                                          <p:spTgt spid="10"/>
-                                        </p:tgtEl>
-                                        <p:attrNameLst>
-                                          <p:attrName>style.visibility</p:attrName>
-                                        </p:attrNameLst>
-                                      </p:cBhvr>
-                                      <p:to>
-                                        <p:strVal val="visible"/>
-                                      </p:to>
-                                    </p:set>
-                                    <p:animEffect transition="in" filter="fade">
-                                      <p:cBhvr>
-                                        <p:cTn id="40" dur="500"/>
-                                        <p:tgtEl>
-                                          <p:spTgt spid="10"/>
-                                        </p:tgtEl>
-                                      </p:cBhvr>
-                                    </p:animEffect>
-                                  </p:childTnLst>
-                                </p:cTn>
-                              </p:par>
                             </p:childTnLst>
                           </p:cTn>
                         </p:par>
@@ -32059,26 +31738,26 @@
                     </p:cTn>
                   </p:par>
                   <p:par>
-                    <p:cTn id="41" fill="hold">
+                    <p:cTn id="38" fill="hold">
                       <p:stCondLst>
                         <p:cond delay="indefinite"/>
                       </p:stCondLst>
                       <p:childTnLst>
                         <p:par>
-                          <p:cTn id="42" fill="hold">
+                          <p:cTn id="39" fill="hold">
                             <p:stCondLst>
                               <p:cond delay="0"/>
                             </p:stCondLst>
                             <p:childTnLst>
                               <p:par>
-                                <p:cTn id="43" presetID="1" presetClass="entr" presetSubtype="0" fill="hold" nodeType="clickEffect">
+                                <p:cTn id="40" presetID="1" presetClass="entr" presetSubtype="0" fill="hold" nodeType="clickEffect">
                                   <p:stCondLst>
                                     <p:cond delay="0"/>
                                   </p:stCondLst>
                                   <p:childTnLst>
                                     <p:set>
                                       <p:cBhvr>
-                                        <p:cTn id="44" dur="1" fill="hold">
+                                        <p:cTn id="41" dur="1" fill="hold">
                                           <p:stCondLst>
                                             <p:cond delay="0"/>
                                           </p:stCondLst>
@@ -32595,21 +32274,21 @@
                 <a:gridCol w="1838129">
                   <a:extLst>
                     <a:ext uri="{9D8B030D-6E8A-4147-A177-3AD203B41FA5}">
-                      <a16:colId xmlns:a16="http://schemas.microsoft.com/office/drawing/2014/main" val="20000"/>
+                      <a16:colId xmlns:a16="http://schemas.microsoft.com/office/drawing/2014/main" xmlns="" val="20000"/>
                     </a:ext>
                   </a:extLst>
                 </a:gridCol>
                 <a:gridCol w="3579845">
                   <a:extLst>
                     <a:ext uri="{9D8B030D-6E8A-4147-A177-3AD203B41FA5}">
-                      <a16:colId xmlns:a16="http://schemas.microsoft.com/office/drawing/2014/main" val="20001"/>
+                      <a16:colId xmlns:a16="http://schemas.microsoft.com/office/drawing/2014/main" xmlns="" val="20001"/>
                     </a:ext>
                   </a:extLst>
                 </a:gridCol>
                 <a:gridCol w="2708987">
                   <a:extLst>
                     <a:ext uri="{9D8B030D-6E8A-4147-A177-3AD203B41FA5}">
-                      <a16:colId xmlns:a16="http://schemas.microsoft.com/office/drawing/2014/main" val="20002"/>
+                      <a16:colId xmlns:a16="http://schemas.microsoft.com/office/drawing/2014/main" xmlns="" val="20002"/>
                     </a:ext>
                   </a:extLst>
                 </a:gridCol>
@@ -32656,7 +32335,7 @@
                 </a:tc>
                 <a:extLst>
                   <a:ext uri="{0D108BD9-81ED-4DB2-BD59-A6C34878D82A}">
-                    <a16:rowId xmlns:a16="http://schemas.microsoft.com/office/drawing/2014/main" val="10000"/>
+                    <a16:rowId xmlns:a16="http://schemas.microsoft.com/office/drawing/2014/main" xmlns="" val="10000"/>
                   </a:ext>
                 </a:extLst>
               </a:tr>
@@ -32711,7 +32390,7 @@
                 </a:tc>
                 <a:extLst>
                   <a:ext uri="{0D108BD9-81ED-4DB2-BD59-A6C34878D82A}">
-                    <a16:rowId xmlns:a16="http://schemas.microsoft.com/office/drawing/2014/main" val="10001"/>
+                    <a16:rowId xmlns:a16="http://schemas.microsoft.com/office/drawing/2014/main" xmlns="" val="10001"/>
                   </a:ext>
                 </a:extLst>
               </a:tr>
@@ -32802,7 +32481,7 @@
                 </a:tc>
                 <a:extLst>
                   <a:ext uri="{0D108BD9-81ED-4DB2-BD59-A6C34878D82A}">
-                    <a16:rowId xmlns:a16="http://schemas.microsoft.com/office/drawing/2014/main" val="10002"/>
+                    <a16:rowId xmlns:a16="http://schemas.microsoft.com/office/drawing/2014/main" xmlns="" val="10002"/>
                   </a:ext>
                 </a:extLst>
               </a:tr>
@@ -32893,7 +32572,7 @@
                 </a:tc>
                 <a:extLst>
                   <a:ext uri="{0D108BD9-81ED-4DB2-BD59-A6C34878D82A}">
-                    <a16:rowId xmlns:a16="http://schemas.microsoft.com/office/drawing/2014/main" val="10003"/>
+                    <a16:rowId xmlns:a16="http://schemas.microsoft.com/office/drawing/2014/main" xmlns="" val="10003"/>
                   </a:ext>
                 </a:extLst>
               </a:tr>
@@ -32953,7 +32632,7 @@
                 </a:tc>
                 <a:extLst>
                   <a:ext uri="{0D108BD9-81ED-4DB2-BD59-A6C34878D82A}">
-                    <a16:rowId xmlns:a16="http://schemas.microsoft.com/office/drawing/2014/main" val="10004"/>
+                    <a16:rowId xmlns:a16="http://schemas.microsoft.com/office/drawing/2014/main" xmlns="" val="10004"/>
                   </a:ext>
                 </a:extLst>
               </a:tr>
@@ -33008,7 +32687,7 @@
                 </a:tc>
                 <a:extLst>
                   <a:ext uri="{0D108BD9-81ED-4DB2-BD59-A6C34878D82A}">
-                    <a16:rowId xmlns:a16="http://schemas.microsoft.com/office/drawing/2014/main" val="10005"/>
+                    <a16:rowId xmlns:a16="http://schemas.microsoft.com/office/drawing/2014/main" xmlns="" val="10005"/>
                   </a:ext>
                 </a:extLst>
               </a:tr>
@@ -33099,7 +32778,7 @@
                 </a:tc>
                 <a:extLst>
                   <a:ext uri="{0D108BD9-81ED-4DB2-BD59-A6C34878D82A}">
-                    <a16:rowId xmlns:a16="http://schemas.microsoft.com/office/drawing/2014/main" val="10006"/>
+                    <a16:rowId xmlns:a16="http://schemas.microsoft.com/office/drawing/2014/main" xmlns="" val="10006"/>
                   </a:ext>
                 </a:extLst>
               </a:tr>
@@ -33729,35 +33408,35 @@
                 <a:gridCol w="1890873">
                   <a:extLst>
                     <a:ext uri="{9D8B030D-6E8A-4147-A177-3AD203B41FA5}">
-                      <a16:colId xmlns:a16="http://schemas.microsoft.com/office/drawing/2014/main" val="20000"/>
+                      <a16:colId xmlns:a16="http://schemas.microsoft.com/office/drawing/2014/main" xmlns="" val="20000"/>
                     </a:ext>
                   </a:extLst>
                 </a:gridCol>
                 <a:gridCol w="1430425">
                   <a:extLst>
                     <a:ext uri="{9D8B030D-6E8A-4147-A177-3AD203B41FA5}">
-                      <a16:colId xmlns:a16="http://schemas.microsoft.com/office/drawing/2014/main" val="20001"/>
+                      <a16:colId xmlns:a16="http://schemas.microsoft.com/office/drawing/2014/main" xmlns="" val="20001"/>
                     </a:ext>
                   </a:extLst>
                 </a:gridCol>
                 <a:gridCol w="1660649">
                   <a:extLst>
                     <a:ext uri="{9D8B030D-6E8A-4147-A177-3AD203B41FA5}">
-                      <a16:colId xmlns:a16="http://schemas.microsoft.com/office/drawing/2014/main" val="20002"/>
+                      <a16:colId xmlns:a16="http://schemas.microsoft.com/office/drawing/2014/main" xmlns="" val="20002"/>
                     </a:ext>
                   </a:extLst>
                 </a:gridCol>
                 <a:gridCol w="1660649">
                   <a:extLst>
                     <a:ext uri="{9D8B030D-6E8A-4147-A177-3AD203B41FA5}">
-                      <a16:colId xmlns:a16="http://schemas.microsoft.com/office/drawing/2014/main" val="20003"/>
+                      <a16:colId xmlns:a16="http://schemas.microsoft.com/office/drawing/2014/main" xmlns="" val="20003"/>
                     </a:ext>
                   </a:extLst>
                 </a:gridCol>
                 <a:gridCol w="1660649">
                   <a:extLst>
                     <a:ext uri="{9D8B030D-6E8A-4147-A177-3AD203B41FA5}">
-                      <a16:colId xmlns:a16="http://schemas.microsoft.com/office/drawing/2014/main" val="20004"/>
+                      <a16:colId xmlns:a16="http://schemas.microsoft.com/office/drawing/2014/main" xmlns="" val="20004"/>
                     </a:ext>
                   </a:extLst>
                 </a:gridCol>
@@ -33770,8 +33449,13 @@
                     <a:p>
                       <a:r>
                         <a:rPr lang="en-US" sz="1200" dirty="0"/>
-                        <a:t>Data Type</a:t>
+                        <a:t>Data </a:t>
                       </a:r>
+                      <a:r>
+                        <a:rPr lang="en-US" sz="1200" dirty="0" smtClean="0"/>
+                        <a:t>Type</a:t>
+                      </a:r>
+                      <a:endParaRPr lang="en-US" sz="1200" dirty="0"/>
                     </a:p>
                   </a:txBody>
                   <a:tcPr/>
@@ -33837,7 +33521,7 @@
                 </a:tc>
                 <a:extLst>
                   <a:ext uri="{0D108BD9-81ED-4DB2-BD59-A6C34878D82A}">
-                    <a16:rowId xmlns:a16="http://schemas.microsoft.com/office/drawing/2014/main" val="10000"/>
+                    <a16:rowId xmlns:a16="http://schemas.microsoft.com/office/drawing/2014/main" xmlns="" val="10000"/>
                   </a:ext>
                 </a:extLst>
               </a:tr>
@@ -33916,7 +33600,7 @@
                 </a:tc>
                 <a:extLst>
                   <a:ext uri="{0D108BD9-81ED-4DB2-BD59-A6C34878D82A}">
-                    <a16:rowId xmlns:a16="http://schemas.microsoft.com/office/drawing/2014/main" val="10001"/>
+                    <a16:rowId xmlns:a16="http://schemas.microsoft.com/office/drawing/2014/main" xmlns="" val="10001"/>
                   </a:ext>
                 </a:extLst>
               </a:tr>
@@ -34012,7 +33696,7 @@
                 </a:tc>
                 <a:extLst>
                   <a:ext uri="{0D108BD9-81ED-4DB2-BD59-A6C34878D82A}">
-                    <a16:rowId xmlns:a16="http://schemas.microsoft.com/office/drawing/2014/main" val="10002"/>
+                    <a16:rowId xmlns:a16="http://schemas.microsoft.com/office/drawing/2014/main" xmlns="" val="10002"/>
                   </a:ext>
                 </a:extLst>
               </a:tr>
@@ -34086,7 +33770,7 @@
                 </a:tc>
                 <a:extLst>
                   <a:ext uri="{0D108BD9-81ED-4DB2-BD59-A6C34878D82A}">
-                    <a16:rowId xmlns:a16="http://schemas.microsoft.com/office/drawing/2014/main" val="10003"/>
+                    <a16:rowId xmlns:a16="http://schemas.microsoft.com/office/drawing/2014/main" xmlns="" val="10003"/>
                   </a:ext>
                 </a:extLst>
               </a:tr>
@@ -34160,7 +33844,7 @@
                 </a:tc>
                 <a:extLst>
                   <a:ext uri="{0D108BD9-81ED-4DB2-BD59-A6C34878D82A}">
-                    <a16:rowId xmlns:a16="http://schemas.microsoft.com/office/drawing/2014/main" val="10004"/>
+                    <a16:rowId xmlns:a16="http://schemas.microsoft.com/office/drawing/2014/main" xmlns="" val="10004"/>
                   </a:ext>
                 </a:extLst>
               </a:tr>
@@ -34247,7 +33931,7 @@
                 </a:tc>
                 <a:extLst>
                   <a:ext uri="{0D108BD9-81ED-4DB2-BD59-A6C34878D82A}">
-                    <a16:rowId xmlns:a16="http://schemas.microsoft.com/office/drawing/2014/main" val="10005"/>
+                    <a16:rowId xmlns:a16="http://schemas.microsoft.com/office/drawing/2014/main" xmlns="" val="10005"/>
                   </a:ext>
                 </a:extLst>
               </a:tr>
@@ -34337,7 +34021,7 @@
                 </a:tc>
                 <a:extLst>
                   <a:ext uri="{0D108BD9-81ED-4DB2-BD59-A6C34878D82A}">
-                    <a16:rowId xmlns:a16="http://schemas.microsoft.com/office/drawing/2014/main" val="10006"/>
+                    <a16:rowId xmlns:a16="http://schemas.microsoft.com/office/drawing/2014/main" xmlns="" val="10006"/>
                   </a:ext>
                 </a:extLst>
               </a:tr>
@@ -34842,21 +34526,21 @@
                 <a:gridCol w="1733906">
                   <a:extLst>
                     <a:ext uri="{9D8B030D-6E8A-4147-A177-3AD203B41FA5}">
-                      <a16:colId xmlns:a16="http://schemas.microsoft.com/office/drawing/2014/main" val="20000"/>
+                      <a16:colId xmlns:a16="http://schemas.microsoft.com/office/drawing/2014/main" xmlns="" val="20000"/>
                     </a:ext>
                   </a:extLst>
                 </a:gridCol>
                 <a:gridCol w="3433936">
                   <a:extLst>
                     <a:ext uri="{9D8B030D-6E8A-4147-A177-3AD203B41FA5}">
-                      <a16:colId xmlns:a16="http://schemas.microsoft.com/office/drawing/2014/main" val="20001"/>
+                      <a16:colId xmlns:a16="http://schemas.microsoft.com/office/drawing/2014/main" xmlns="" val="20001"/>
                     </a:ext>
                   </a:extLst>
                 </a:gridCol>
                 <a:gridCol w="2929541">
                   <a:extLst>
                     <a:ext uri="{9D8B030D-6E8A-4147-A177-3AD203B41FA5}">
-                      <a16:colId xmlns:a16="http://schemas.microsoft.com/office/drawing/2014/main" val="20002"/>
+                      <a16:colId xmlns:a16="http://schemas.microsoft.com/office/drawing/2014/main" xmlns="" val="20002"/>
                     </a:ext>
                   </a:extLst>
                 </a:gridCol>
@@ -34908,7 +34592,7 @@
                 </a:tc>
                 <a:extLst>
                   <a:ext uri="{0D108BD9-81ED-4DB2-BD59-A6C34878D82A}">
-                    <a16:rowId xmlns:a16="http://schemas.microsoft.com/office/drawing/2014/main" val="10000"/>
+                    <a16:rowId xmlns:a16="http://schemas.microsoft.com/office/drawing/2014/main" xmlns="" val="10000"/>
                   </a:ext>
                 </a:extLst>
               </a:tr>
@@ -34978,7 +34662,7 @@
                 </a:tc>
                 <a:extLst>
                   <a:ext uri="{0D108BD9-81ED-4DB2-BD59-A6C34878D82A}">
-                    <a16:rowId xmlns:a16="http://schemas.microsoft.com/office/drawing/2014/main" val="10001"/>
+                    <a16:rowId xmlns:a16="http://schemas.microsoft.com/office/drawing/2014/main" xmlns="" val="10001"/>
                   </a:ext>
                 </a:extLst>
               </a:tr>
@@ -35048,7 +34732,7 @@
                 </a:tc>
                 <a:extLst>
                   <a:ext uri="{0D108BD9-81ED-4DB2-BD59-A6C34878D82A}">
-                    <a16:rowId xmlns:a16="http://schemas.microsoft.com/office/drawing/2014/main" val="10002"/>
+                    <a16:rowId xmlns:a16="http://schemas.microsoft.com/office/drawing/2014/main" xmlns="" val="10002"/>
                   </a:ext>
                 </a:extLst>
               </a:tr>
@@ -35151,7 +34835,7 @@
                 </a:tc>
                 <a:extLst>
                   <a:ext uri="{0D108BD9-81ED-4DB2-BD59-A6C34878D82A}">
-                    <a16:rowId xmlns:a16="http://schemas.microsoft.com/office/drawing/2014/main" val="10003"/>
+                    <a16:rowId xmlns:a16="http://schemas.microsoft.com/office/drawing/2014/main" xmlns="" val="10003"/>
                   </a:ext>
                 </a:extLst>
               </a:tr>
@@ -35209,7 +34893,7 @@
                 </a:tc>
                 <a:extLst>
                   <a:ext uri="{0D108BD9-81ED-4DB2-BD59-A6C34878D82A}">
-                    <a16:rowId xmlns:a16="http://schemas.microsoft.com/office/drawing/2014/main" val="10004"/>
+                    <a16:rowId xmlns:a16="http://schemas.microsoft.com/office/drawing/2014/main" xmlns="" val="10004"/>
                   </a:ext>
                 </a:extLst>
               </a:tr>
@@ -35255,7 +34939,7 @@
                 </a:tc>
                 <a:extLst>
                   <a:ext uri="{0D108BD9-81ED-4DB2-BD59-A6C34878D82A}">
-                    <a16:rowId xmlns:a16="http://schemas.microsoft.com/office/drawing/2014/main" val="10005"/>
+                    <a16:rowId xmlns:a16="http://schemas.microsoft.com/office/drawing/2014/main" xmlns="" val="10005"/>
                   </a:ext>
                 </a:extLst>
               </a:tr>
@@ -35340,7 +35024,7 @@
                 </a:tc>
                 <a:extLst>
                   <a:ext uri="{0D108BD9-81ED-4DB2-BD59-A6C34878D82A}">
-                    <a16:rowId xmlns:a16="http://schemas.microsoft.com/office/drawing/2014/main" val="10006"/>
+                    <a16:rowId xmlns:a16="http://schemas.microsoft.com/office/drawing/2014/main" xmlns="" val="10006"/>
                   </a:ext>
                 </a:extLst>
               </a:tr>
@@ -36056,7 +35740,7 @@
                 <a:gridCol w="8552385">
                   <a:extLst>
                     <a:ext uri="{9D8B030D-6E8A-4147-A177-3AD203B41FA5}">
-                      <a16:colId xmlns:a16="http://schemas.microsoft.com/office/drawing/2014/main" val="20000"/>
+                      <a16:colId xmlns:a16="http://schemas.microsoft.com/office/drawing/2014/main" xmlns="" val="20000"/>
                     </a:ext>
                   </a:extLst>
                 </a:gridCol>
@@ -36098,7 +35782,7 @@
                 </a:tc>
                 <a:extLst>
                   <a:ext uri="{0D108BD9-81ED-4DB2-BD59-A6C34878D82A}">
-                    <a16:rowId xmlns:a16="http://schemas.microsoft.com/office/drawing/2014/main" val="10000"/>
+                    <a16:rowId xmlns:a16="http://schemas.microsoft.com/office/drawing/2014/main" xmlns="" val="10000"/>
                   </a:ext>
                 </a:extLst>
               </a:tr>
@@ -36162,7 +35846,7 @@
                 </a:tc>
                 <a:extLst>
                   <a:ext uri="{0D108BD9-81ED-4DB2-BD59-A6C34878D82A}">
-                    <a16:rowId xmlns:a16="http://schemas.microsoft.com/office/drawing/2014/main" val="10001"/>
+                    <a16:rowId xmlns:a16="http://schemas.microsoft.com/office/drawing/2014/main" xmlns="" val="10001"/>
                   </a:ext>
                 </a:extLst>
               </a:tr>
@@ -36224,7 +35908,7 @@
                 </a:tc>
                 <a:extLst>
                   <a:ext uri="{0D108BD9-81ED-4DB2-BD59-A6C34878D82A}">
-                    <a16:rowId xmlns:a16="http://schemas.microsoft.com/office/drawing/2014/main" val="10002"/>
+                    <a16:rowId xmlns:a16="http://schemas.microsoft.com/office/drawing/2014/main" xmlns="" val="10002"/>
                   </a:ext>
                 </a:extLst>
               </a:tr>
@@ -36289,7 +35973,7 @@
                 </a:tc>
                 <a:extLst>
                   <a:ext uri="{0D108BD9-81ED-4DB2-BD59-A6C34878D82A}">
-                    <a16:rowId xmlns:a16="http://schemas.microsoft.com/office/drawing/2014/main" val="10003"/>
+                    <a16:rowId xmlns:a16="http://schemas.microsoft.com/office/drawing/2014/main" xmlns="" val="10003"/>
                   </a:ext>
                 </a:extLst>
               </a:tr>
@@ -36377,7 +36061,7 @@
                 </a:tc>
                 <a:extLst>
                   <a:ext uri="{0D108BD9-81ED-4DB2-BD59-A6C34878D82A}">
-                    <a16:rowId xmlns:a16="http://schemas.microsoft.com/office/drawing/2014/main" val="10004"/>
+                    <a16:rowId xmlns:a16="http://schemas.microsoft.com/office/drawing/2014/main" xmlns="" val="10004"/>
                   </a:ext>
                 </a:extLst>
               </a:tr>
@@ -36437,7 +36121,7 @@
                 </a:tc>
                 <a:extLst>
                   <a:ext uri="{0D108BD9-81ED-4DB2-BD59-A6C34878D82A}">
-                    <a16:rowId xmlns:a16="http://schemas.microsoft.com/office/drawing/2014/main" val="10005"/>
+                    <a16:rowId xmlns:a16="http://schemas.microsoft.com/office/drawing/2014/main" xmlns="" val="10005"/>
                   </a:ext>
                 </a:extLst>
               </a:tr>
@@ -37045,6 +36729,14 @@
   <p:clrMapOvr>
     <a:masterClrMapping/>
   </p:clrMapOvr>
+  <mc:AlternateContent xmlns:mc="http://schemas.openxmlformats.org/markup-compatibility/2006">
+    <mc:Choice xmlns:p14="http://schemas.microsoft.com/office/powerpoint/2010/main" Requires="p14">
+      <p:transition spd="slow" p14:dur="2000"/>
+    </mc:Choice>
+    <mc:Fallback>
+      <p:transition spd="slow"/>
+    </mc:Fallback>
+  </mc:AlternateContent>
   <p:timing>
     <p:tnLst>
       <p:par>
@@ -37927,9 +37619,10 @@
           <a:lstStyle/>
           <a:p>
             <a:r>
-              <a:rPr lang="en-US" dirty="0"/>
+              <a:rPr lang="en-US" dirty="0" smtClean="0"/>
               <a:t>Functions that return current date and time</a:t>
             </a:r>
+            <a:endParaRPr lang="en-US" dirty="0"/>
           </a:p>
         </p:txBody>
       </p:sp>
@@ -37957,21 +37650,21 @@
                 <a:gridCol w="2749420">
                   <a:extLst>
                     <a:ext uri="{9D8B030D-6E8A-4147-A177-3AD203B41FA5}">
-                      <a16:colId xmlns:a16="http://schemas.microsoft.com/office/drawing/2014/main" val="20000"/>
+                      <a16:colId xmlns:a16="http://schemas.microsoft.com/office/drawing/2014/main" xmlns="" val="20000"/>
                     </a:ext>
                   </a:extLst>
                 </a:gridCol>
                 <a:gridCol w="1314580">
                   <a:extLst>
                     <a:ext uri="{9D8B030D-6E8A-4147-A177-3AD203B41FA5}">
-                      <a16:colId xmlns:a16="http://schemas.microsoft.com/office/drawing/2014/main" val="20001"/>
+                      <a16:colId xmlns:a16="http://schemas.microsoft.com/office/drawing/2014/main" xmlns="" val="20001"/>
                     </a:ext>
                   </a:extLst>
                 </a:gridCol>
                 <a:gridCol w="3462693">
                   <a:extLst>
                     <a:ext uri="{9D8B030D-6E8A-4147-A177-3AD203B41FA5}">
-                      <a16:colId xmlns:a16="http://schemas.microsoft.com/office/drawing/2014/main" val="20002"/>
+                      <a16:colId xmlns:a16="http://schemas.microsoft.com/office/drawing/2014/main" xmlns="" val="20002"/>
                     </a:ext>
                   </a:extLst>
                 </a:gridCol>
@@ -38018,7 +37711,7 @@
                 </a:tc>
                 <a:extLst>
                   <a:ext uri="{0D108BD9-81ED-4DB2-BD59-A6C34878D82A}">
-                    <a16:rowId xmlns:a16="http://schemas.microsoft.com/office/drawing/2014/main" val="10000"/>
+                    <a16:rowId xmlns:a16="http://schemas.microsoft.com/office/drawing/2014/main" xmlns="" val="10000"/>
                   </a:ext>
                 </a:extLst>
               </a:tr>
@@ -38072,7 +37765,7 @@
                 </a:tc>
                 <a:extLst>
                   <a:ext uri="{0D108BD9-81ED-4DB2-BD59-A6C34878D82A}">
-                    <a16:rowId xmlns:a16="http://schemas.microsoft.com/office/drawing/2014/main" val="10001"/>
+                    <a16:rowId xmlns:a16="http://schemas.microsoft.com/office/drawing/2014/main" xmlns="" val="10001"/>
                   </a:ext>
                 </a:extLst>
               </a:tr>
@@ -38140,7 +37833,7 @@
                 </a:tc>
                 <a:extLst>
                   <a:ext uri="{0D108BD9-81ED-4DB2-BD59-A6C34878D82A}">
-                    <a16:rowId xmlns:a16="http://schemas.microsoft.com/office/drawing/2014/main" val="10002"/>
+                    <a16:rowId xmlns:a16="http://schemas.microsoft.com/office/drawing/2014/main" xmlns="" val="10002"/>
                   </a:ext>
                 </a:extLst>
               </a:tr>
@@ -38211,7 +37904,7 @@
                 </a:tc>
                 <a:extLst>
                   <a:ext uri="{0D108BD9-81ED-4DB2-BD59-A6C34878D82A}">
-                    <a16:rowId xmlns:a16="http://schemas.microsoft.com/office/drawing/2014/main" val="10003"/>
+                    <a16:rowId xmlns:a16="http://schemas.microsoft.com/office/drawing/2014/main" xmlns="" val="10003"/>
                   </a:ext>
                 </a:extLst>
               </a:tr>
@@ -38282,7 +37975,7 @@
                 </a:tc>
                 <a:extLst>
                   <a:ext uri="{0D108BD9-81ED-4DB2-BD59-A6C34878D82A}">
-                    <a16:rowId xmlns:a16="http://schemas.microsoft.com/office/drawing/2014/main" val="10004"/>
+                    <a16:rowId xmlns:a16="http://schemas.microsoft.com/office/drawing/2014/main" xmlns="" val="10004"/>
                   </a:ext>
                 </a:extLst>
               </a:tr>
@@ -38350,7 +38043,7 @@
                 </a:tc>
                 <a:extLst>
                   <a:ext uri="{0D108BD9-81ED-4DB2-BD59-A6C34878D82A}">
-                    <a16:rowId xmlns:a16="http://schemas.microsoft.com/office/drawing/2014/main" val="10005"/>
+                    <a16:rowId xmlns:a16="http://schemas.microsoft.com/office/drawing/2014/main" xmlns="" val="10005"/>
                   </a:ext>
                 </a:extLst>
               </a:tr>
@@ -38429,7 +38122,7 @@
                 </a:tc>
                 <a:extLst>
                   <a:ext uri="{0D108BD9-81ED-4DB2-BD59-A6C34878D82A}">
-                    <a16:rowId xmlns:a16="http://schemas.microsoft.com/office/drawing/2014/main" val="10006"/>
+                    <a16:rowId xmlns:a16="http://schemas.microsoft.com/office/drawing/2014/main" xmlns="" val="10006"/>
                   </a:ext>
                 </a:extLst>
               </a:tr>
@@ -38975,9 +38668,10 @@
           </a:lstStyle>
           <a:p>
             <a:r>
-              <a:rPr lang="en-US" b="0" dirty="0"/>
+              <a:rPr lang="en-US" b="0" dirty="0" smtClean="0"/>
               <a:t>Functions that return part of dates and times</a:t>
             </a:r>
+            <a:endParaRPr lang="en-US" b="0" dirty="0"/>
           </a:p>
         </p:txBody>
       </p:sp>
@@ -39005,28 +38699,28 @@
                 <a:gridCol w="1415144">
                   <a:extLst>
                     <a:ext uri="{9D8B030D-6E8A-4147-A177-3AD203B41FA5}">
-                      <a16:colId xmlns:a16="http://schemas.microsoft.com/office/drawing/2014/main" val="20000"/>
+                      <a16:colId xmlns:a16="http://schemas.microsoft.com/office/drawing/2014/main" xmlns="" val="20000"/>
                     </a:ext>
                   </a:extLst>
                 </a:gridCol>
                 <a:gridCol w="2537926">
                   <a:extLst>
                     <a:ext uri="{9D8B030D-6E8A-4147-A177-3AD203B41FA5}">
-                      <a16:colId xmlns:a16="http://schemas.microsoft.com/office/drawing/2014/main" val="20001"/>
+                      <a16:colId xmlns:a16="http://schemas.microsoft.com/office/drawing/2014/main" xmlns="" val="20001"/>
                     </a:ext>
                   </a:extLst>
                 </a:gridCol>
                 <a:gridCol w="979714">
                   <a:extLst>
                     <a:ext uri="{9D8B030D-6E8A-4147-A177-3AD203B41FA5}">
-                      <a16:colId xmlns:a16="http://schemas.microsoft.com/office/drawing/2014/main" val="20002"/>
+                      <a16:colId xmlns:a16="http://schemas.microsoft.com/office/drawing/2014/main" xmlns="" val="20002"/>
                     </a:ext>
                   </a:extLst>
                 </a:gridCol>
                 <a:gridCol w="2892490">
                   <a:extLst>
                     <a:ext uri="{9D8B030D-6E8A-4147-A177-3AD203B41FA5}">
-                      <a16:colId xmlns:a16="http://schemas.microsoft.com/office/drawing/2014/main" val="20003"/>
+                      <a16:colId xmlns:a16="http://schemas.microsoft.com/office/drawing/2014/main" xmlns="" val="20003"/>
                     </a:ext>
                   </a:extLst>
                 </a:gridCol>
@@ -39086,7 +38780,7 @@
                 </a:tc>
                 <a:extLst>
                   <a:ext uri="{0D108BD9-81ED-4DB2-BD59-A6C34878D82A}">
-                    <a16:rowId xmlns:a16="http://schemas.microsoft.com/office/drawing/2014/main" val="10000"/>
+                    <a16:rowId xmlns:a16="http://schemas.microsoft.com/office/drawing/2014/main" xmlns="" val="10000"/>
                   </a:ext>
                 </a:extLst>
               </a:tr>
@@ -39155,7 +38849,7 @@
                 </a:tc>
                 <a:extLst>
                   <a:ext uri="{0D108BD9-81ED-4DB2-BD59-A6C34878D82A}">
-                    <a16:rowId xmlns:a16="http://schemas.microsoft.com/office/drawing/2014/main" val="10001"/>
+                    <a16:rowId xmlns:a16="http://schemas.microsoft.com/office/drawing/2014/main" xmlns="" val="10001"/>
                   </a:ext>
                 </a:extLst>
               </a:tr>
@@ -39241,7 +38935,7 @@
                 </a:tc>
                 <a:extLst>
                   <a:ext uri="{0D108BD9-81ED-4DB2-BD59-A6C34878D82A}">
-                    <a16:rowId xmlns:a16="http://schemas.microsoft.com/office/drawing/2014/main" val="10002"/>
+                    <a16:rowId xmlns:a16="http://schemas.microsoft.com/office/drawing/2014/main" xmlns="" val="10002"/>
                   </a:ext>
                 </a:extLst>
               </a:tr>
@@ -39297,7 +38991,7 @@
                 </a:tc>
                 <a:extLst>
                   <a:ext uri="{0D108BD9-81ED-4DB2-BD59-A6C34878D82A}">
-                    <a16:rowId xmlns:a16="http://schemas.microsoft.com/office/drawing/2014/main" val="10003"/>
+                    <a16:rowId xmlns:a16="http://schemas.microsoft.com/office/drawing/2014/main" xmlns="" val="10003"/>
                   </a:ext>
                 </a:extLst>
               </a:tr>
@@ -39370,7 +39064,7 @@
                 </a:tc>
                 <a:extLst>
                   <a:ext uri="{0D108BD9-81ED-4DB2-BD59-A6C34878D82A}">
-                    <a16:rowId xmlns:a16="http://schemas.microsoft.com/office/drawing/2014/main" val="10004"/>
+                    <a16:rowId xmlns:a16="http://schemas.microsoft.com/office/drawing/2014/main" xmlns="" val="10004"/>
                   </a:ext>
                 </a:extLst>
               </a:tr>
@@ -39443,7 +39137,7 @@
                 </a:tc>
                 <a:extLst>
                   <a:ext uri="{0D108BD9-81ED-4DB2-BD59-A6C34878D82A}">
-                    <a16:rowId xmlns:a16="http://schemas.microsoft.com/office/drawing/2014/main" val="10005"/>
+                    <a16:rowId xmlns:a16="http://schemas.microsoft.com/office/drawing/2014/main" xmlns="" val="10005"/>
                   </a:ext>
                 </a:extLst>
               </a:tr>
@@ -39797,21 +39491,21 @@
                 <a:gridCol w="2581470">
                   <a:extLst>
                     <a:ext uri="{9D8B030D-6E8A-4147-A177-3AD203B41FA5}">
-                      <a16:colId xmlns:a16="http://schemas.microsoft.com/office/drawing/2014/main" val="20000"/>
+                      <a16:colId xmlns:a16="http://schemas.microsoft.com/office/drawing/2014/main" xmlns="" val="20000"/>
                     </a:ext>
                   </a:extLst>
                 </a:gridCol>
                 <a:gridCol w="3734469">
                   <a:extLst>
                     <a:ext uri="{9D8B030D-6E8A-4147-A177-3AD203B41FA5}">
-                      <a16:colId xmlns:a16="http://schemas.microsoft.com/office/drawing/2014/main" val="20001"/>
+                      <a16:colId xmlns:a16="http://schemas.microsoft.com/office/drawing/2014/main" xmlns="" val="20001"/>
                     </a:ext>
                   </a:extLst>
                 </a:gridCol>
                 <a:gridCol w="1565319">
                   <a:extLst>
                     <a:ext uri="{9D8B030D-6E8A-4147-A177-3AD203B41FA5}">
-                      <a16:colId xmlns:a16="http://schemas.microsoft.com/office/drawing/2014/main" val="20002"/>
+                      <a16:colId xmlns:a16="http://schemas.microsoft.com/office/drawing/2014/main" xmlns="" val="20002"/>
                     </a:ext>
                   </a:extLst>
                 </a:gridCol>
@@ -39858,7 +39552,7 @@
                 </a:tc>
                 <a:extLst>
                   <a:ext uri="{0D108BD9-81ED-4DB2-BD59-A6C34878D82A}">
-                    <a16:rowId xmlns:a16="http://schemas.microsoft.com/office/drawing/2014/main" val="10000"/>
+                    <a16:rowId xmlns:a16="http://schemas.microsoft.com/office/drawing/2014/main" xmlns="" val="10000"/>
                   </a:ext>
                 </a:extLst>
               </a:tr>
@@ -39904,7 +39598,7 @@
                 </a:tc>
                 <a:extLst>
                   <a:ext uri="{0D108BD9-81ED-4DB2-BD59-A6C34878D82A}">
-                    <a16:rowId xmlns:a16="http://schemas.microsoft.com/office/drawing/2014/main" val="10001"/>
+                    <a16:rowId xmlns:a16="http://schemas.microsoft.com/office/drawing/2014/main" xmlns="" val="10001"/>
                   </a:ext>
                 </a:extLst>
               </a:tr>
@@ -39970,7 +39664,7 @@
                 </a:tc>
                 <a:extLst>
                   <a:ext uri="{0D108BD9-81ED-4DB2-BD59-A6C34878D82A}">
-                    <a16:rowId xmlns:a16="http://schemas.microsoft.com/office/drawing/2014/main" val="10002"/>
+                    <a16:rowId xmlns:a16="http://schemas.microsoft.com/office/drawing/2014/main" xmlns="" val="10002"/>
                   </a:ext>
                 </a:extLst>
               </a:tr>
@@ -40033,7 +39727,7 @@
                 </a:tc>
                 <a:extLst>
                   <a:ext uri="{0D108BD9-81ED-4DB2-BD59-A6C34878D82A}">
-                    <a16:rowId xmlns:a16="http://schemas.microsoft.com/office/drawing/2014/main" val="10003"/>
+                    <a16:rowId xmlns:a16="http://schemas.microsoft.com/office/drawing/2014/main" xmlns="" val="10003"/>
                   </a:ext>
                 </a:extLst>
               </a:tr>
@@ -40096,7 +39790,7 @@
                 </a:tc>
                 <a:extLst>
                   <a:ext uri="{0D108BD9-81ED-4DB2-BD59-A6C34878D82A}">
-                    <a16:rowId xmlns:a16="http://schemas.microsoft.com/office/drawing/2014/main" val="10004"/>
+                    <a16:rowId xmlns:a16="http://schemas.microsoft.com/office/drawing/2014/main" xmlns="" val="10004"/>
                   </a:ext>
                 </a:extLst>
               </a:tr>
@@ -40164,7 +39858,7 @@
                 </a:tc>
                 <a:extLst>
                   <a:ext uri="{0D108BD9-81ED-4DB2-BD59-A6C34878D82A}">
-                    <a16:rowId xmlns:a16="http://schemas.microsoft.com/office/drawing/2014/main" val="10005"/>
+                    <a16:rowId xmlns:a16="http://schemas.microsoft.com/office/drawing/2014/main" xmlns="" val="10005"/>
                   </a:ext>
                 </a:extLst>
               </a:tr>
@@ -40210,7 +39904,7 @@
                 </a:tc>
                 <a:extLst>
                   <a:ext uri="{0D108BD9-81ED-4DB2-BD59-A6C34878D82A}">
-                    <a16:rowId xmlns:a16="http://schemas.microsoft.com/office/drawing/2014/main" val="10006"/>
+                    <a16:rowId xmlns:a16="http://schemas.microsoft.com/office/drawing/2014/main" xmlns="" val="10006"/>
                   </a:ext>
                 </a:extLst>
               </a:tr>
@@ -40247,7 +39941,7 @@
                 </a:tc>
                 <a:extLst>
                   <a:ext uri="{0D108BD9-81ED-4DB2-BD59-A6C34878D82A}">
-                    <a16:rowId xmlns:a16="http://schemas.microsoft.com/office/drawing/2014/main" val="10007"/>
+                    <a16:rowId xmlns:a16="http://schemas.microsoft.com/office/drawing/2014/main" xmlns="" val="10007"/>
                   </a:ext>
                 </a:extLst>
               </a:tr>
@@ -40337,577 +40031,6 @@
       </p:sp>
       <p:sp>
         <p:nvSpPr>
-          <p:cNvPr id="19" name="Content Placeholder 2"/>
-          <p:cNvSpPr txBox="1">
-            <a:spLocks/>
-          </p:cNvSpPr>
-          <p:nvPr/>
-        </p:nvSpPr>
-        <p:spPr bwMode="auto">
-          <a:xfrm>
-            <a:off x="458788" y="992188"/>
-            <a:ext cx="7751762" cy="5194008"/>
-          </a:xfrm>
-          <a:prstGeom prst="rect">
-            <a:avLst/>
-          </a:prstGeom>
-          <a:noFill/>
-          <a:ln w="9525">
-            <a:noFill/>
-            <a:miter lim="800000"/>
-            <a:headEnd/>
-            <a:tailEnd/>
-          </a:ln>
-        </p:spPr>
-        <p:txBody>
-          <a:bodyPr vert="horz" wrap="square" lIns="0" tIns="0" rIns="0" bIns="0" numCol="1" anchor="t" anchorCtr="0" compatLnSpc="1">
-            <a:prstTxWarp prst="textNoShape">
-              <a:avLst/>
-            </a:prstTxWarp>
-          </a:bodyPr>
-          <a:lstStyle>
-            <a:lvl1pPr marL="174625" indent="-174625" algn="l" rtl="0" eaLnBrk="1" fontAlgn="base" hangingPunct="1">
-              <a:lnSpc>
-                <a:spcPct val="90000"/>
-              </a:lnSpc>
-              <a:spcBef>
-                <a:spcPct val="70000"/>
-              </a:spcBef>
-              <a:spcAft>
-                <a:spcPct val="0"/>
-              </a:spcAft>
-              <a:buClr>
-                <a:schemeClr val="hlink"/>
-              </a:buClr>
-              <a:buSzPct val="90000"/>
-              <a:buChar char="•"/>
-              <a:defRPr sz="2000">
-                <a:solidFill>
-                  <a:schemeClr val="tx1"/>
-                </a:solidFill>
-                <a:latin typeface="+mn-lt"/>
-                <a:ea typeface="+mn-ea"/>
-                <a:cs typeface="+mn-cs"/>
-              </a:defRPr>
-            </a:lvl1pPr>
-            <a:lvl2pPr marL="458788" indent="-169863" algn="l" rtl="0" eaLnBrk="1" fontAlgn="base" hangingPunct="1">
-              <a:lnSpc>
-                <a:spcPct val="90000"/>
-              </a:lnSpc>
-              <a:spcBef>
-                <a:spcPct val="70000"/>
-              </a:spcBef>
-              <a:spcAft>
-                <a:spcPct val="0"/>
-              </a:spcAft>
-              <a:buClr>
-                <a:schemeClr val="hlink"/>
-              </a:buClr>
-              <a:buSzPct val="80000"/>
-              <a:buFont typeface="Wingdings" pitchFamily="2" charset="2"/>
-              <a:buChar char="§"/>
-              <a:defRPr>
-                <a:solidFill>
-                  <a:schemeClr val="tx1"/>
-                </a:solidFill>
-                <a:latin typeface="+mn-lt"/>
-              </a:defRPr>
-            </a:lvl2pPr>
-            <a:lvl3pPr marL="854075" indent="-173038" algn="l" rtl="0" eaLnBrk="1" fontAlgn="base" hangingPunct="1">
-              <a:lnSpc>
-                <a:spcPct val="90000"/>
-              </a:lnSpc>
-              <a:spcBef>
-                <a:spcPct val="70000"/>
-              </a:spcBef>
-              <a:spcAft>
-                <a:spcPct val="0"/>
-              </a:spcAft>
-              <a:buClr>
-                <a:schemeClr val="bg2"/>
-              </a:buClr>
-              <a:buSzPct val="80000"/>
-              <a:buChar char="•"/>
-              <a:defRPr>
-                <a:solidFill>
-                  <a:schemeClr val="tx1"/>
-                </a:solidFill>
-                <a:latin typeface="+mn-lt"/>
-              </a:defRPr>
-            </a:lvl3pPr>
-            <a:lvl4pPr marL="1254125" indent="-165100" algn="l" rtl="0" eaLnBrk="1" fontAlgn="base" hangingPunct="1">
-              <a:lnSpc>
-                <a:spcPct val="90000"/>
-              </a:lnSpc>
-              <a:spcBef>
-                <a:spcPct val="70000"/>
-              </a:spcBef>
-              <a:spcAft>
-                <a:spcPct val="0"/>
-              </a:spcAft>
-              <a:buClr>
-                <a:srgbClr val="2D4A6D"/>
-              </a:buClr>
-              <a:buSzPct val="90000"/>
-              <a:buFont typeface="Segoe" pitchFamily="34" charset="0"/>
-              <a:buChar char="-"/>
-              <a:defRPr sz="1600">
-                <a:solidFill>
-                  <a:schemeClr val="tx1"/>
-                </a:solidFill>
-                <a:latin typeface="+mn-lt"/>
-              </a:defRPr>
-            </a:lvl4pPr>
-            <a:lvl5pPr marL="1544638" indent="-168275" algn="l" rtl="0" eaLnBrk="1" fontAlgn="base" hangingPunct="1">
-              <a:lnSpc>
-                <a:spcPct val="90000"/>
-              </a:lnSpc>
-              <a:spcBef>
-                <a:spcPct val="70000"/>
-              </a:spcBef>
-              <a:spcAft>
-                <a:spcPct val="0"/>
-              </a:spcAft>
-              <a:buClr>
-                <a:srgbClr val="2D4A6D"/>
-              </a:buClr>
-              <a:buSzPct val="90000"/>
-              <a:buChar char="•"/>
-              <a:defRPr sz="1600">
-                <a:solidFill>
-                  <a:schemeClr val="tx1"/>
-                </a:solidFill>
-                <a:latin typeface="+mn-lt"/>
-              </a:defRPr>
-            </a:lvl5pPr>
-            <a:lvl6pPr marL="2001838" indent="-168275" algn="l" rtl="0" eaLnBrk="1" fontAlgn="base" hangingPunct="1">
-              <a:lnSpc>
-                <a:spcPct val="90000"/>
-              </a:lnSpc>
-              <a:spcBef>
-                <a:spcPct val="70000"/>
-              </a:spcBef>
-              <a:spcAft>
-                <a:spcPct val="0"/>
-              </a:spcAft>
-              <a:buClr>
-                <a:srgbClr val="2D4A6D"/>
-              </a:buClr>
-              <a:buSzPct val="90000"/>
-              <a:buChar char="•"/>
-              <a:defRPr sz="1600">
-                <a:solidFill>
-                  <a:schemeClr val="tx1"/>
-                </a:solidFill>
-                <a:latin typeface="+mn-lt"/>
-              </a:defRPr>
-            </a:lvl6pPr>
-            <a:lvl7pPr marL="2459038" indent="-168275" algn="l" rtl="0" eaLnBrk="1" fontAlgn="base" hangingPunct="1">
-              <a:lnSpc>
-                <a:spcPct val="90000"/>
-              </a:lnSpc>
-              <a:spcBef>
-                <a:spcPct val="70000"/>
-              </a:spcBef>
-              <a:spcAft>
-                <a:spcPct val="0"/>
-              </a:spcAft>
-              <a:buClr>
-                <a:srgbClr val="2D4A6D"/>
-              </a:buClr>
-              <a:buSzPct val="90000"/>
-              <a:buChar char="•"/>
-              <a:defRPr sz="1600">
-                <a:solidFill>
-                  <a:schemeClr val="tx1"/>
-                </a:solidFill>
-                <a:latin typeface="+mn-lt"/>
-              </a:defRPr>
-            </a:lvl7pPr>
-            <a:lvl8pPr marL="2916238" indent="-168275" algn="l" rtl="0" eaLnBrk="1" fontAlgn="base" hangingPunct="1">
-              <a:lnSpc>
-                <a:spcPct val="90000"/>
-              </a:lnSpc>
-              <a:spcBef>
-                <a:spcPct val="70000"/>
-              </a:spcBef>
-              <a:spcAft>
-                <a:spcPct val="0"/>
-              </a:spcAft>
-              <a:buClr>
-                <a:srgbClr val="2D4A6D"/>
-              </a:buClr>
-              <a:buSzPct val="90000"/>
-              <a:buChar char="•"/>
-              <a:defRPr sz="1600">
-                <a:solidFill>
-                  <a:schemeClr val="tx1"/>
-                </a:solidFill>
-                <a:latin typeface="+mn-lt"/>
-              </a:defRPr>
-            </a:lvl8pPr>
-            <a:lvl9pPr marL="3373438" indent="-168275" algn="l" rtl="0" eaLnBrk="1" fontAlgn="base" hangingPunct="1">
-              <a:lnSpc>
-                <a:spcPct val="90000"/>
-              </a:lnSpc>
-              <a:spcBef>
-                <a:spcPct val="70000"/>
-              </a:spcBef>
-              <a:spcAft>
-                <a:spcPct val="0"/>
-              </a:spcAft>
-              <a:buClr>
-                <a:srgbClr val="2D4A6D"/>
-              </a:buClr>
-              <a:buSzPct val="90000"/>
-              <a:buChar char="•"/>
-              <a:defRPr sz="1600">
-                <a:solidFill>
-                  <a:schemeClr val="tx1"/>
-                </a:solidFill>
-                <a:latin typeface="+mn-lt"/>
-              </a:defRPr>
-            </a:lvl9pPr>
-          </a:lstStyle>
-          <a:p>
-            <a:r>
-              <a:rPr lang="en-US" b="0" dirty="0"/>
-              <a:t>Functions that modify date and time values</a:t>
-            </a:r>
-          </a:p>
-          <a:p>
-            <a:endParaRPr lang="en-US" b="0" dirty="0"/>
-          </a:p>
-          <a:p>
-            <a:endParaRPr lang="en-US" b="0" dirty="0"/>
-          </a:p>
-          <a:p>
-            <a:endParaRPr lang="en-US" b="0" dirty="0"/>
-          </a:p>
-          <a:p>
-            <a:endParaRPr lang="en-US" b="0" dirty="0"/>
-          </a:p>
-          <a:p>
-            <a:endParaRPr lang="en-US" b="0" dirty="0"/>
-          </a:p>
-          <a:p>
-            <a:endParaRPr lang="en-US" b="0" dirty="0"/>
-          </a:p>
-          <a:p>
-            <a:r>
-              <a:rPr lang="en-US" b="0" dirty="0"/>
-              <a:t>Functions that operate on date and time values</a:t>
-            </a:r>
-          </a:p>
-          <a:p>
-            <a:endParaRPr lang="en-US" b="0" dirty="0"/>
-          </a:p>
-        </p:txBody>
-      </p:sp>
-      <p:graphicFrame>
-        <p:nvGraphicFramePr>
-          <p:cNvPr id="20" name="Table 19"/>
-          <p:cNvGraphicFramePr>
-            <a:graphicFrameLocks noGrp="1"/>
-          </p:cNvGraphicFramePr>
-          <p:nvPr>
-            <p:extLst/>
-          </p:nvPr>
-        </p:nvGraphicFramePr>
-        <p:xfrm>
-          <a:off x="611498" y="1451779"/>
-          <a:ext cx="7912359" cy="2077720"/>
-        </p:xfrm>
-        <a:graphic>
-          <a:graphicData uri="http://schemas.openxmlformats.org/drawingml/2006/table">
-            <a:tbl>
-              <a:tblPr firstRow="1" bandRow="1">
-                <a:tableStyleId>{073A0DAA-6AF3-43AB-8588-CEC1D06C72B9}</a:tableStyleId>
-              </a:tblPr>
-              <a:tblGrid>
-                <a:gridCol w="2637453">
-                  <a:extLst>
-                    <a:ext uri="{9D8B030D-6E8A-4147-A177-3AD203B41FA5}">
-                      <a16:colId xmlns:a16="http://schemas.microsoft.com/office/drawing/2014/main" val="20000"/>
-                    </a:ext>
-                  </a:extLst>
-                </a:gridCol>
-                <a:gridCol w="2637453">
-                  <a:extLst>
-                    <a:ext uri="{9D8B030D-6E8A-4147-A177-3AD203B41FA5}">
-                      <a16:colId xmlns:a16="http://schemas.microsoft.com/office/drawing/2014/main" val="20001"/>
-                    </a:ext>
-                  </a:extLst>
-                </a:gridCol>
-                <a:gridCol w="2637453">
-                  <a:extLst>
-                    <a:ext uri="{9D8B030D-6E8A-4147-A177-3AD203B41FA5}">
-                      <a16:colId xmlns:a16="http://schemas.microsoft.com/office/drawing/2014/main" val="20002"/>
-                    </a:ext>
-                  </a:extLst>
-                </a:gridCol>
-              </a:tblGrid>
-              <a:tr h="370840">
-                <a:tc>
-                  <a:txBody>
-                    <a:bodyPr/>
-                    <a:lstStyle/>
-                    <a:p>
-                      <a:r>
-                        <a:rPr lang="en-US" dirty="0"/>
-                        <a:t>Function</a:t>
-                      </a:r>
-                    </a:p>
-                  </a:txBody>
-                  <a:tcPr/>
-                </a:tc>
-                <a:tc>
-                  <a:txBody>
-                    <a:bodyPr/>
-                    <a:lstStyle/>
-                    <a:p>
-                      <a:r>
-                        <a:rPr lang="en-US" dirty="0"/>
-                        <a:t>Syntax</a:t>
-                      </a:r>
-                    </a:p>
-                  </a:txBody>
-                  <a:tcPr/>
-                </a:tc>
-                <a:tc>
-                  <a:txBody>
-                    <a:bodyPr/>
-                    <a:lstStyle/>
-                    <a:p>
-                      <a:r>
-                        <a:rPr lang="en-US" dirty="0"/>
-                        <a:t>Remarks</a:t>
-                      </a:r>
-                    </a:p>
-                  </a:txBody>
-                  <a:tcPr/>
-                </a:tc>
-                <a:extLst>
-                  <a:ext uri="{0D108BD9-81ED-4DB2-BD59-A6C34878D82A}">
-                    <a16:rowId xmlns:a16="http://schemas.microsoft.com/office/drawing/2014/main" val="10000"/>
-                  </a:ext>
-                </a:extLst>
-              </a:tr>
-              <a:tr h="370840">
-                <a:tc>
-                  <a:txBody>
-                    <a:bodyPr/>
-                    <a:lstStyle/>
-                    <a:p>
-                      <a:r>
-                        <a:rPr lang="en-US" sz="1100" dirty="0"/>
-                        <a:t>DATEADD()</a:t>
-                      </a:r>
-                    </a:p>
-                  </a:txBody>
-                  <a:tcPr/>
-                </a:tc>
-                <a:tc>
-                  <a:txBody>
-                    <a:bodyPr/>
-                    <a:lstStyle/>
-                    <a:p>
-                      <a:r>
-                        <a:rPr lang="en-US" sz="1100" dirty="0"/>
-                        <a:t>DATEADD(datepart,</a:t>
-                      </a:r>
-                      <a:r>
-                        <a:rPr lang="en-US" sz="1100" baseline="0" dirty="0"/>
-                        <a:t> interval, date)</a:t>
-                      </a:r>
-                      <a:endParaRPr lang="en-US" sz="1100" dirty="0"/>
-                    </a:p>
-                  </a:txBody>
-                  <a:tcPr/>
-                </a:tc>
-                <a:tc>
-                  <a:txBody>
-                    <a:bodyPr/>
-                    <a:lstStyle/>
-                    <a:p>
-                      <a:r>
-                        <a:rPr lang="en-US" sz="1100" dirty="0"/>
-                        <a:t>Adds interval to date,</a:t>
-                      </a:r>
-                      <a:r>
-                        <a:rPr lang="en-US" sz="1100" baseline="0" dirty="0"/>
-                        <a:t> returns same datatype as date</a:t>
-                      </a:r>
-                      <a:endParaRPr lang="en-US" sz="1100" dirty="0"/>
-                    </a:p>
-                  </a:txBody>
-                  <a:tcPr/>
-                </a:tc>
-                <a:extLst>
-                  <a:ext uri="{0D108BD9-81ED-4DB2-BD59-A6C34878D82A}">
-                    <a16:rowId xmlns:a16="http://schemas.microsoft.com/office/drawing/2014/main" val="10001"/>
-                  </a:ext>
-                </a:extLst>
-              </a:tr>
-              <a:tr h="370840">
-                <a:tc>
-                  <a:txBody>
-                    <a:bodyPr/>
-                    <a:lstStyle/>
-                    <a:p>
-                      <a:r>
-                        <a:rPr lang="en-US" sz="1100" dirty="0"/>
-                        <a:t>EOMONTH()</a:t>
-                      </a:r>
-                    </a:p>
-                  </a:txBody>
-                  <a:tcPr/>
-                </a:tc>
-                <a:tc>
-                  <a:txBody>
-                    <a:bodyPr/>
-                    <a:lstStyle/>
-                    <a:p>
-                      <a:r>
-                        <a:rPr lang="en-US" sz="1100" dirty="0"/>
-                        <a:t>EOMONTH(start_date, interval)</a:t>
-                      </a:r>
-                    </a:p>
-                  </a:txBody>
-                  <a:tcPr/>
-                </a:tc>
-                <a:tc>
-                  <a:txBody>
-                    <a:bodyPr/>
-                    <a:lstStyle/>
-                    <a:p>
-                      <a:r>
-                        <a:rPr lang="en-US" sz="1100" dirty="0"/>
-                        <a:t>Returns last day of month as</a:t>
-                      </a:r>
-                      <a:r>
-                        <a:rPr lang="en-US" sz="1100" baseline="0" dirty="0"/>
-                        <a:t> start date, with optional offset</a:t>
-                      </a:r>
-                      <a:endParaRPr lang="en-US" sz="1100" dirty="0"/>
-                    </a:p>
-                  </a:txBody>
-                  <a:tcPr/>
-                </a:tc>
-                <a:extLst>
-                  <a:ext uri="{0D108BD9-81ED-4DB2-BD59-A6C34878D82A}">
-                    <a16:rowId xmlns:a16="http://schemas.microsoft.com/office/drawing/2014/main" val="10002"/>
-                  </a:ext>
-                </a:extLst>
-              </a:tr>
-              <a:tr h="370840">
-                <a:tc>
-                  <a:txBody>
-                    <a:bodyPr/>
-                    <a:lstStyle/>
-                    <a:p>
-                      <a:r>
-                        <a:rPr lang="en-US" sz="1100" dirty="0"/>
-                        <a:t>SWITCHOFFSET()</a:t>
-                      </a:r>
-                    </a:p>
-                  </a:txBody>
-                  <a:tcPr/>
-                </a:tc>
-                <a:tc>
-                  <a:txBody>
-                    <a:bodyPr/>
-                    <a:lstStyle/>
-                    <a:p>
-                      <a:r>
-                        <a:rPr lang="en-US" sz="1100" dirty="0"/>
-                        <a:t>SWITCHOFFSET(datetimeoffset, time_zone)</a:t>
-                      </a:r>
-                    </a:p>
-                  </a:txBody>
-                  <a:tcPr/>
-                </a:tc>
-                <a:tc>
-                  <a:txBody>
-                    <a:bodyPr/>
-                    <a:lstStyle/>
-                    <a:p>
-                      <a:r>
-                        <a:rPr lang="en-US" sz="1100" dirty="0"/>
-                        <a:t>Changes tim</a:t>
-                      </a:r>
-                      <a:r>
-                        <a:rPr lang="en-US" sz="1100" baseline="0" dirty="0"/>
-                        <a:t>e zone offset</a:t>
-                      </a:r>
-                      <a:endParaRPr lang="en-US" sz="1100" dirty="0"/>
-                    </a:p>
-                  </a:txBody>
-                  <a:tcPr/>
-                </a:tc>
-                <a:extLst>
-                  <a:ext uri="{0D108BD9-81ED-4DB2-BD59-A6C34878D82A}">
-                    <a16:rowId xmlns:a16="http://schemas.microsoft.com/office/drawing/2014/main" val="10003"/>
-                  </a:ext>
-                </a:extLst>
-              </a:tr>
-              <a:tr h="370840">
-                <a:tc>
-                  <a:txBody>
-                    <a:bodyPr/>
-                    <a:lstStyle/>
-                    <a:p>
-                      <a:r>
-                        <a:rPr lang="en-US" sz="1100" dirty="0"/>
-                        <a:t>TODATETIMEOFFSET()</a:t>
-                      </a:r>
-                    </a:p>
-                  </a:txBody>
-                  <a:tcPr/>
-                </a:tc>
-                <a:tc>
-                  <a:txBody>
-                    <a:bodyPr/>
-                    <a:lstStyle/>
-                    <a:p>
-                      <a:r>
-                        <a:rPr lang="en-US" sz="1100" dirty="0"/>
-                        <a:t>TODATETIMEOFFSET(expression, time_zone)</a:t>
-                      </a:r>
-                    </a:p>
-                  </a:txBody>
-                  <a:tcPr/>
-                </a:tc>
-                <a:tc>
-                  <a:txBody>
-                    <a:bodyPr/>
-                    <a:lstStyle/>
-                    <a:p>
-                      <a:r>
-                        <a:rPr lang="en-US" sz="1100" dirty="0"/>
-                        <a:t>Converts</a:t>
-                      </a:r>
-                      <a:r>
-                        <a:rPr lang="en-US" sz="1100" baseline="0" dirty="0"/>
-                        <a:t> datetime2 into datetimeoffset</a:t>
-                      </a:r>
-                      <a:endParaRPr lang="en-US" sz="1100" dirty="0"/>
-                    </a:p>
-                  </a:txBody>
-                  <a:tcPr/>
-                </a:tc>
-                <a:extLst>
-                  <a:ext uri="{0D108BD9-81ED-4DB2-BD59-A6C34878D82A}">
-                    <a16:rowId xmlns:a16="http://schemas.microsoft.com/office/drawing/2014/main" val="10004"/>
-                  </a:ext>
-                </a:extLst>
-              </a:tr>
-            </a:tbl>
-          </a:graphicData>
-        </a:graphic>
-      </p:graphicFrame>
-      <p:sp>
-        <p:nvSpPr>
           <p:cNvPr id="21" name="AutoShape 3"/>
           <p:cNvSpPr>
             <a:spLocks noChangeArrowheads="1"/>
@@ -41073,201 +40196,6 @@
           </a:p>
         </p:txBody>
       </p:sp>
-      <p:graphicFrame>
-        <p:nvGraphicFramePr>
-          <p:cNvPr id="22" name="Table 21"/>
-          <p:cNvGraphicFramePr>
-            <a:graphicFrameLocks noGrp="1"/>
-          </p:cNvGraphicFramePr>
-          <p:nvPr>
-            <p:extLst/>
-          </p:nvPr>
-        </p:nvGraphicFramePr>
-        <p:xfrm>
-          <a:off x="606491" y="4867988"/>
-          <a:ext cx="7800390" cy="1224280"/>
-        </p:xfrm>
-        <a:graphic>
-          <a:graphicData uri="http://schemas.openxmlformats.org/drawingml/2006/table">
-            <a:tbl>
-              <a:tblPr firstRow="1" bandRow="1">
-                <a:tableStyleId>{073A0DAA-6AF3-43AB-8588-CEC1D06C72B9}</a:tableStyleId>
-              </a:tblPr>
-              <a:tblGrid>
-                <a:gridCol w="1670178">
-                  <a:extLst>
-                    <a:ext uri="{9D8B030D-6E8A-4147-A177-3AD203B41FA5}">
-                      <a16:colId xmlns:a16="http://schemas.microsoft.com/office/drawing/2014/main" val="20000"/>
-                    </a:ext>
-                  </a:extLst>
-                </a:gridCol>
-                <a:gridCol w="3530082">
-                  <a:extLst>
-                    <a:ext uri="{9D8B030D-6E8A-4147-A177-3AD203B41FA5}">
-                      <a16:colId xmlns:a16="http://schemas.microsoft.com/office/drawing/2014/main" val="20001"/>
-                    </a:ext>
-                  </a:extLst>
-                </a:gridCol>
-                <a:gridCol w="2600130">
-                  <a:extLst>
-                    <a:ext uri="{9D8B030D-6E8A-4147-A177-3AD203B41FA5}">
-                      <a16:colId xmlns:a16="http://schemas.microsoft.com/office/drawing/2014/main" val="20002"/>
-                    </a:ext>
-                  </a:extLst>
-                </a:gridCol>
-              </a:tblGrid>
-              <a:tr h="370840">
-                <a:tc>
-                  <a:txBody>
-                    <a:bodyPr/>
-                    <a:lstStyle/>
-                    <a:p>
-                      <a:r>
-                        <a:rPr lang="en-US" dirty="0"/>
-                        <a:t>Function</a:t>
-                      </a:r>
-                    </a:p>
-                  </a:txBody>
-                  <a:tcPr/>
-                </a:tc>
-                <a:tc>
-                  <a:txBody>
-                    <a:bodyPr/>
-                    <a:lstStyle/>
-                    <a:p>
-                      <a:r>
-                        <a:rPr lang="en-US" dirty="0"/>
-                        <a:t>Syntax</a:t>
-                      </a:r>
-                    </a:p>
-                  </a:txBody>
-                  <a:tcPr/>
-                </a:tc>
-                <a:tc>
-                  <a:txBody>
-                    <a:bodyPr/>
-                    <a:lstStyle/>
-                    <a:p>
-                      <a:r>
-                        <a:rPr lang="en-US" dirty="0"/>
-                        <a:t>Remarks</a:t>
-                      </a:r>
-                    </a:p>
-                  </a:txBody>
-                  <a:tcPr/>
-                </a:tc>
-                <a:extLst>
-                  <a:ext uri="{0D108BD9-81ED-4DB2-BD59-A6C34878D82A}">
-                    <a16:rowId xmlns:a16="http://schemas.microsoft.com/office/drawing/2014/main" val="10000"/>
-                  </a:ext>
-                </a:extLst>
-              </a:tr>
-              <a:tr h="370840">
-                <a:tc>
-                  <a:txBody>
-                    <a:bodyPr/>
-                    <a:lstStyle/>
-                    <a:p>
-                      <a:r>
-                        <a:rPr lang="en-US" sz="1100" dirty="0"/>
-                        <a:t>DATEDIFF()</a:t>
-                      </a:r>
-                    </a:p>
-                  </a:txBody>
-                  <a:tcPr/>
-                </a:tc>
-                <a:tc>
-                  <a:txBody>
-                    <a:bodyPr/>
-                    <a:lstStyle/>
-                    <a:p>
-                      <a:r>
-                        <a:rPr lang="en-US" sz="1100" dirty="0"/>
-                        <a:t>DATEDIFF(datepart, start_date, end_date)</a:t>
-                      </a:r>
-                    </a:p>
-                  </a:txBody>
-                  <a:tcPr/>
-                </a:tc>
-                <a:tc>
-                  <a:txBody>
-                    <a:bodyPr/>
-                    <a:lstStyle/>
-                    <a:p>
-                      <a:r>
-                        <a:rPr lang="en-US" sz="1100" dirty="0"/>
-                        <a:t>Returns the number of boundaries crossed for the specified </a:t>
-                      </a:r>
-                      <a:r>
-                        <a:rPr lang="en-US" sz="1100" dirty="0" err="1"/>
-                        <a:t>datepart</a:t>
-                      </a:r>
-                      <a:endParaRPr lang="en-US" sz="1100" dirty="0"/>
-                    </a:p>
-                  </a:txBody>
-                  <a:tcPr/>
-                </a:tc>
-                <a:extLst>
-                  <a:ext uri="{0D108BD9-81ED-4DB2-BD59-A6C34878D82A}">
-                    <a16:rowId xmlns:a16="http://schemas.microsoft.com/office/drawing/2014/main" val="10001"/>
-                  </a:ext>
-                </a:extLst>
-              </a:tr>
-              <a:tr h="370840">
-                <a:tc>
-                  <a:txBody>
-                    <a:bodyPr/>
-                    <a:lstStyle/>
-                    <a:p>
-                      <a:r>
-                        <a:rPr lang="en-US" sz="1100" dirty="0"/>
-                        <a:t>ISDATE()</a:t>
-                      </a:r>
-                    </a:p>
-                  </a:txBody>
-                  <a:tcPr/>
-                </a:tc>
-                <a:tc>
-                  <a:txBody>
-                    <a:bodyPr/>
-                    <a:lstStyle/>
-                    <a:p>
-                      <a:r>
-                        <a:rPr lang="en-US" sz="1100" dirty="0"/>
-                        <a:t>ISDATE(expression)</a:t>
-                      </a:r>
-                    </a:p>
-                  </a:txBody>
-                  <a:tcPr/>
-                </a:tc>
-                <a:tc>
-                  <a:txBody>
-                    <a:bodyPr/>
-                    <a:lstStyle/>
-                    <a:p>
-                      <a:r>
-                        <a:rPr lang="en-US" sz="1100" dirty="0"/>
-                        <a:t>Determines</a:t>
-                      </a:r>
-                      <a:r>
-                        <a:rPr lang="en-US" sz="1100" baseline="0" dirty="0"/>
-                        <a:t> whether a datetime or smalldate time is a valid value</a:t>
-                      </a:r>
-                      <a:endParaRPr lang="en-US" sz="1100" dirty="0"/>
-                    </a:p>
-                  </a:txBody>
-                  <a:tcPr/>
-                </a:tc>
-                <a:extLst>
-                  <a:ext uri="{0D108BD9-81ED-4DB2-BD59-A6C34878D82A}">
-                    <a16:rowId xmlns:a16="http://schemas.microsoft.com/office/drawing/2014/main" val="10002"/>
-                  </a:ext>
-                </a:extLst>
-              </a:tr>
-            </a:tbl>
-          </a:graphicData>
-        </a:graphic>
-      </p:graphicFrame>
       <p:grpSp>
         <p:nvGrpSpPr>
           <p:cNvPr id="23" name="Group 12"/>
@@ -41995,7 +40923,7 @@
                                           </p:stCondLst>
                                         </p:cTn>
                                         <p:tgtEl>
-                                          <p:spTgt spid="19"/>
+                                          <p:spTgt spid="21"/>
                                         </p:tgtEl>
                                         <p:attrNameLst>
                                           <p:attrName>style.visibility</p:attrName>
@@ -42009,112 +40937,7 @@
                                       <p:cBhvr>
                                         <p:cTn id="56" dur="500"/>
                                         <p:tgtEl>
-                                          <p:spTgt spid="19"/>
-                                        </p:tgtEl>
-                                      </p:cBhvr>
-                                    </p:animEffect>
-                                  </p:childTnLst>
-                                </p:cTn>
-                              </p:par>
-                              <p:par>
-                                <p:cTn id="57" presetID="10" presetClass="entr" presetSubtype="0" fill="hold" nodeType="withEffect">
-                                  <p:stCondLst>
-                                    <p:cond delay="0"/>
-                                  </p:stCondLst>
-                                  <p:childTnLst>
-                                    <p:set>
-                                      <p:cBhvr>
-                                        <p:cTn id="58" dur="1" fill="hold">
-                                          <p:stCondLst>
-                                            <p:cond delay="0"/>
-                                          </p:stCondLst>
-                                        </p:cTn>
-                                        <p:tgtEl>
-                                          <p:spTgt spid="20"/>
-                                        </p:tgtEl>
-                                        <p:attrNameLst>
-                                          <p:attrName>style.visibility</p:attrName>
-                                        </p:attrNameLst>
-                                      </p:cBhvr>
-                                      <p:to>
-                                        <p:strVal val="visible"/>
-                                      </p:to>
-                                    </p:set>
-                                    <p:animEffect transition="in" filter="fade">
-                                      <p:cBhvr>
-                                        <p:cTn id="59" dur="500"/>
-                                        <p:tgtEl>
-                                          <p:spTgt spid="20"/>
-                                        </p:tgtEl>
-                                      </p:cBhvr>
-                                    </p:animEffect>
-                                  </p:childTnLst>
-                                </p:cTn>
-                              </p:par>
-                              <p:par>
-                                <p:cTn id="60" presetID="10" presetClass="entr" presetSubtype="0" fill="hold" grpId="0" nodeType="withEffect">
-                                  <p:stCondLst>
-                                    <p:cond delay="0"/>
-                                  </p:stCondLst>
-                                  <p:childTnLst>
-                                    <p:set>
-                                      <p:cBhvr>
-                                        <p:cTn id="61" dur="1" fill="hold">
-                                          <p:stCondLst>
-                                            <p:cond delay="0"/>
-                                          </p:stCondLst>
-                                        </p:cTn>
-                                        <p:tgtEl>
                                           <p:spTgt spid="21"/>
-                                        </p:tgtEl>
-                                        <p:attrNameLst>
-                                          <p:attrName>style.visibility</p:attrName>
-                                        </p:attrNameLst>
-                                      </p:cBhvr>
-                                      <p:to>
-                                        <p:strVal val="visible"/>
-                                      </p:to>
-                                    </p:set>
-                                    <p:animEffect transition="in" filter="fade">
-                                      <p:cBhvr>
-                                        <p:cTn id="62" dur="500"/>
-                                        <p:tgtEl>
-                                          <p:spTgt spid="21"/>
-                                        </p:tgtEl>
-                                      </p:cBhvr>
-                                    </p:animEffect>
-                                  </p:childTnLst>
-                                </p:cTn>
-                              </p:par>
-                              <p:par>
-                                <p:cTn id="63" presetID="10" presetClass="entr" presetSubtype="0" fill="hold" nodeType="withEffect">
-                                  <p:stCondLst>
-                                    <p:cond delay="0"/>
-                                  </p:stCondLst>
-                                  <p:childTnLst>
-                                    <p:set>
-                                      <p:cBhvr>
-                                        <p:cTn id="64" dur="1" fill="hold">
-                                          <p:stCondLst>
-                                            <p:cond delay="0"/>
-                                          </p:stCondLst>
-                                        </p:cTn>
-                                        <p:tgtEl>
-                                          <p:spTgt spid="22"/>
-                                        </p:tgtEl>
-                                        <p:attrNameLst>
-                                          <p:attrName>style.visibility</p:attrName>
-                                        </p:attrNameLst>
-                                      </p:cBhvr>
-                                      <p:to>
-                                        <p:strVal val="visible"/>
-                                      </p:to>
-                                    </p:set>
-                                    <p:animEffect transition="in" filter="fade">
-                                      <p:cBhvr>
-                                        <p:cTn id="65" dur="500"/>
-                                        <p:tgtEl>
-                                          <p:spTgt spid="22"/>
                                         </p:tgtEl>
                                       </p:cBhvr>
                                     </p:animEffect>
@@ -42128,26 +40951,26 @@
                     </p:cTn>
                   </p:par>
                   <p:par>
-                    <p:cTn id="66" fill="hold">
+                    <p:cTn id="57" fill="hold">
                       <p:stCondLst>
                         <p:cond delay="indefinite"/>
                       </p:stCondLst>
                       <p:childTnLst>
                         <p:par>
-                          <p:cTn id="67" fill="hold">
+                          <p:cTn id="58" fill="hold">
                             <p:stCondLst>
                               <p:cond delay="0"/>
                             </p:stCondLst>
                             <p:childTnLst>
                               <p:par>
-                                <p:cTn id="68" presetID="1" presetClass="entr" presetSubtype="0" fill="hold" nodeType="clickEffect">
+                                <p:cTn id="59" presetID="1" presetClass="entr" presetSubtype="0" fill="hold" nodeType="clickEffect">
                                   <p:stCondLst>
                                     <p:cond delay="0"/>
                                   </p:stCondLst>
                                   <p:childTnLst>
                                     <p:set>
                                       <p:cBhvr>
-                                        <p:cTn id="69" dur="1" fill="hold">
+                                        <p:cTn id="60" dur="1" fill="hold">
                                           <p:stCondLst>
                                             <p:cond delay="0"/>
                                           </p:stCondLst>
@@ -42204,7 +41027,6 @@
       <p:bldP spid="16" grpId="1"/>
       <p:bldP spid="18" grpId="0" animBg="1"/>
       <p:bldP spid="18" grpId="1" animBg="1"/>
-      <p:bldP spid="19" grpId="0"/>
       <p:bldP spid="21" grpId="0" animBg="1"/>
     </p:bldLst>
   </p:timing>
@@ -42212,6 +41034,767 @@
 </file>
 
 <file path=ppt/slides/slide24.xml><?xml version="1.0" encoding="utf-8"?>
+<p:sld xmlns:a="http://schemas.openxmlformats.org/drawingml/2006/main" xmlns:r="http://schemas.openxmlformats.org/officeDocument/2006/relationships" xmlns:p="http://schemas.openxmlformats.org/presentationml/2006/main">
+  <p:cSld>
+    <p:spTree>
+      <p:nvGrpSpPr>
+        <p:cNvPr id="1" name=""/>
+        <p:cNvGrpSpPr/>
+        <p:nvPr/>
+      </p:nvGrpSpPr>
+      <p:grpSpPr>
+        <a:xfrm>
+          <a:off x="0" y="0"/>
+          <a:ext cx="0" cy="0"/>
+          <a:chOff x="0" y="0"/>
+          <a:chExt cx="0" cy="0"/>
+        </a:xfrm>
+      </p:grpSpPr>
+      <p:sp>
+        <p:nvSpPr>
+          <p:cNvPr id="2" name="Title 1"/>
+          <p:cNvSpPr>
+            <a:spLocks noGrp="1"/>
+          </p:cNvSpPr>
+          <p:nvPr>
+            <p:ph type="title"/>
+          </p:nvPr>
+        </p:nvSpPr>
+        <p:spPr/>
+        <p:txBody>
+          <a:bodyPr/>
+          <a:lstStyle/>
+          <a:p>
+            <a:endParaRPr lang="en-AU"/>
+          </a:p>
+        </p:txBody>
+      </p:sp>
+      <p:sp>
+        <p:nvSpPr>
+          <p:cNvPr id="3" name="Content Placeholder 2"/>
+          <p:cNvSpPr>
+            <a:spLocks noGrp="1"/>
+          </p:cNvSpPr>
+          <p:nvPr>
+            <p:ph idx="1"/>
+          </p:nvPr>
+        </p:nvSpPr>
+        <p:spPr/>
+        <p:txBody>
+          <a:bodyPr/>
+          <a:lstStyle/>
+          <a:p>
+            <a:endParaRPr lang="en-AU"/>
+          </a:p>
+        </p:txBody>
+      </p:sp>
+      <p:graphicFrame>
+        <p:nvGraphicFramePr>
+          <p:cNvPr id="4" name="Table 3"/>
+          <p:cNvGraphicFramePr>
+            <a:graphicFrameLocks noGrp="1"/>
+          </p:cNvGraphicFramePr>
+          <p:nvPr>
+            <p:extLst>
+              <p:ext uri="{D42A27DB-BD31-4B8C-83A1-F6EECF244321}">
+                <p14:modId xmlns:p14="http://schemas.microsoft.com/office/powerpoint/2010/main" val="3190037437"/>
+              </p:ext>
+            </p:extLst>
+          </p:nvPr>
+        </p:nvGraphicFramePr>
+        <p:xfrm>
+          <a:off x="-2028419" y="3449437"/>
+          <a:ext cx="7912359" cy="2077720"/>
+        </p:xfrm>
+        <a:graphic>
+          <a:graphicData uri="http://schemas.openxmlformats.org/drawingml/2006/table">
+            <a:tbl>
+              <a:tblPr firstRow="1" bandRow="1">
+                <a:tableStyleId>{073A0DAA-6AF3-43AB-8588-CEC1D06C72B9}</a:tableStyleId>
+              </a:tblPr>
+              <a:tblGrid>
+                <a:gridCol w="2637453">
+                  <a:extLst>
+                    <a:ext uri="{9D8B030D-6E8A-4147-A177-3AD203B41FA5}">
+                      <a16:colId xmlns:a16="http://schemas.microsoft.com/office/drawing/2014/main" xmlns="" val="20000"/>
+                    </a:ext>
+                  </a:extLst>
+                </a:gridCol>
+                <a:gridCol w="2637453">
+                  <a:extLst>
+                    <a:ext uri="{9D8B030D-6E8A-4147-A177-3AD203B41FA5}">
+                      <a16:colId xmlns:a16="http://schemas.microsoft.com/office/drawing/2014/main" xmlns="" val="20001"/>
+                    </a:ext>
+                  </a:extLst>
+                </a:gridCol>
+                <a:gridCol w="2637453">
+                  <a:extLst>
+                    <a:ext uri="{9D8B030D-6E8A-4147-A177-3AD203B41FA5}">
+                      <a16:colId xmlns:a16="http://schemas.microsoft.com/office/drawing/2014/main" xmlns="" val="20002"/>
+                    </a:ext>
+                  </a:extLst>
+                </a:gridCol>
+              </a:tblGrid>
+              <a:tr h="370840">
+                <a:tc>
+                  <a:txBody>
+                    <a:bodyPr/>
+                    <a:lstStyle/>
+                    <a:p>
+                      <a:r>
+                        <a:rPr lang="en-US" dirty="0"/>
+                        <a:t>Function</a:t>
+                      </a:r>
+                    </a:p>
+                  </a:txBody>
+                  <a:tcPr/>
+                </a:tc>
+                <a:tc>
+                  <a:txBody>
+                    <a:bodyPr/>
+                    <a:lstStyle/>
+                    <a:p>
+                      <a:r>
+                        <a:rPr lang="en-US" dirty="0"/>
+                        <a:t>Syntax</a:t>
+                      </a:r>
+                    </a:p>
+                  </a:txBody>
+                  <a:tcPr/>
+                </a:tc>
+                <a:tc>
+                  <a:txBody>
+                    <a:bodyPr/>
+                    <a:lstStyle/>
+                    <a:p>
+                      <a:r>
+                        <a:rPr lang="en-US" dirty="0"/>
+                        <a:t>Remarks</a:t>
+                      </a:r>
+                    </a:p>
+                  </a:txBody>
+                  <a:tcPr/>
+                </a:tc>
+                <a:extLst>
+                  <a:ext uri="{0D108BD9-81ED-4DB2-BD59-A6C34878D82A}">
+                    <a16:rowId xmlns:a16="http://schemas.microsoft.com/office/drawing/2014/main" xmlns="" val="10000"/>
+                  </a:ext>
+                </a:extLst>
+              </a:tr>
+              <a:tr h="370840">
+                <a:tc>
+                  <a:txBody>
+                    <a:bodyPr/>
+                    <a:lstStyle/>
+                    <a:p>
+                      <a:r>
+                        <a:rPr lang="en-US" sz="1100" dirty="0"/>
+                        <a:t>DATEADD()</a:t>
+                      </a:r>
+                    </a:p>
+                  </a:txBody>
+                  <a:tcPr/>
+                </a:tc>
+                <a:tc>
+                  <a:txBody>
+                    <a:bodyPr/>
+                    <a:lstStyle/>
+                    <a:p>
+                      <a:r>
+                        <a:rPr lang="en-US" sz="1100" dirty="0"/>
+                        <a:t>DATEADD(datepart,</a:t>
+                      </a:r>
+                      <a:r>
+                        <a:rPr lang="en-US" sz="1100" baseline="0" dirty="0"/>
+                        <a:t> interval, date)</a:t>
+                      </a:r>
+                      <a:endParaRPr lang="en-US" sz="1100" dirty="0"/>
+                    </a:p>
+                  </a:txBody>
+                  <a:tcPr/>
+                </a:tc>
+                <a:tc>
+                  <a:txBody>
+                    <a:bodyPr/>
+                    <a:lstStyle/>
+                    <a:p>
+                      <a:r>
+                        <a:rPr lang="en-US" sz="1100" dirty="0"/>
+                        <a:t>Adds interval to date,</a:t>
+                      </a:r>
+                      <a:r>
+                        <a:rPr lang="en-US" sz="1100" baseline="0" dirty="0"/>
+                        <a:t> returns same datatype as date</a:t>
+                      </a:r>
+                      <a:endParaRPr lang="en-US" sz="1100" dirty="0"/>
+                    </a:p>
+                  </a:txBody>
+                  <a:tcPr/>
+                </a:tc>
+                <a:extLst>
+                  <a:ext uri="{0D108BD9-81ED-4DB2-BD59-A6C34878D82A}">
+                    <a16:rowId xmlns:a16="http://schemas.microsoft.com/office/drawing/2014/main" xmlns="" val="10001"/>
+                  </a:ext>
+                </a:extLst>
+              </a:tr>
+              <a:tr h="370840">
+                <a:tc>
+                  <a:txBody>
+                    <a:bodyPr/>
+                    <a:lstStyle/>
+                    <a:p>
+                      <a:r>
+                        <a:rPr lang="en-US" sz="1100" dirty="0"/>
+                        <a:t>EOMONTH()</a:t>
+                      </a:r>
+                    </a:p>
+                  </a:txBody>
+                  <a:tcPr/>
+                </a:tc>
+                <a:tc>
+                  <a:txBody>
+                    <a:bodyPr/>
+                    <a:lstStyle/>
+                    <a:p>
+                      <a:r>
+                        <a:rPr lang="en-US" sz="1100" dirty="0"/>
+                        <a:t>EOMONTH(start_date, interval)</a:t>
+                      </a:r>
+                    </a:p>
+                  </a:txBody>
+                  <a:tcPr/>
+                </a:tc>
+                <a:tc>
+                  <a:txBody>
+                    <a:bodyPr/>
+                    <a:lstStyle/>
+                    <a:p>
+                      <a:r>
+                        <a:rPr lang="en-US" sz="1100" dirty="0"/>
+                        <a:t>Returns last day of month as</a:t>
+                      </a:r>
+                      <a:r>
+                        <a:rPr lang="en-US" sz="1100" baseline="0" dirty="0"/>
+                        <a:t> start date, with optional offset</a:t>
+                      </a:r>
+                      <a:endParaRPr lang="en-US" sz="1100" dirty="0"/>
+                    </a:p>
+                  </a:txBody>
+                  <a:tcPr/>
+                </a:tc>
+                <a:extLst>
+                  <a:ext uri="{0D108BD9-81ED-4DB2-BD59-A6C34878D82A}">
+                    <a16:rowId xmlns:a16="http://schemas.microsoft.com/office/drawing/2014/main" xmlns="" val="10002"/>
+                  </a:ext>
+                </a:extLst>
+              </a:tr>
+              <a:tr h="370840">
+                <a:tc>
+                  <a:txBody>
+                    <a:bodyPr/>
+                    <a:lstStyle/>
+                    <a:p>
+                      <a:r>
+                        <a:rPr lang="en-US" sz="1100" dirty="0"/>
+                        <a:t>SWITCHOFFSET()</a:t>
+                      </a:r>
+                    </a:p>
+                  </a:txBody>
+                  <a:tcPr/>
+                </a:tc>
+                <a:tc>
+                  <a:txBody>
+                    <a:bodyPr/>
+                    <a:lstStyle/>
+                    <a:p>
+                      <a:r>
+                        <a:rPr lang="en-US" sz="1100" dirty="0"/>
+                        <a:t>SWITCHOFFSET(datetimeoffset, time_zone)</a:t>
+                      </a:r>
+                    </a:p>
+                  </a:txBody>
+                  <a:tcPr/>
+                </a:tc>
+                <a:tc>
+                  <a:txBody>
+                    <a:bodyPr/>
+                    <a:lstStyle/>
+                    <a:p>
+                      <a:r>
+                        <a:rPr lang="en-US" sz="1100" dirty="0"/>
+                        <a:t>Changes tim</a:t>
+                      </a:r>
+                      <a:r>
+                        <a:rPr lang="en-US" sz="1100" baseline="0" dirty="0"/>
+                        <a:t>e zone offset</a:t>
+                      </a:r>
+                      <a:endParaRPr lang="en-US" sz="1100" dirty="0"/>
+                    </a:p>
+                  </a:txBody>
+                  <a:tcPr/>
+                </a:tc>
+                <a:extLst>
+                  <a:ext uri="{0D108BD9-81ED-4DB2-BD59-A6C34878D82A}">
+                    <a16:rowId xmlns:a16="http://schemas.microsoft.com/office/drawing/2014/main" xmlns="" val="10003"/>
+                  </a:ext>
+                </a:extLst>
+              </a:tr>
+              <a:tr h="370840">
+                <a:tc>
+                  <a:txBody>
+                    <a:bodyPr/>
+                    <a:lstStyle/>
+                    <a:p>
+                      <a:r>
+                        <a:rPr lang="en-US" sz="1100" dirty="0"/>
+                        <a:t>TODATETIMEOFFSET()</a:t>
+                      </a:r>
+                    </a:p>
+                  </a:txBody>
+                  <a:tcPr/>
+                </a:tc>
+                <a:tc>
+                  <a:txBody>
+                    <a:bodyPr/>
+                    <a:lstStyle/>
+                    <a:p>
+                      <a:r>
+                        <a:rPr lang="en-US" sz="1100" dirty="0"/>
+                        <a:t>TODATETIMEOFFSET(expression, time_zone)</a:t>
+                      </a:r>
+                    </a:p>
+                  </a:txBody>
+                  <a:tcPr/>
+                </a:tc>
+                <a:tc>
+                  <a:txBody>
+                    <a:bodyPr/>
+                    <a:lstStyle/>
+                    <a:p>
+                      <a:r>
+                        <a:rPr lang="en-US" sz="1100" dirty="0"/>
+                        <a:t>Converts</a:t>
+                      </a:r>
+                      <a:r>
+                        <a:rPr lang="en-US" sz="1100" baseline="0" dirty="0"/>
+                        <a:t> datetime2 into datetimeoffset</a:t>
+                      </a:r>
+                      <a:endParaRPr lang="en-US" sz="1100" dirty="0"/>
+                    </a:p>
+                  </a:txBody>
+                  <a:tcPr/>
+                </a:tc>
+                <a:extLst>
+                  <a:ext uri="{0D108BD9-81ED-4DB2-BD59-A6C34878D82A}">
+                    <a16:rowId xmlns:a16="http://schemas.microsoft.com/office/drawing/2014/main" xmlns="" val="10004"/>
+                  </a:ext>
+                </a:extLst>
+              </a:tr>
+            </a:tbl>
+          </a:graphicData>
+        </a:graphic>
+      </p:graphicFrame>
+      <p:sp>
+        <p:nvSpPr>
+          <p:cNvPr id="5" name="Content Placeholder 2"/>
+          <p:cNvSpPr txBox="1">
+            <a:spLocks/>
+          </p:cNvSpPr>
+          <p:nvPr/>
+        </p:nvSpPr>
+        <p:spPr bwMode="auto">
+          <a:xfrm>
+            <a:off x="199642" y="951551"/>
+            <a:ext cx="7751762" cy="5194008"/>
+          </a:xfrm>
+          <a:prstGeom prst="rect">
+            <a:avLst/>
+          </a:prstGeom>
+          <a:noFill/>
+          <a:ln w="9525">
+            <a:noFill/>
+            <a:miter lim="800000"/>
+            <a:headEnd/>
+            <a:tailEnd/>
+          </a:ln>
+        </p:spPr>
+        <p:txBody>
+          <a:bodyPr vert="horz" wrap="square" lIns="0" tIns="0" rIns="0" bIns="0" numCol="1" anchor="t" anchorCtr="0" compatLnSpc="1">
+            <a:prstTxWarp prst="textNoShape">
+              <a:avLst/>
+            </a:prstTxWarp>
+          </a:bodyPr>
+          <a:lstStyle>
+            <a:lvl1pPr marL="174625" indent="-174625" algn="l" rtl="0" eaLnBrk="1" fontAlgn="base" hangingPunct="1">
+              <a:lnSpc>
+                <a:spcPct val="90000"/>
+              </a:lnSpc>
+              <a:spcBef>
+                <a:spcPct val="70000"/>
+              </a:spcBef>
+              <a:spcAft>
+                <a:spcPct val="0"/>
+              </a:spcAft>
+              <a:buClr>
+                <a:schemeClr val="hlink"/>
+              </a:buClr>
+              <a:buSzPct val="90000"/>
+              <a:buChar char="•"/>
+              <a:defRPr sz="2000">
+                <a:solidFill>
+                  <a:schemeClr val="tx1"/>
+                </a:solidFill>
+                <a:latin typeface="+mn-lt"/>
+                <a:ea typeface="+mn-ea"/>
+                <a:cs typeface="+mn-cs"/>
+              </a:defRPr>
+            </a:lvl1pPr>
+            <a:lvl2pPr marL="458788" indent="-169863" algn="l" rtl="0" eaLnBrk="1" fontAlgn="base" hangingPunct="1">
+              <a:lnSpc>
+                <a:spcPct val="90000"/>
+              </a:lnSpc>
+              <a:spcBef>
+                <a:spcPct val="70000"/>
+              </a:spcBef>
+              <a:spcAft>
+                <a:spcPct val="0"/>
+              </a:spcAft>
+              <a:buClr>
+                <a:schemeClr val="hlink"/>
+              </a:buClr>
+              <a:buSzPct val="80000"/>
+              <a:buFont typeface="Wingdings" pitchFamily="2" charset="2"/>
+              <a:buChar char="§"/>
+              <a:defRPr>
+                <a:solidFill>
+                  <a:schemeClr val="tx1"/>
+                </a:solidFill>
+                <a:latin typeface="+mn-lt"/>
+              </a:defRPr>
+            </a:lvl2pPr>
+            <a:lvl3pPr marL="854075" indent="-173038" algn="l" rtl="0" eaLnBrk="1" fontAlgn="base" hangingPunct="1">
+              <a:lnSpc>
+                <a:spcPct val="90000"/>
+              </a:lnSpc>
+              <a:spcBef>
+                <a:spcPct val="70000"/>
+              </a:spcBef>
+              <a:spcAft>
+                <a:spcPct val="0"/>
+              </a:spcAft>
+              <a:buClr>
+                <a:schemeClr val="bg2"/>
+              </a:buClr>
+              <a:buSzPct val="80000"/>
+              <a:buChar char="•"/>
+              <a:defRPr>
+                <a:solidFill>
+                  <a:schemeClr val="tx1"/>
+                </a:solidFill>
+                <a:latin typeface="+mn-lt"/>
+              </a:defRPr>
+            </a:lvl3pPr>
+            <a:lvl4pPr marL="1254125" indent="-165100" algn="l" rtl="0" eaLnBrk="1" fontAlgn="base" hangingPunct="1">
+              <a:lnSpc>
+                <a:spcPct val="90000"/>
+              </a:lnSpc>
+              <a:spcBef>
+                <a:spcPct val="70000"/>
+              </a:spcBef>
+              <a:spcAft>
+                <a:spcPct val="0"/>
+              </a:spcAft>
+              <a:buClr>
+                <a:srgbClr val="2D4A6D"/>
+              </a:buClr>
+              <a:buSzPct val="90000"/>
+              <a:buFont typeface="Segoe" pitchFamily="34" charset="0"/>
+              <a:buChar char="-"/>
+              <a:defRPr sz="1600">
+                <a:solidFill>
+                  <a:schemeClr val="tx1"/>
+                </a:solidFill>
+                <a:latin typeface="+mn-lt"/>
+              </a:defRPr>
+            </a:lvl4pPr>
+            <a:lvl5pPr marL="1544638" indent="-168275" algn="l" rtl="0" eaLnBrk="1" fontAlgn="base" hangingPunct="1">
+              <a:lnSpc>
+                <a:spcPct val="90000"/>
+              </a:lnSpc>
+              <a:spcBef>
+                <a:spcPct val="70000"/>
+              </a:spcBef>
+              <a:spcAft>
+                <a:spcPct val="0"/>
+              </a:spcAft>
+              <a:buClr>
+                <a:srgbClr val="2D4A6D"/>
+              </a:buClr>
+              <a:buSzPct val="90000"/>
+              <a:buChar char="•"/>
+              <a:defRPr sz="1600">
+                <a:solidFill>
+                  <a:schemeClr val="tx1"/>
+                </a:solidFill>
+                <a:latin typeface="+mn-lt"/>
+              </a:defRPr>
+            </a:lvl5pPr>
+            <a:lvl6pPr marL="2001838" indent="-168275" algn="l" rtl="0" eaLnBrk="1" fontAlgn="base" hangingPunct="1">
+              <a:lnSpc>
+                <a:spcPct val="90000"/>
+              </a:lnSpc>
+              <a:spcBef>
+                <a:spcPct val="70000"/>
+              </a:spcBef>
+              <a:spcAft>
+                <a:spcPct val="0"/>
+              </a:spcAft>
+              <a:buClr>
+                <a:srgbClr val="2D4A6D"/>
+              </a:buClr>
+              <a:buSzPct val="90000"/>
+              <a:buChar char="•"/>
+              <a:defRPr sz="1600">
+                <a:solidFill>
+                  <a:schemeClr val="tx1"/>
+                </a:solidFill>
+                <a:latin typeface="+mn-lt"/>
+              </a:defRPr>
+            </a:lvl6pPr>
+            <a:lvl7pPr marL="2459038" indent="-168275" algn="l" rtl="0" eaLnBrk="1" fontAlgn="base" hangingPunct="1">
+              <a:lnSpc>
+                <a:spcPct val="90000"/>
+              </a:lnSpc>
+              <a:spcBef>
+                <a:spcPct val="70000"/>
+              </a:spcBef>
+              <a:spcAft>
+                <a:spcPct val="0"/>
+              </a:spcAft>
+              <a:buClr>
+                <a:srgbClr val="2D4A6D"/>
+              </a:buClr>
+              <a:buSzPct val="90000"/>
+              <a:buChar char="•"/>
+              <a:defRPr sz="1600">
+                <a:solidFill>
+                  <a:schemeClr val="tx1"/>
+                </a:solidFill>
+                <a:latin typeface="+mn-lt"/>
+              </a:defRPr>
+            </a:lvl7pPr>
+            <a:lvl8pPr marL="2916238" indent="-168275" algn="l" rtl="0" eaLnBrk="1" fontAlgn="base" hangingPunct="1">
+              <a:lnSpc>
+                <a:spcPct val="90000"/>
+              </a:lnSpc>
+              <a:spcBef>
+                <a:spcPct val="70000"/>
+              </a:spcBef>
+              <a:spcAft>
+                <a:spcPct val="0"/>
+              </a:spcAft>
+              <a:buClr>
+                <a:srgbClr val="2D4A6D"/>
+              </a:buClr>
+              <a:buSzPct val="90000"/>
+              <a:buChar char="•"/>
+              <a:defRPr sz="1600">
+                <a:solidFill>
+                  <a:schemeClr val="tx1"/>
+                </a:solidFill>
+                <a:latin typeface="+mn-lt"/>
+              </a:defRPr>
+            </a:lvl8pPr>
+            <a:lvl9pPr marL="3373438" indent="-168275" algn="l" rtl="0" eaLnBrk="1" fontAlgn="base" hangingPunct="1">
+              <a:lnSpc>
+                <a:spcPct val="90000"/>
+              </a:lnSpc>
+              <a:spcBef>
+                <a:spcPct val="70000"/>
+              </a:spcBef>
+              <a:spcAft>
+                <a:spcPct val="0"/>
+              </a:spcAft>
+              <a:buClr>
+                <a:srgbClr val="2D4A6D"/>
+              </a:buClr>
+              <a:buSzPct val="90000"/>
+              <a:buChar char="•"/>
+              <a:defRPr sz="1600">
+                <a:solidFill>
+                  <a:schemeClr val="tx1"/>
+                </a:solidFill>
+                <a:latin typeface="+mn-lt"/>
+              </a:defRPr>
+            </a:lvl9pPr>
+          </a:lstStyle>
+          <a:p>
+            <a:endParaRPr lang="en-US" b="0" dirty="0"/>
+          </a:p>
+          <a:p>
+            <a:endParaRPr lang="en-US" b="0" dirty="0"/>
+          </a:p>
+          <a:p>
+            <a:endParaRPr lang="en-US" b="0" dirty="0" smtClean="0"/>
+          </a:p>
+          <a:p>
+            <a:endParaRPr lang="en-US" b="0" dirty="0"/>
+          </a:p>
+          <a:p>
+            <a:endParaRPr lang="en-US" b="0" dirty="0"/>
+          </a:p>
+          <a:p>
+            <a:endParaRPr lang="en-US" b="0" dirty="0"/>
+          </a:p>
+          <a:p>
+            <a:r>
+              <a:rPr lang="en-US" b="0" dirty="0" smtClean="0"/>
+              <a:t>Functions that operate on date and time values</a:t>
+            </a:r>
+          </a:p>
+          <a:p>
+            <a:endParaRPr lang="en-US" b="0" dirty="0"/>
+          </a:p>
+        </p:txBody>
+      </p:sp>
+    </p:spTree>
+    <p:extLst>
+      <p:ext uri="{BB962C8B-B14F-4D97-AF65-F5344CB8AC3E}">
+        <p14:creationId xmlns:p14="http://schemas.microsoft.com/office/powerpoint/2010/main" val="1692716402"/>
+      </p:ext>
+    </p:extLst>
+  </p:cSld>
+  <p:clrMapOvr>
+    <a:masterClrMapping/>
+  </p:clrMapOvr>
+  <p:timing>
+    <p:tnLst>
+      <p:par>
+        <p:cTn id="1" dur="indefinite" restart="never" nodeType="tmRoot">
+          <p:childTnLst>
+            <p:seq concurrent="1" nextAc="seek">
+              <p:cTn id="2" dur="indefinite" nodeType="mainSeq">
+                <p:childTnLst>
+                  <p:par>
+                    <p:cTn id="3" fill="hold">
+                      <p:stCondLst>
+                        <p:cond delay="indefinite"/>
+                        <p:cond evt="onBegin" delay="0">
+                          <p:tn val="2"/>
+                        </p:cond>
+                      </p:stCondLst>
+                      <p:childTnLst>
+                        <p:par>
+                          <p:cTn id="4" fill="hold">
+                            <p:stCondLst>
+                              <p:cond delay="0"/>
+                            </p:stCondLst>
+                            <p:childTnLst>
+                              <p:par>
+                                <p:cTn id="5" presetID="10" presetClass="entr" presetSubtype="0" fill="hold" nodeType="withEffect">
+                                  <p:stCondLst>
+                                    <p:cond delay="0"/>
+                                  </p:stCondLst>
+                                  <p:childTnLst>
+                                    <p:set>
+                                      <p:cBhvr>
+                                        <p:cTn id="6" dur="1" fill="hold">
+                                          <p:stCondLst>
+                                            <p:cond delay="0"/>
+                                          </p:stCondLst>
+                                        </p:cTn>
+                                        <p:tgtEl>
+                                          <p:spTgt spid="4"/>
+                                        </p:tgtEl>
+                                        <p:attrNameLst>
+                                          <p:attrName>style.visibility</p:attrName>
+                                        </p:attrNameLst>
+                                      </p:cBhvr>
+                                      <p:to>
+                                        <p:strVal val="visible"/>
+                                      </p:to>
+                                    </p:set>
+                                    <p:animEffect transition="in" filter="fade">
+                                      <p:cBhvr>
+                                        <p:cTn id="7" dur="500"/>
+                                        <p:tgtEl>
+                                          <p:spTgt spid="4"/>
+                                        </p:tgtEl>
+                                      </p:cBhvr>
+                                    </p:animEffect>
+                                  </p:childTnLst>
+                                </p:cTn>
+                              </p:par>
+                              <p:par>
+                                <p:cTn id="8" presetID="10" presetClass="entr" presetSubtype="0" fill="hold" grpId="0" nodeType="withEffect">
+                                  <p:stCondLst>
+                                    <p:cond delay="0"/>
+                                  </p:stCondLst>
+                                  <p:childTnLst>
+                                    <p:set>
+                                      <p:cBhvr>
+                                        <p:cTn id="9" dur="1" fill="hold">
+                                          <p:stCondLst>
+                                            <p:cond delay="0"/>
+                                          </p:stCondLst>
+                                        </p:cTn>
+                                        <p:tgtEl>
+                                          <p:spTgt spid="5"/>
+                                        </p:tgtEl>
+                                        <p:attrNameLst>
+                                          <p:attrName>style.visibility</p:attrName>
+                                        </p:attrNameLst>
+                                      </p:cBhvr>
+                                      <p:to>
+                                        <p:strVal val="visible"/>
+                                      </p:to>
+                                    </p:set>
+                                    <p:animEffect transition="in" filter="fade">
+                                      <p:cBhvr>
+                                        <p:cTn id="10" dur="500"/>
+                                        <p:tgtEl>
+                                          <p:spTgt spid="5"/>
+                                        </p:tgtEl>
+                                      </p:cBhvr>
+                                    </p:animEffect>
+                                  </p:childTnLst>
+                                </p:cTn>
+                              </p:par>
+                            </p:childTnLst>
+                          </p:cTn>
+                        </p:par>
+                      </p:childTnLst>
+                    </p:cTn>
+                  </p:par>
+                </p:childTnLst>
+              </p:cTn>
+              <p:prevCondLst>
+                <p:cond evt="onPrev" delay="0">
+                  <p:tgtEl>
+                    <p:sldTgt/>
+                  </p:tgtEl>
+                </p:cond>
+              </p:prevCondLst>
+              <p:nextCondLst>
+                <p:cond evt="onNext" delay="0">
+                  <p:tgtEl>
+                    <p:sldTgt/>
+                  </p:tgtEl>
+                </p:cond>
+              </p:nextCondLst>
+            </p:seq>
+          </p:childTnLst>
+        </p:cTn>
+      </p:par>
+    </p:tnLst>
+    <p:bldLst>
+      <p:bldP spid="5" grpId="0"/>
+    </p:bldLst>
+  </p:timing>
+</p:sld>
+</file>
+
+<file path=ppt/slides/slide25.xml><?xml version="1.0" encoding="utf-8"?>
 <p:sld xmlns:a="http://schemas.openxmlformats.org/drawingml/2006/main" xmlns:r="http://schemas.openxmlformats.org/officeDocument/2006/relationships" xmlns:p="http://schemas.openxmlformats.org/presentationml/2006/main" show="0">
   <p:cSld>
     <p:spTree>
@@ -42309,21 +41892,21 @@
                 <a:gridCol w="2749420">
                   <a:extLst>
                     <a:ext uri="{9D8B030D-6E8A-4147-A177-3AD203B41FA5}">
-                      <a16:colId xmlns:a16="http://schemas.microsoft.com/office/drawing/2014/main" val="20000"/>
+                      <a16:colId xmlns:a16="http://schemas.microsoft.com/office/drawing/2014/main" xmlns="" val="20000"/>
                     </a:ext>
                   </a:extLst>
                 </a:gridCol>
                 <a:gridCol w="1314580">
                   <a:extLst>
                     <a:ext uri="{9D8B030D-6E8A-4147-A177-3AD203B41FA5}">
-                      <a16:colId xmlns:a16="http://schemas.microsoft.com/office/drawing/2014/main" val="20001"/>
+                      <a16:colId xmlns:a16="http://schemas.microsoft.com/office/drawing/2014/main" xmlns="" val="20001"/>
                     </a:ext>
                   </a:extLst>
                 </a:gridCol>
                 <a:gridCol w="3462693">
                   <a:extLst>
                     <a:ext uri="{9D8B030D-6E8A-4147-A177-3AD203B41FA5}">
-                      <a16:colId xmlns:a16="http://schemas.microsoft.com/office/drawing/2014/main" val="20002"/>
+                      <a16:colId xmlns:a16="http://schemas.microsoft.com/office/drawing/2014/main" xmlns="" val="20002"/>
                     </a:ext>
                   </a:extLst>
                 </a:gridCol>
@@ -42370,7 +41953,7 @@
                 </a:tc>
                 <a:extLst>
                   <a:ext uri="{0D108BD9-81ED-4DB2-BD59-A6C34878D82A}">
-                    <a16:rowId xmlns:a16="http://schemas.microsoft.com/office/drawing/2014/main" val="10000"/>
+                    <a16:rowId xmlns:a16="http://schemas.microsoft.com/office/drawing/2014/main" xmlns="" val="10000"/>
                   </a:ext>
                 </a:extLst>
               </a:tr>
@@ -42424,7 +42007,7 @@
                 </a:tc>
                 <a:extLst>
                   <a:ext uri="{0D108BD9-81ED-4DB2-BD59-A6C34878D82A}">
-                    <a16:rowId xmlns:a16="http://schemas.microsoft.com/office/drawing/2014/main" val="10001"/>
+                    <a16:rowId xmlns:a16="http://schemas.microsoft.com/office/drawing/2014/main" xmlns="" val="10001"/>
                   </a:ext>
                 </a:extLst>
               </a:tr>
@@ -42492,7 +42075,7 @@
                 </a:tc>
                 <a:extLst>
                   <a:ext uri="{0D108BD9-81ED-4DB2-BD59-A6C34878D82A}">
-                    <a16:rowId xmlns:a16="http://schemas.microsoft.com/office/drawing/2014/main" val="10002"/>
+                    <a16:rowId xmlns:a16="http://schemas.microsoft.com/office/drawing/2014/main" xmlns="" val="10002"/>
                   </a:ext>
                 </a:extLst>
               </a:tr>
@@ -42563,7 +42146,7 @@
                 </a:tc>
                 <a:extLst>
                   <a:ext uri="{0D108BD9-81ED-4DB2-BD59-A6C34878D82A}">
-                    <a16:rowId xmlns:a16="http://schemas.microsoft.com/office/drawing/2014/main" val="10003"/>
+                    <a16:rowId xmlns:a16="http://schemas.microsoft.com/office/drawing/2014/main" xmlns="" val="10003"/>
                   </a:ext>
                 </a:extLst>
               </a:tr>
@@ -42634,7 +42217,7 @@
                 </a:tc>
                 <a:extLst>
                   <a:ext uri="{0D108BD9-81ED-4DB2-BD59-A6C34878D82A}">
-                    <a16:rowId xmlns:a16="http://schemas.microsoft.com/office/drawing/2014/main" val="10004"/>
+                    <a16:rowId xmlns:a16="http://schemas.microsoft.com/office/drawing/2014/main" xmlns="" val="10004"/>
                   </a:ext>
                 </a:extLst>
               </a:tr>
@@ -42702,7 +42285,7 @@
                 </a:tc>
                 <a:extLst>
                   <a:ext uri="{0D108BD9-81ED-4DB2-BD59-A6C34878D82A}">
-                    <a16:rowId xmlns:a16="http://schemas.microsoft.com/office/drawing/2014/main" val="10005"/>
+                    <a16:rowId xmlns:a16="http://schemas.microsoft.com/office/drawing/2014/main" xmlns="" val="10005"/>
                   </a:ext>
                 </a:extLst>
               </a:tr>
@@ -42781,7 +42364,7 @@
                 </a:tc>
                 <a:extLst>
                   <a:ext uri="{0D108BD9-81ED-4DB2-BD59-A6C34878D82A}">
-                    <a16:rowId xmlns:a16="http://schemas.microsoft.com/office/drawing/2014/main" val="10006"/>
+                    <a16:rowId xmlns:a16="http://schemas.microsoft.com/office/drawing/2014/main" xmlns="" val="10006"/>
                   </a:ext>
                 </a:extLst>
               </a:tr>
@@ -43253,6 +42836,14 @@
   <p:clrMapOvr>
     <a:masterClrMapping/>
   </p:clrMapOvr>
+  <mc:AlternateContent xmlns:mc="http://schemas.openxmlformats.org/markup-compatibility/2006">
+    <mc:Choice xmlns:p14="http://schemas.microsoft.com/office/powerpoint/2010/main" Requires="p14">
+      <p:transition spd="slow" p14:dur="2000"/>
+    </mc:Choice>
+    <mc:Fallback>
+      <p:transition spd="slow"/>
+    </mc:Fallback>
+  </mc:AlternateContent>
   <p:timing>
     <p:tnLst>
       <p:par>
@@ -43331,7 +42922,7 @@
 </p:sld>
 </file>
 
-<file path=ppt/slides/slide25.xml><?xml version="1.0" encoding="utf-8"?>
+<file path=ppt/slides/slide26.xml><?xml version="1.0" encoding="utf-8"?>
 <p:sld xmlns:a="http://schemas.openxmlformats.org/drawingml/2006/main" xmlns:r="http://schemas.openxmlformats.org/officeDocument/2006/relationships" xmlns:p="http://schemas.openxmlformats.org/presentationml/2006/main">
   <p:cSld>
     <p:spTree>
@@ -43843,7 +43434,7 @@
 </p:sld>
 </file>
 
-<file path=ppt/slides/slide26.xml><?xml version="1.0" encoding="utf-8"?>
+<file path=ppt/slides/slide27.xml><?xml version="1.0" encoding="utf-8"?>
 <p:sld xmlns:a="http://schemas.openxmlformats.org/drawingml/2006/main" xmlns:r="http://schemas.openxmlformats.org/officeDocument/2006/relationships" xmlns:p="http://schemas.openxmlformats.org/presentationml/2006/main">
   <p:cSld>
     <p:spTree>
@@ -44230,7 +43821,7 @@
 </p:sld>
 </file>
 
-<file path=ppt/slides/slide27.xml><?xml version="1.0" encoding="utf-8"?>
+<file path=ppt/slides/slide28.xml><?xml version="1.0" encoding="utf-8"?>
 <p:sld xmlns:a="http://schemas.openxmlformats.org/drawingml/2006/main" xmlns:r="http://schemas.openxmlformats.org/officeDocument/2006/relationships" xmlns:p="http://schemas.openxmlformats.org/presentationml/2006/main">
   <p:cSld>
     <p:spTree>
@@ -44393,7 +43984,7 @@
 </p:sld>
 </file>
 
-<file path=ppt/slides/slide28.xml><?xml version="1.0" encoding="utf-8"?>
+<file path=ppt/slides/slide29.xml><?xml version="1.0" encoding="utf-8"?>
 <p:sld xmlns:a="http://schemas.openxmlformats.org/drawingml/2006/main" xmlns:r="http://schemas.openxmlformats.org/officeDocument/2006/relationships" xmlns:p="http://schemas.openxmlformats.org/presentationml/2006/main">
   <p:cSld>
     <p:spTree>
@@ -44489,7 +44080,111 @@
 </p:sld>
 </file>
 
-<file path=ppt/slides/slide29.xml><?xml version="1.0" encoding="utf-8"?>
+<file path=ppt/slides/slide3.xml><?xml version="1.0" encoding="utf-8"?>
+<p:sld xmlns:a="http://schemas.openxmlformats.org/drawingml/2006/main" xmlns:r="http://schemas.openxmlformats.org/officeDocument/2006/relationships" xmlns:p="http://schemas.openxmlformats.org/presentationml/2006/main">
+  <p:cSld>
+    <p:spTree>
+      <p:nvGrpSpPr>
+        <p:cNvPr id="1" name=""/>
+        <p:cNvGrpSpPr/>
+        <p:nvPr/>
+      </p:nvGrpSpPr>
+      <p:grpSpPr>
+        <a:xfrm>
+          <a:off x="0" y="0"/>
+          <a:ext cx="0" cy="0"/>
+          <a:chOff x="0" y="0"/>
+          <a:chExt cx="0" cy="0"/>
+        </a:xfrm>
+      </p:grpSpPr>
+      <p:sp>
+        <p:nvSpPr>
+          <p:cNvPr id="7" name="Content Placeholder 6"/>
+          <p:cNvSpPr>
+            <a:spLocks noGrp="1"/>
+          </p:cNvSpPr>
+          <p:nvPr>
+            <p:ph sz="quarter" idx="4294967295"/>
+          </p:nvPr>
+        </p:nvSpPr>
+        <p:spPr>
+          <a:xfrm>
+            <a:off x="284560" y="1898420"/>
+            <a:ext cx="8643938" cy="3967791"/>
+          </a:xfrm>
+          <a:prstGeom prst="rect">
+            <a:avLst/>
+          </a:prstGeom>
+        </p:spPr>
+        <p:txBody>
+          <a:bodyPr>
+            <a:normAutofit/>
+          </a:bodyPr>
+          <a:lstStyle/>
+          <a:p>
+            <a:r>
+              <a:rPr lang="en-GB" sz="2800" dirty="0"/>
+              <a:t>Introduce data types</a:t>
+            </a:r>
+          </a:p>
+          <a:p>
+            <a:r>
+              <a:rPr lang="en-GB" sz="2800" dirty="0"/>
+              <a:t>Character data types</a:t>
+            </a:r>
+          </a:p>
+          <a:p>
+            <a:r>
+              <a:rPr lang="en-GB" sz="2800" dirty="0"/>
+              <a:t>Date and time data type</a:t>
+            </a:r>
+          </a:p>
+          <a:p>
+            <a:r>
+              <a:rPr lang="en-GB" sz="2800"/>
+              <a:t>Built-in functions</a:t>
+            </a:r>
+            <a:endParaRPr lang="en-GB" sz="2800" dirty="0"/>
+          </a:p>
+        </p:txBody>
+      </p:sp>
+      <p:sp>
+        <p:nvSpPr>
+          <p:cNvPr id="2" name="Title 1"/>
+          <p:cNvSpPr>
+            <a:spLocks noGrp="1"/>
+          </p:cNvSpPr>
+          <p:nvPr>
+            <p:ph type="title"/>
+          </p:nvPr>
+        </p:nvSpPr>
+        <p:spPr/>
+        <p:txBody>
+          <a:bodyPr/>
+          <a:lstStyle/>
+          <a:p>
+            <a:r>
+              <a:rPr lang="en-US"/>
+              <a:t>Module Overview</a:t>
+            </a:r>
+            <a:endParaRPr lang="en-US" dirty="0"/>
+          </a:p>
+        </p:txBody>
+      </p:sp>
+    </p:spTree>
+    <p:extLst>
+      <p:ext uri="{BB962C8B-B14F-4D97-AF65-F5344CB8AC3E}">
+        <p14:creationId xmlns:p14="http://schemas.microsoft.com/office/powerpoint/2010/main" val="3629205938"/>
+      </p:ext>
+    </p:extLst>
+  </p:cSld>
+  <p:clrMapOvr>
+    <a:masterClrMapping/>
+  </p:clrMapOvr>
+</p:sld>
+</file>
+
+<file path=ppt/slides/slide30.xml><?xml version="1.0" encoding="utf-8"?>
 <p:sld xmlns:a="http://schemas.openxmlformats.org/drawingml/2006/main" xmlns:r="http://schemas.openxmlformats.org/officeDocument/2006/relationships" xmlns:p="http://schemas.openxmlformats.org/presentationml/2006/main">
   <p:cSld>
     <p:spTree>
@@ -44574,14 +44269,14 @@
                 <a:gridCol w="3048000">
                   <a:extLst>
                     <a:ext uri="{9D8B030D-6E8A-4147-A177-3AD203B41FA5}">
-                      <a16:colId xmlns:a16="http://schemas.microsoft.com/office/drawing/2014/main" val="20000"/>
+                      <a16:colId xmlns:a16="http://schemas.microsoft.com/office/drawing/2014/main" xmlns="" val="20000"/>
                     </a:ext>
                   </a:extLst>
                 </a:gridCol>
                 <a:gridCol w="3048000">
                   <a:extLst>
                     <a:ext uri="{9D8B030D-6E8A-4147-A177-3AD203B41FA5}">
-                      <a16:colId xmlns:a16="http://schemas.microsoft.com/office/drawing/2014/main" val="20001"/>
+                      <a16:colId xmlns:a16="http://schemas.microsoft.com/office/drawing/2014/main" xmlns="" val="20001"/>
                     </a:ext>
                   </a:extLst>
                 </a:gridCol>
@@ -44615,7 +44310,7 @@
                 </a:tc>
                 <a:extLst>
                   <a:ext uri="{0D108BD9-81ED-4DB2-BD59-A6C34878D82A}">
-                    <a16:rowId xmlns:a16="http://schemas.microsoft.com/office/drawing/2014/main" val="10000"/>
+                    <a16:rowId xmlns:a16="http://schemas.microsoft.com/office/drawing/2014/main" xmlns="" val="10000"/>
                   </a:ext>
                 </a:extLst>
               </a:tr>
@@ -44653,7 +44348,7 @@
                 </a:tc>
                 <a:extLst>
                   <a:ext uri="{0D108BD9-81ED-4DB2-BD59-A6C34878D82A}">
-                    <a16:rowId xmlns:a16="http://schemas.microsoft.com/office/drawing/2014/main" val="10001"/>
+                    <a16:rowId xmlns:a16="http://schemas.microsoft.com/office/drawing/2014/main" xmlns="" val="10001"/>
                   </a:ext>
                 </a:extLst>
               </a:tr>
@@ -44703,7 +44398,7 @@
                 </a:tc>
                 <a:extLst>
                   <a:ext uri="{0D108BD9-81ED-4DB2-BD59-A6C34878D82A}">
-                    <a16:rowId xmlns:a16="http://schemas.microsoft.com/office/drawing/2014/main" val="10002"/>
+                    <a16:rowId xmlns:a16="http://schemas.microsoft.com/office/drawing/2014/main" xmlns="" val="10002"/>
                   </a:ext>
                 </a:extLst>
               </a:tr>
@@ -44741,7 +44436,7 @@
                 </a:tc>
                 <a:extLst>
                   <a:ext uri="{0D108BD9-81ED-4DB2-BD59-A6C34878D82A}">
-                    <a16:rowId xmlns:a16="http://schemas.microsoft.com/office/drawing/2014/main" val="10003"/>
+                    <a16:rowId xmlns:a16="http://schemas.microsoft.com/office/drawing/2014/main" xmlns="" val="10003"/>
                   </a:ext>
                 </a:extLst>
               </a:tr>
@@ -44791,7 +44486,7 @@
                 </a:tc>
                 <a:extLst>
                   <a:ext uri="{0D108BD9-81ED-4DB2-BD59-A6C34878D82A}">
-                    <a16:rowId xmlns:a16="http://schemas.microsoft.com/office/drawing/2014/main" val="10004"/>
+                    <a16:rowId xmlns:a16="http://schemas.microsoft.com/office/drawing/2014/main" xmlns="" val="10004"/>
                   </a:ext>
                 </a:extLst>
               </a:tr>
@@ -44812,111 +44507,7 @@
 </p:sld>
 </file>
 
-<file path=ppt/slides/slide3.xml><?xml version="1.0" encoding="utf-8"?>
-<p:sld xmlns:a="http://schemas.openxmlformats.org/drawingml/2006/main" xmlns:r="http://schemas.openxmlformats.org/officeDocument/2006/relationships" xmlns:p="http://schemas.openxmlformats.org/presentationml/2006/main">
-  <p:cSld>
-    <p:spTree>
-      <p:nvGrpSpPr>
-        <p:cNvPr id="1" name=""/>
-        <p:cNvGrpSpPr/>
-        <p:nvPr/>
-      </p:nvGrpSpPr>
-      <p:grpSpPr>
-        <a:xfrm>
-          <a:off x="0" y="0"/>
-          <a:ext cx="0" cy="0"/>
-          <a:chOff x="0" y="0"/>
-          <a:chExt cx="0" cy="0"/>
-        </a:xfrm>
-      </p:grpSpPr>
-      <p:sp>
-        <p:nvSpPr>
-          <p:cNvPr id="7" name="Content Placeholder 6"/>
-          <p:cNvSpPr>
-            <a:spLocks noGrp="1"/>
-          </p:cNvSpPr>
-          <p:nvPr>
-            <p:ph sz="quarter" idx="4294967295"/>
-          </p:nvPr>
-        </p:nvSpPr>
-        <p:spPr>
-          <a:xfrm>
-            <a:off x="284560" y="1898420"/>
-            <a:ext cx="8643938" cy="3967791"/>
-          </a:xfrm>
-          <a:prstGeom prst="rect">
-            <a:avLst/>
-          </a:prstGeom>
-        </p:spPr>
-        <p:txBody>
-          <a:bodyPr>
-            <a:normAutofit/>
-          </a:bodyPr>
-          <a:lstStyle/>
-          <a:p>
-            <a:r>
-              <a:rPr lang="en-GB" sz="2800" dirty="0"/>
-              <a:t>Introduce data types</a:t>
-            </a:r>
-          </a:p>
-          <a:p>
-            <a:r>
-              <a:rPr lang="en-GB" sz="2800" dirty="0"/>
-              <a:t>Character data types</a:t>
-            </a:r>
-          </a:p>
-          <a:p>
-            <a:r>
-              <a:rPr lang="en-GB" sz="2800" dirty="0"/>
-              <a:t>Date and time data type</a:t>
-            </a:r>
-          </a:p>
-          <a:p>
-            <a:r>
-              <a:rPr lang="en-GB" sz="2800"/>
-              <a:t>Built-in functions</a:t>
-            </a:r>
-            <a:endParaRPr lang="en-GB" sz="2800" dirty="0"/>
-          </a:p>
-        </p:txBody>
-      </p:sp>
-      <p:sp>
-        <p:nvSpPr>
-          <p:cNvPr id="2" name="Title 1"/>
-          <p:cNvSpPr>
-            <a:spLocks noGrp="1"/>
-          </p:cNvSpPr>
-          <p:nvPr>
-            <p:ph type="title"/>
-          </p:nvPr>
-        </p:nvSpPr>
-        <p:spPr/>
-        <p:txBody>
-          <a:bodyPr/>
-          <a:lstStyle/>
-          <a:p>
-            <a:r>
-              <a:rPr lang="en-US"/>
-              <a:t>Module Overview</a:t>
-            </a:r>
-            <a:endParaRPr lang="en-US" dirty="0"/>
-          </a:p>
-        </p:txBody>
-      </p:sp>
-    </p:spTree>
-    <p:extLst>
-      <p:ext uri="{BB962C8B-B14F-4D97-AF65-F5344CB8AC3E}">
-        <p14:creationId xmlns:p14="http://schemas.microsoft.com/office/powerpoint/2010/main" val="3629205938"/>
-      </p:ext>
-    </p:extLst>
-  </p:cSld>
-  <p:clrMapOvr>
-    <a:masterClrMapping/>
-  </p:clrMapOvr>
-</p:sld>
-</file>
-
-<file path=ppt/slides/slide30.xml><?xml version="1.0" encoding="utf-8"?>
+<file path=ppt/slides/slide31.xml><?xml version="1.0" encoding="utf-8"?>
 <p:sld xmlns:a="http://schemas.openxmlformats.org/drawingml/2006/main" xmlns:r="http://schemas.openxmlformats.org/officeDocument/2006/relationships" xmlns:p="http://schemas.openxmlformats.org/presentationml/2006/main">
   <p:cSld>
     <p:spTree>
@@ -44949,12 +44540,8 @@
           <a:lstStyle/>
           <a:p>
             <a:r>
-              <a:rPr lang="en-US" dirty="0"/>
-              <a:t>Scalar</a:t>
-            </a:r>
-            <a:r>
-              <a:rPr lang="en-US" baseline="0" dirty="0"/>
-              <a:t> functions</a:t>
+              <a:rPr lang="en-US" smtClean="0"/>
+              <a:t>Scalar functions</a:t>
             </a:r>
             <a:endParaRPr lang="en-US" dirty="0"/>
           </a:p>
@@ -44976,68 +44563,69 @@
           <a:lstStyle/>
           <a:p>
             <a:r>
-              <a:rPr lang="en-US" dirty="0"/>
+              <a:rPr lang="en-US" dirty="0" smtClean="0"/>
               <a:t>Operate on elements from a single</a:t>
             </a:r>
             <a:br>
-              <a:rPr lang="en-US" dirty="0"/>
+              <a:rPr lang="en-US" dirty="0" smtClean="0"/>
             </a:br>
             <a:r>
-              <a:rPr lang="en-US" dirty="0"/>
+              <a:rPr lang="en-US" dirty="0" smtClean="0"/>
               <a:t>row as inputs, return a single </a:t>
             </a:r>
             <a:br>
-              <a:rPr lang="en-US" dirty="0"/>
+              <a:rPr lang="en-US" dirty="0" smtClean="0"/>
             </a:br>
             <a:r>
-              <a:rPr lang="en-US" dirty="0"/>
+              <a:rPr lang="en-US" dirty="0" smtClean="0"/>
               <a:t>value as output. </a:t>
             </a:r>
           </a:p>
           <a:p>
             <a:r>
-              <a:rPr lang="en-US" dirty="0"/>
+              <a:rPr lang="en-US" dirty="0" smtClean="0"/>
               <a:t>Return a single (scalar) value</a:t>
             </a:r>
           </a:p>
           <a:p>
             <a:r>
-              <a:rPr lang="en-US" dirty="0"/>
+              <a:rPr lang="en-US" dirty="0" smtClean="0"/>
               <a:t>Can be used like an expression</a:t>
             </a:r>
             <a:br>
-              <a:rPr lang="en-US" dirty="0"/>
+              <a:rPr lang="en-US" dirty="0" smtClean="0"/>
             </a:br>
             <a:r>
-              <a:rPr lang="en-US" dirty="0"/>
+              <a:rPr lang="en-US" dirty="0" smtClean="0"/>
               <a:t>in queries</a:t>
             </a:r>
           </a:p>
           <a:p>
             <a:r>
-              <a:rPr lang="en-US" dirty="0"/>
+              <a:rPr lang="en-US" dirty="0" smtClean="0"/>
               <a:t>May be deterministic or</a:t>
             </a:r>
             <a:br>
-              <a:rPr lang="en-US" dirty="0"/>
+              <a:rPr lang="en-US" dirty="0" smtClean="0"/>
             </a:br>
             <a:r>
-              <a:rPr lang="en-US" dirty="0"/>
+              <a:rPr lang="en-US" dirty="0" smtClean="0"/>
               <a:t>non-deterministic</a:t>
             </a:r>
           </a:p>
           <a:p>
             <a:r>
-              <a:rPr lang="en-US" dirty="0"/>
+              <a:rPr lang="en-US" dirty="0" smtClean="0"/>
               <a:t>Collation depends on input value</a:t>
             </a:r>
             <a:br>
-              <a:rPr lang="en-US" dirty="0"/>
+              <a:rPr lang="en-US" dirty="0" smtClean="0"/>
             </a:br>
             <a:r>
-              <a:rPr lang="en-US" dirty="0"/>
+              <a:rPr lang="en-US" dirty="0" smtClean="0"/>
               <a:t>or default collation of database</a:t>
             </a:r>
+            <a:endParaRPr lang="en-US" dirty="0"/>
           </a:p>
         </p:txBody>
       </p:sp>
@@ -45728,308 +45316,6 @@
       </p:grpSp>
       <p:sp>
         <p:nvSpPr>
-          <p:cNvPr id="10" name="Content Placeholder 2"/>
-          <p:cNvSpPr txBox="1">
-            <a:spLocks/>
-          </p:cNvSpPr>
-          <p:nvPr/>
-        </p:nvSpPr>
-        <p:spPr bwMode="auto">
-          <a:xfrm>
-            <a:off x="458788" y="992188"/>
-            <a:ext cx="7751762" cy="4386262"/>
-          </a:xfrm>
-          <a:prstGeom prst="rect">
-            <a:avLst/>
-          </a:prstGeom>
-          <a:noFill/>
-          <a:ln w="9525">
-            <a:noFill/>
-            <a:miter lim="800000"/>
-            <a:headEnd/>
-            <a:tailEnd/>
-          </a:ln>
-        </p:spPr>
-        <p:txBody>
-          <a:bodyPr vert="horz" wrap="square" lIns="0" tIns="0" rIns="0" bIns="0" numCol="1" anchor="t" anchorCtr="0" compatLnSpc="1">
-            <a:prstTxWarp prst="textNoShape">
-              <a:avLst/>
-            </a:prstTxWarp>
-          </a:bodyPr>
-          <a:lstStyle>
-            <a:lvl1pPr marL="174625" indent="-174625" algn="l" rtl="0" eaLnBrk="1" fontAlgn="base" hangingPunct="1">
-              <a:lnSpc>
-                <a:spcPct val="90000"/>
-              </a:lnSpc>
-              <a:spcBef>
-                <a:spcPct val="70000"/>
-              </a:spcBef>
-              <a:spcAft>
-                <a:spcPct val="0"/>
-              </a:spcAft>
-              <a:buClr>
-                <a:schemeClr val="hlink"/>
-              </a:buClr>
-              <a:buSzPct val="90000"/>
-              <a:buChar char="•"/>
-              <a:defRPr sz="2000">
-                <a:solidFill>
-                  <a:schemeClr val="tx1"/>
-                </a:solidFill>
-                <a:latin typeface="+mn-lt"/>
-                <a:ea typeface="+mn-ea"/>
-                <a:cs typeface="+mn-cs"/>
-              </a:defRPr>
-            </a:lvl1pPr>
-            <a:lvl2pPr marL="458788" indent="-169863" algn="l" rtl="0" eaLnBrk="1" fontAlgn="base" hangingPunct="1">
-              <a:lnSpc>
-                <a:spcPct val="90000"/>
-              </a:lnSpc>
-              <a:spcBef>
-                <a:spcPct val="70000"/>
-              </a:spcBef>
-              <a:spcAft>
-                <a:spcPct val="0"/>
-              </a:spcAft>
-              <a:buClr>
-                <a:schemeClr val="hlink"/>
-              </a:buClr>
-              <a:buSzPct val="80000"/>
-              <a:buFont typeface="Wingdings" pitchFamily="2" charset="2"/>
-              <a:buChar char="§"/>
-              <a:defRPr>
-                <a:solidFill>
-                  <a:schemeClr val="tx1"/>
-                </a:solidFill>
-                <a:latin typeface="+mn-lt"/>
-              </a:defRPr>
-            </a:lvl2pPr>
-            <a:lvl3pPr marL="854075" indent="-173038" algn="l" rtl="0" eaLnBrk="1" fontAlgn="base" hangingPunct="1">
-              <a:lnSpc>
-                <a:spcPct val="90000"/>
-              </a:lnSpc>
-              <a:spcBef>
-                <a:spcPct val="70000"/>
-              </a:spcBef>
-              <a:spcAft>
-                <a:spcPct val="0"/>
-              </a:spcAft>
-              <a:buClr>
-                <a:schemeClr val="bg2"/>
-              </a:buClr>
-              <a:buSzPct val="80000"/>
-              <a:buChar char="•"/>
-              <a:defRPr>
-                <a:solidFill>
-                  <a:schemeClr val="tx1"/>
-                </a:solidFill>
-                <a:latin typeface="+mn-lt"/>
-              </a:defRPr>
-            </a:lvl3pPr>
-            <a:lvl4pPr marL="1254125" indent="-165100" algn="l" rtl="0" eaLnBrk="1" fontAlgn="base" hangingPunct="1">
-              <a:lnSpc>
-                <a:spcPct val="90000"/>
-              </a:lnSpc>
-              <a:spcBef>
-                <a:spcPct val="70000"/>
-              </a:spcBef>
-              <a:spcAft>
-                <a:spcPct val="0"/>
-              </a:spcAft>
-              <a:buClr>
-                <a:srgbClr val="2D4A6D"/>
-              </a:buClr>
-              <a:buSzPct val="90000"/>
-              <a:buFont typeface="Segoe" pitchFamily="34" charset="0"/>
-              <a:buChar char="-"/>
-              <a:defRPr sz="1600">
-                <a:solidFill>
-                  <a:schemeClr val="tx1"/>
-                </a:solidFill>
-                <a:latin typeface="+mn-lt"/>
-              </a:defRPr>
-            </a:lvl4pPr>
-            <a:lvl5pPr marL="1544638" indent="-168275" algn="l" rtl="0" eaLnBrk="1" fontAlgn="base" hangingPunct="1">
-              <a:lnSpc>
-                <a:spcPct val="90000"/>
-              </a:lnSpc>
-              <a:spcBef>
-                <a:spcPct val="70000"/>
-              </a:spcBef>
-              <a:spcAft>
-                <a:spcPct val="0"/>
-              </a:spcAft>
-              <a:buClr>
-                <a:srgbClr val="2D4A6D"/>
-              </a:buClr>
-              <a:buSzPct val="90000"/>
-              <a:buChar char="•"/>
-              <a:defRPr sz="1600">
-                <a:solidFill>
-                  <a:schemeClr val="tx1"/>
-                </a:solidFill>
-                <a:latin typeface="+mn-lt"/>
-              </a:defRPr>
-            </a:lvl5pPr>
-            <a:lvl6pPr marL="2001838" indent="-168275" algn="l" rtl="0" eaLnBrk="1" fontAlgn="base" hangingPunct="1">
-              <a:lnSpc>
-                <a:spcPct val="90000"/>
-              </a:lnSpc>
-              <a:spcBef>
-                <a:spcPct val="70000"/>
-              </a:spcBef>
-              <a:spcAft>
-                <a:spcPct val="0"/>
-              </a:spcAft>
-              <a:buClr>
-                <a:srgbClr val="2D4A6D"/>
-              </a:buClr>
-              <a:buSzPct val="90000"/>
-              <a:buChar char="•"/>
-              <a:defRPr sz="1600">
-                <a:solidFill>
-                  <a:schemeClr val="tx1"/>
-                </a:solidFill>
-                <a:latin typeface="+mn-lt"/>
-              </a:defRPr>
-            </a:lvl6pPr>
-            <a:lvl7pPr marL="2459038" indent="-168275" algn="l" rtl="0" eaLnBrk="1" fontAlgn="base" hangingPunct="1">
-              <a:lnSpc>
-                <a:spcPct val="90000"/>
-              </a:lnSpc>
-              <a:spcBef>
-                <a:spcPct val="70000"/>
-              </a:spcBef>
-              <a:spcAft>
-                <a:spcPct val="0"/>
-              </a:spcAft>
-              <a:buClr>
-                <a:srgbClr val="2D4A6D"/>
-              </a:buClr>
-              <a:buSzPct val="90000"/>
-              <a:buChar char="•"/>
-              <a:defRPr sz="1600">
-                <a:solidFill>
-                  <a:schemeClr val="tx1"/>
-                </a:solidFill>
-                <a:latin typeface="+mn-lt"/>
-              </a:defRPr>
-            </a:lvl7pPr>
-            <a:lvl8pPr marL="2916238" indent="-168275" algn="l" rtl="0" eaLnBrk="1" fontAlgn="base" hangingPunct="1">
-              <a:lnSpc>
-                <a:spcPct val="90000"/>
-              </a:lnSpc>
-              <a:spcBef>
-                <a:spcPct val="70000"/>
-              </a:spcBef>
-              <a:spcAft>
-                <a:spcPct val="0"/>
-              </a:spcAft>
-              <a:buClr>
-                <a:srgbClr val="2D4A6D"/>
-              </a:buClr>
-              <a:buSzPct val="90000"/>
-              <a:buChar char="•"/>
-              <a:defRPr sz="1600">
-                <a:solidFill>
-                  <a:schemeClr val="tx1"/>
-                </a:solidFill>
-                <a:latin typeface="+mn-lt"/>
-              </a:defRPr>
-            </a:lvl8pPr>
-            <a:lvl9pPr marL="3373438" indent="-168275" algn="l" rtl="0" eaLnBrk="1" fontAlgn="base" hangingPunct="1">
-              <a:lnSpc>
-                <a:spcPct val="90000"/>
-              </a:lnSpc>
-              <a:spcBef>
-                <a:spcPct val="70000"/>
-              </a:spcBef>
-              <a:spcAft>
-                <a:spcPct val="0"/>
-              </a:spcAft>
-              <a:buClr>
-                <a:srgbClr val="2D4A6D"/>
-              </a:buClr>
-              <a:buSzPct val="90000"/>
-              <a:buChar char="•"/>
-              <a:defRPr sz="1600">
-                <a:solidFill>
-                  <a:schemeClr val="tx1"/>
-                </a:solidFill>
-                <a:latin typeface="+mn-lt"/>
-              </a:defRPr>
-            </a:lvl9pPr>
-          </a:lstStyle>
-          <a:p>
-            <a:pPr marL="0" indent="0">
-              <a:buNone/>
-            </a:pPr>
-            <a:r>
-              <a:rPr lang="en-US" dirty="0"/>
-              <a:t>Date and Time functions</a:t>
-            </a:r>
-          </a:p>
-          <a:p>
-            <a:pPr marL="0" indent="0">
-              <a:buNone/>
-            </a:pPr>
-            <a:endParaRPr lang="en-US" dirty="0"/>
-          </a:p>
-          <a:p>
-            <a:endParaRPr lang="en-US" dirty="0"/>
-          </a:p>
-          <a:p>
-            <a:pPr marL="0" indent="0">
-              <a:buNone/>
-            </a:pPr>
-            <a:endParaRPr lang="en-US" dirty="0"/>
-          </a:p>
-          <a:p>
-            <a:pPr marL="0" indent="0">
-              <a:buNone/>
-            </a:pPr>
-            <a:r>
-              <a:rPr lang="en-US" dirty="0"/>
-              <a:t>Mathematical functions</a:t>
-            </a:r>
-          </a:p>
-          <a:p>
-            <a:endParaRPr lang="en-US" dirty="0"/>
-          </a:p>
-          <a:p>
-            <a:pPr marL="0" indent="0">
-              <a:buNone/>
-            </a:pPr>
-            <a:r>
-              <a:rPr lang="en-US" dirty="0"/>
-              <a:t>Conversion functions</a:t>
-            </a:r>
-          </a:p>
-          <a:p>
-            <a:endParaRPr lang="en-US" dirty="0"/>
-          </a:p>
-          <a:p>
-            <a:pPr marL="0" indent="0">
-              <a:buNone/>
-            </a:pPr>
-            <a:r>
-              <a:rPr lang="en-US" dirty="0"/>
-              <a:t>Metadata functions</a:t>
-            </a:r>
-          </a:p>
-          <a:p>
-            <a:endParaRPr lang="en-US" dirty="0"/>
-          </a:p>
-          <a:p>
-            <a:endParaRPr lang="en-US" dirty="0"/>
-          </a:p>
-          <a:p>
-            <a:endParaRPr lang="en-US" dirty="0"/>
-          </a:p>
-        </p:txBody>
-      </p:sp>
-      <p:sp>
-        <p:nvSpPr>
           <p:cNvPr id="11" name="AutoShape 3"/>
           <p:cNvSpPr>
             <a:spLocks noChangeArrowheads="1"/>
@@ -47128,7 +46414,7 @@
                                           </p:stCondLst>
                                         </p:cTn>
                                         <p:tgtEl>
-                                          <p:spTgt spid="10"/>
+                                          <p:spTgt spid="11"/>
                                         </p:tgtEl>
                                         <p:attrNameLst>
                                           <p:attrName>style.visibility</p:attrName>
@@ -47142,7 +46428,7 @@
                                       <p:cBhvr>
                                         <p:cTn id="25" dur="500"/>
                                         <p:tgtEl>
-                                          <p:spTgt spid="10"/>
+                                          <p:spTgt spid="11"/>
                                         </p:tgtEl>
                                       </p:cBhvr>
                                     </p:animEffect>
@@ -47163,7 +46449,7 @@
                                           </p:stCondLst>
                                         </p:cTn>
                                         <p:tgtEl>
-                                          <p:spTgt spid="11"/>
+                                          <p:spTgt spid="12"/>
                                         </p:tgtEl>
                                         <p:attrNameLst>
                                           <p:attrName>style.visibility</p:attrName>
@@ -47177,7 +46463,7 @@
                                       <p:cBhvr>
                                         <p:cTn id="28" dur="500"/>
                                         <p:tgtEl>
-                                          <p:spTgt spid="11"/>
+                                          <p:spTgt spid="12"/>
                                         </p:tgtEl>
                                       </p:cBhvr>
                                     </p:animEffect>
@@ -47198,7 +46484,7 @@
                                           </p:stCondLst>
                                         </p:cTn>
                                         <p:tgtEl>
-                                          <p:spTgt spid="12"/>
+                                          <p:spTgt spid="13"/>
                                         </p:tgtEl>
                                         <p:attrNameLst>
                                           <p:attrName>style.visibility</p:attrName>
@@ -47212,7 +46498,7 @@
                                       <p:cBhvr>
                                         <p:cTn id="31" dur="500"/>
                                         <p:tgtEl>
-                                          <p:spTgt spid="12"/>
+                                          <p:spTgt spid="13"/>
                                         </p:tgtEl>
                                       </p:cBhvr>
                                     </p:animEffect>
@@ -47233,7 +46519,7 @@
                                           </p:stCondLst>
                                         </p:cTn>
                                         <p:tgtEl>
-                                          <p:spTgt spid="13"/>
+                                          <p:spTgt spid="14"/>
                                         </p:tgtEl>
                                         <p:attrNameLst>
                                           <p:attrName>style.visibility</p:attrName>
@@ -47246,41 +46532,6 @@
                                     <p:animEffect transition="in" filter="fade">
                                       <p:cBhvr>
                                         <p:cTn id="34" dur="500"/>
-                                        <p:tgtEl>
-                                          <p:spTgt spid="13"/>
-                                        </p:tgtEl>
-                                      </p:cBhvr>
-                                    </p:animEffect>
-                                  </p:childTnLst>
-                                </p:cTn>
-                              </p:par>
-                              <p:par>
-                                <p:cTn id="35" presetID="10" presetClass="entr" presetSubtype="0" fill="hold" grpId="0" nodeType="withEffect">
-                                  <p:stCondLst>
-                                    <p:cond delay="0"/>
-                                  </p:stCondLst>
-                                  <p:childTnLst>
-                                    <p:set>
-                                      <p:cBhvr>
-                                        <p:cTn id="36" dur="1" fill="hold">
-                                          <p:stCondLst>
-                                            <p:cond delay="0"/>
-                                          </p:stCondLst>
-                                        </p:cTn>
-                                        <p:tgtEl>
-                                          <p:spTgt spid="14"/>
-                                        </p:tgtEl>
-                                        <p:attrNameLst>
-                                          <p:attrName>style.visibility</p:attrName>
-                                        </p:attrNameLst>
-                                      </p:cBhvr>
-                                      <p:to>
-                                        <p:strVal val="visible"/>
-                                      </p:to>
-                                    </p:set>
-                                    <p:animEffect transition="in" filter="fade">
-                                      <p:cBhvr>
-                                        <p:cTn id="37" dur="500"/>
                                         <p:tgtEl>
                                           <p:spTgt spid="14"/>
                                         </p:tgtEl>
@@ -47296,26 +46547,26 @@
                     </p:cTn>
                   </p:par>
                   <p:par>
-                    <p:cTn id="38" fill="hold">
+                    <p:cTn id="35" fill="hold">
                       <p:stCondLst>
                         <p:cond delay="indefinite"/>
                       </p:stCondLst>
                       <p:childTnLst>
                         <p:par>
-                          <p:cTn id="39" fill="hold">
+                          <p:cTn id="36" fill="hold">
                             <p:stCondLst>
                               <p:cond delay="0"/>
                             </p:stCondLst>
                             <p:childTnLst>
                               <p:par>
-                                <p:cTn id="40" presetID="1" presetClass="entr" presetSubtype="0" fill="hold" nodeType="clickEffect">
+                                <p:cTn id="37" presetID="1" presetClass="entr" presetSubtype="0" fill="hold" nodeType="clickEffect">
                                   <p:stCondLst>
                                     <p:cond delay="0"/>
                                   </p:stCondLst>
                                   <p:childTnLst>
                                     <p:set>
                                       <p:cBhvr>
-                                        <p:cTn id="41" dur="1" fill="hold">
+                                        <p:cTn id="38" dur="1" fill="hold">
                                           <p:stCondLst>
                                             <p:cond delay="0"/>
                                           </p:stCondLst>
@@ -47363,7 +46614,6 @@
     </p:tnLst>
     <p:bldLst>
       <p:bldP spid="22" grpId="0" build="p"/>
-      <p:bldP spid="10" grpId="0"/>
       <p:bldP spid="11" grpId="0" animBg="1"/>
       <p:bldP spid="12" grpId="0" animBg="1"/>
       <p:bldP spid="13" grpId="0" animBg="1"/>
@@ -47373,7 +46623,7 @@
 </p:sld>
 </file>
 
-<file path=ppt/slides/slide31.xml><?xml version="1.0" encoding="utf-8"?>
+<file path=ppt/slides/slide32.xml><?xml version="1.0" encoding="utf-8"?>
 <p:sld xmlns:a="http://schemas.openxmlformats.org/drawingml/2006/main" xmlns:r="http://schemas.openxmlformats.org/officeDocument/2006/relationships" xmlns:p="http://schemas.openxmlformats.org/presentationml/2006/main">
   <p:cSld>
     <p:spTree>
@@ -47497,7 +46747,7 @@
               <a:t>) </a:t>
             </a:r>
             <a:r>
-              <a:rPr lang="en-US" sz="2000" b="0" dirty="0" err="1"/>
+              <a:rPr lang="en-US" sz="2000" b="0" dirty="0" err="1" smtClean="0"/>
               <a:t>ProductID</a:t>
             </a:r>
             <a:r>
@@ -47879,7 +47129,7 @@
 </p:sld>
 </file>
 
-<file path=ppt/slides/slide32.xml><?xml version="1.0" encoding="utf-8"?>
+<file path=ppt/slides/slide33.xml><?xml version="1.0" encoding="utf-8"?>
 <p:sld xmlns:a="http://schemas.openxmlformats.org/drawingml/2006/main" xmlns:r="http://schemas.openxmlformats.org/officeDocument/2006/relationships" xmlns:p="http://schemas.openxmlformats.org/presentationml/2006/main">
   <p:cSld>
     <p:spTree>
@@ -48414,7 +47664,7 @@
 </p:sld>
 </file>
 
-<file path=ppt/slides/slide33.xml><?xml version="1.0" encoding="utf-8"?>
+<file path=ppt/slides/slide34.xml><?xml version="1.0" encoding="utf-8"?>
 <p:sld xmlns:a="http://schemas.openxmlformats.org/drawingml/2006/main" xmlns:r="http://schemas.openxmlformats.org/officeDocument/2006/relationships" xmlns:p="http://schemas.openxmlformats.org/presentationml/2006/main">
   <p:cSld>
     <p:spTree>
@@ -48529,14 +47779,14 @@
                 <a:gridCol w="2822223">
                   <a:extLst>
                     <a:ext uri="{9D8B030D-6E8A-4147-A177-3AD203B41FA5}">
-                      <a16:colId xmlns:a16="http://schemas.microsoft.com/office/drawing/2014/main" val="20000"/>
+                      <a16:colId xmlns:a16="http://schemas.microsoft.com/office/drawing/2014/main" xmlns="" val="20000"/>
                     </a:ext>
                   </a:extLst>
                 </a:gridCol>
                 <a:gridCol w="5102577">
                   <a:extLst>
                     <a:ext uri="{9D8B030D-6E8A-4147-A177-3AD203B41FA5}">
-                      <a16:colId xmlns:a16="http://schemas.microsoft.com/office/drawing/2014/main" val="20001"/>
+                      <a16:colId xmlns:a16="http://schemas.microsoft.com/office/drawing/2014/main" xmlns="" val="20001"/>
                     </a:ext>
                   </a:extLst>
                 </a:gridCol>
@@ -48575,7 +47825,7 @@
                 </a:tc>
                 <a:extLst>
                   <a:ext uri="{0D108BD9-81ED-4DB2-BD59-A6C34878D82A}">
-                    <a16:rowId xmlns:a16="http://schemas.microsoft.com/office/drawing/2014/main" val="10000"/>
+                    <a16:rowId xmlns:a16="http://schemas.microsoft.com/office/drawing/2014/main" xmlns="" val="10000"/>
                   </a:ext>
                 </a:extLst>
               </a:tr>
@@ -48613,7 +47863,7 @@
                 </a:tc>
                 <a:extLst>
                   <a:ext uri="{0D108BD9-81ED-4DB2-BD59-A6C34878D82A}">
-                    <a16:rowId xmlns:a16="http://schemas.microsoft.com/office/drawing/2014/main" val="10001"/>
+                    <a16:rowId xmlns:a16="http://schemas.microsoft.com/office/drawing/2014/main" xmlns="" val="10001"/>
                   </a:ext>
                 </a:extLst>
               </a:tr>
@@ -48651,7 +47901,7 @@
                 </a:tc>
                 <a:extLst>
                   <a:ext uri="{0D108BD9-81ED-4DB2-BD59-A6C34878D82A}">
-                    <a16:rowId xmlns:a16="http://schemas.microsoft.com/office/drawing/2014/main" val="10002"/>
+                    <a16:rowId xmlns:a16="http://schemas.microsoft.com/office/drawing/2014/main" xmlns="" val="10002"/>
                   </a:ext>
                 </a:extLst>
               </a:tr>
@@ -48689,7 +47939,7 @@
                 </a:tc>
                 <a:extLst>
                   <a:ext uri="{0D108BD9-81ED-4DB2-BD59-A6C34878D82A}">
-                    <a16:rowId xmlns:a16="http://schemas.microsoft.com/office/drawing/2014/main" val="10003"/>
+                    <a16:rowId xmlns:a16="http://schemas.microsoft.com/office/drawing/2014/main" xmlns="" val="10003"/>
                   </a:ext>
                 </a:extLst>
               </a:tr>
@@ -48854,7 +48104,7 @@
 </p:sld>
 </file>
 
-<file path=ppt/slides/slide34.xml><?xml version="1.0" encoding="utf-8"?>
+<file path=ppt/slides/slide35.xml><?xml version="1.0" encoding="utf-8"?>
 <p:sld xmlns:a="http://schemas.openxmlformats.org/drawingml/2006/main" xmlns:r="http://schemas.openxmlformats.org/officeDocument/2006/relationships" xmlns:p="http://schemas.openxmlformats.org/presentationml/2006/main">
   <p:cSld>
     <p:spTree>
@@ -48966,14 +48216,14 @@
                 <a:gridCol w="2472267">
                   <a:extLst>
                     <a:ext uri="{9D8B030D-6E8A-4147-A177-3AD203B41FA5}">
-                      <a16:colId xmlns:a16="http://schemas.microsoft.com/office/drawing/2014/main" val="20000"/>
+                      <a16:colId xmlns:a16="http://schemas.microsoft.com/office/drawing/2014/main" xmlns="" val="20000"/>
                     </a:ext>
                   </a:extLst>
                 </a:gridCol>
                 <a:gridCol w="5452533">
                   <a:extLst>
                     <a:ext uri="{9D8B030D-6E8A-4147-A177-3AD203B41FA5}">
-                      <a16:colId xmlns:a16="http://schemas.microsoft.com/office/drawing/2014/main" val="20001"/>
+                      <a16:colId xmlns:a16="http://schemas.microsoft.com/office/drawing/2014/main" xmlns="" val="20001"/>
                     </a:ext>
                   </a:extLst>
                 </a:gridCol>
@@ -49012,7 +48262,7 @@
                 </a:tc>
                 <a:extLst>
                   <a:ext uri="{0D108BD9-81ED-4DB2-BD59-A6C34878D82A}">
-                    <a16:rowId xmlns:a16="http://schemas.microsoft.com/office/drawing/2014/main" val="10000"/>
+                    <a16:rowId xmlns:a16="http://schemas.microsoft.com/office/drawing/2014/main" xmlns="" val="10000"/>
                   </a:ext>
                 </a:extLst>
               </a:tr>
@@ -49050,7 +48300,7 @@
                 </a:tc>
                 <a:extLst>
                   <a:ext uri="{0D108BD9-81ED-4DB2-BD59-A6C34878D82A}">
-                    <a16:rowId xmlns:a16="http://schemas.microsoft.com/office/drawing/2014/main" val="10001"/>
+                    <a16:rowId xmlns:a16="http://schemas.microsoft.com/office/drawing/2014/main" xmlns="" val="10001"/>
                   </a:ext>
                 </a:extLst>
               </a:tr>
@@ -49091,7 +48341,7 @@
                 </a:tc>
                 <a:extLst>
                   <a:ext uri="{0D108BD9-81ED-4DB2-BD59-A6C34878D82A}">
-                    <a16:rowId xmlns:a16="http://schemas.microsoft.com/office/drawing/2014/main" val="10002"/>
+                    <a16:rowId xmlns:a16="http://schemas.microsoft.com/office/drawing/2014/main" xmlns="" val="10002"/>
                   </a:ext>
                 </a:extLst>
               </a:tr>
@@ -49328,7 +48578,7 @@
 </p:sld>
 </file>
 
-<file path=ppt/slides/slide35.xml><?xml version="1.0" encoding="utf-8"?>
+<file path=ppt/slides/slide36.xml><?xml version="1.0" encoding="utf-8"?>
 <p:sld xmlns:a="http://schemas.openxmlformats.org/drawingml/2006/main" xmlns:r="http://schemas.openxmlformats.org/officeDocument/2006/relationships" xmlns:p="http://schemas.openxmlformats.org/presentationml/2006/main">
   <p:cSld>
     <p:spTree>
@@ -49491,154 +48741,6 @@
 </p:sld>
 </file>
 
-<file path=ppt/slides/slide36.xml><?xml version="1.0" encoding="utf-8"?>
-<p:sld xmlns:a="http://schemas.openxmlformats.org/drawingml/2006/main" xmlns:r="http://schemas.openxmlformats.org/officeDocument/2006/relationships" xmlns:p="http://schemas.openxmlformats.org/presentationml/2006/main">
-  <p:cSld>
-    <p:spTree>
-      <p:nvGrpSpPr>
-        <p:cNvPr id="1" name=""/>
-        <p:cNvGrpSpPr/>
-        <p:nvPr/>
-      </p:nvGrpSpPr>
-      <p:grpSpPr>
-        <a:xfrm>
-          <a:off x="0" y="0"/>
-          <a:ext cx="0" cy="0"/>
-          <a:chOff x="0" y="0"/>
-          <a:chExt cx="0" cy="0"/>
-        </a:xfrm>
-      </p:grpSpPr>
-      <p:sp>
-        <p:nvSpPr>
-          <p:cNvPr id="2" name="Title 1"/>
-          <p:cNvSpPr>
-            <a:spLocks noGrp="1"/>
-          </p:cNvSpPr>
-          <p:nvPr>
-            <p:ph type="title"/>
-          </p:nvPr>
-        </p:nvSpPr>
-        <p:spPr/>
-        <p:txBody>
-          <a:bodyPr/>
-          <a:lstStyle/>
-          <a:p>
-            <a:pPr>
-              <a:defRPr/>
-            </a:pPr>
-            <a:r>
-              <a:rPr lang="en-US" dirty="0"/>
-              <a:t>Summary</a:t>
-            </a:r>
-          </a:p>
-        </p:txBody>
-      </p:sp>
-      <p:sp>
-        <p:nvSpPr>
-          <p:cNvPr id="15363" name="Content Placeholder 2"/>
-          <p:cNvSpPr>
-            <a:spLocks noGrp="1"/>
-          </p:cNvSpPr>
-          <p:nvPr>
-            <p:ph idx="1"/>
-          </p:nvPr>
-        </p:nvSpPr>
-        <p:spPr/>
-        <p:txBody>
-          <a:bodyPr/>
-          <a:lstStyle/>
-          <a:p>
-            <a:r>
-              <a:rPr lang="en-US" sz="2000" dirty="0"/>
-              <a:t>SQL Server associates columns, expressions, variables, and parameters with data types that determines what kind of data can be stored in the field</a:t>
-            </a:r>
-          </a:p>
-          <a:p>
-            <a:endParaRPr lang="en-US" sz="2000" dirty="0"/>
-          </a:p>
-          <a:p>
-            <a:r>
-              <a:rPr lang="en-US" sz="2000" dirty="0"/>
-              <a:t>There are seven categories of built-in data types</a:t>
-            </a:r>
-          </a:p>
-          <a:p>
-            <a:pPr lvl="1" fontAlgn="t"/>
-            <a:r>
-              <a:rPr lang="en-US" sz="1700" dirty="0"/>
-              <a:t>SQL Server Data Type Categories</a:t>
-            </a:r>
-          </a:p>
-          <a:p>
-            <a:pPr lvl="1" fontAlgn="t"/>
-            <a:r>
-              <a:rPr lang="en-US" sz="1700" dirty="0"/>
-              <a:t>Exact numeric</a:t>
-            </a:r>
-          </a:p>
-          <a:p>
-            <a:pPr lvl="1" fontAlgn="t"/>
-            <a:r>
-              <a:rPr lang="en-US" sz="1700" dirty="0"/>
-              <a:t>Unicode characters</a:t>
-            </a:r>
-          </a:p>
-          <a:p>
-            <a:pPr lvl="1" fontAlgn="t"/>
-            <a:r>
-              <a:rPr lang="en-US" sz="1700" dirty="0"/>
-              <a:t>Approximate numeric</a:t>
-            </a:r>
-          </a:p>
-          <a:p>
-            <a:pPr lvl="1" fontAlgn="t"/>
-            <a:r>
-              <a:rPr lang="en-US" sz="1700" dirty="0"/>
-              <a:t>Binary strings</a:t>
-            </a:r>
-          </a:p>
-          <a:p>
-            <a:pPr lvl="1" fontAlgn="t"/>
-            <a:r>
-              <a:rPr lang="en-US" sz="1700" dirty="0"/>
-              <a:t>Date and time</a:t>
-            </a:r>
-          </a:p>
-          <a:p>
-            <a:pPr lvl="1" fontAlgn="t"/>
-            <a:r>
-              <a:rPr lang="en-US" sz="1700" dirty="0"/>
-              <a:t>Character strings</a:t>
-            </a:r>
-          </a:p>
-          <a:p>
-            <a:pPr lvl="1" fontAlgn="t"/>
-            <a:r>
-              <a:rPr lang="en-US" sz="1700" dirty="0"/>
-              <a:t>Other</a:t>
-            </a:r>
-          </a:p>
-          <a:p>
-            <a:endParaRPr lang="en-US" sz="2000" dirty="0"/>
-          </a:p>
-          <a:p>
-            <a:endParaRPr lang="en-US" sz="2800" dirty="0"/>
-          </a:p>
-        </p:txBody>
-      </p:sp>
-    </p:spTree>
-    <p:extLst>
-      <p:ext uri="{BB962C8B-B14F-4D97-AF65-F5344CB8AC3E}">
-        <p14:creationId xmlns:p14="http://schemas.microsoft.com/office/powerpoint/2010/main" val="1449987078"/>
-      </p:ext>
-    </p:extLst>
-  </p:cSld>
-  <p:clrMapOvr>
-    <a:masterClrMapping/>
-  </p:clrMapOvr>
-</p:sld>
-</file>
-
 <file path=ppt/slides/slide37.xml><?xml version="1.0" encoding="utf-8"?>
 <p:sld xmlns:a="http://schemas.openxmlformats.org/drawingml/2006/main" xmlns:r="http://schemas.openxmlformats.org/officeDocument/2006/relationships" xmlns:p="http://schemas.openxmlformats.org/presentationml/2006/main">
   <p:cSld>
@@ -49683,7 +48785,7 @@
       </p:sp>
       <p:sp>
         <p:nvSpPr>
-          <p:cNvPr id="20483" name="Content Placeholder 2"/>
+          <p:cNvPr id="15363" name="Content Placeholder 2"/>
           <p:cNvSpPr>
             <a:spLocks noGrp="1"/>
           </p:cNvSpPr>
@@ -49698,91 +48800,86 @@
           <a:p>
             <a:r>
               <a:rPr lang="en-US" sz="2000" dirty="0"/>
-              <a:t>There are several character string functions available</a:t>
+              <a:t>SQL Server associates columns, expressions, variables, and parameters with data types that determines what kind of data can be stored in the field</a:t>
+            </a:r>
+          </a:p>
+          <a:p>
+            <a:endParaRPr lang="en-US" sz="2000" dirty="0"/>
+          </a:p>
+          <a:p>
+            <a:r>
+              <a:rPr lang="en-US" sz="2000" dirty="0"/>
+              <a:t>There are seven categories of built-in data types</a:t>
             </a:r>
           </a:p>
           <a:p>
             <a:pPr lvl="1" fontAlgn="t"/>
             <a:r>
               <a:rPr lang="en-US" sz="1700" dirty="0"/>
-              <a:t>LEFT(), RIGHT()</a:t>
+              <a:t>SQL Server Data Type Categories</a:t>
             </a:r>
           </a:p>
           <a:p>
             <a:pPr lvl="1" fontAlgn="t"/>
             <a:r>
               <a:rPr lang="en-US" sz="1700" dirty="0"/>
-              <a:t>LEN(), DATALENGTH()</a:t>
+              <a:t>Exact numeric</a:t>
             </a:r>
           </a:p>
           <a:p>
             <a:pPr lvl="1" fontAlgn="t"/>
             <a:r>
               <a:rPr lang="en-US" sz="1700" dirty="0"/>
-              <a:t>CHARINDEX()</a:t>
+              <a:t>Unicode characters</a:t>
             </a:r>
           </a:p>
           <a:p>
             <a:pPr lvl="1" fontAlgn="t"/>
             <a:r>
               <a:rPr lang="en-US" sz="1700" dirty="0"/>
-              <a:t>REPLACE()</a:t>
+              <a:t>Approximate numeric</a:t>
             </a:r>
           </a:p>
           <a:p>
             <a:pPr lvl="1" fontAlgn="t"/>
             <a:r>
               <a:rPr lang="en-US" sz="1700" dirty="0"/>
-              <a:t>UPPER(), LOWER()</a:t>
+              <a:t>Binary strings</a:t>
             </a:r>
           </a:p>
           <a:p>
             <a:pPr lvl="1" fontAlgn="t"/>
             <a:r>
               <a:rPr lang="en-US" sz="1700" dirty="0"/>
-              <a:t>SUBSTRING()</a:t>
+              <a:t>Date and time</a:t>
             </a:r>
           </a:p>
           <a:p>
             <a:pPr lvl="1" fontAlgn="t"/>
-            <a:endParaRPr lang="en-US" sz="1700" dirty="0"/>
-          </a:p>
-          <a:p>
-            <a:r>
-              <a:rPr lang="en-US" sz="2000" dirty="0"/>
-              <a:t>The LIKE predicate used to check a character string against a pattern</a:t>
-            </a:r>
-          </a:p>
-          <a:p>
-            <a:pPr lvl="1"/>
-            <a:r>
-              <a:rPr lang="en-US" sz="2000" dirty="0"/>
-              <a:t>% (Percent) represents a string of any length</a:t>
-            </a:r>
-          </a:p>
-          <a:p>
-            <a:pPr lvl="1"/>
-            <a:r>
-              <a:rPr lang="en-US" sz="2000" dirty="0"/>
-              <a:t>_ (Underscore) represents a single character</a:t>
+            <a:r>
+              <a:rPr lang="en-US" sz="1700" dirty="0"/>
+              <a:t>Character strings</a:t>
+            </a:r>
+          </a:p>
+          <a:p>
+            <a:pPr lvl="1" fontAlgn="t"/>
+            <a:r>
+              <a:rPr lang="en-US" sz="1700" dirty="0"/>
+              <a:t>Other</a:t>
             </a:r>
           </a:p>
           <a:p>
             <a:endParaRPr lang="en-US" sz="2000" dirty="0"/>
           </a:p>
           <a:p>
-            <a:pPr fontAlgn="t"/>
-            <a:endParaRPr lang="en-US" sz="2000" dirty="0"/>
-          </a:p>
-          <a:p>
-            <a:endParaRPr lang="en-US" sz="2000" dirty="0"/>
+            <a:endParaRPr lang="en-US" sz="2800" dirty="0"/>
           </a:p>
         </p:txBody>
       </p:sp>
     </p:spTree>
     <p:extLst>
       <p:ext uri="{BB962C8B-B14F-4D97-AF65-F5344CB8AC3E}">
-        <p14:creationId xmlns:p14="http://schemas.microsoft.com/office/powerpoint/2010/main" val="2146502508"/>
+        <p14:creationId xmlns:p14="http://schemas.microsoft.com/office/powerpoint/2010/main" val="1449987078"/>
       </p:ext>
     </p:extLst>
   </p:cSld>
@@ -49851,55 +48948,50 @@
           <a:p>
             <a:r>
               <a:rPr lang="en-US" sz="2000" dirty="0"/>
-              <a:t>There are several date and time data types available</a:t>
+              <a:t>There are several character string functions available</a:t>
             </a:r>
           </a:p>
           <a:p>
             <a:pPr lvl="1" fontAlgn="t"/>
             <a:r>
-              <a:rPr lang="en-US" dirty="0"/>
-              <a:t>SMALLDATETIME</a:t>
-            </a:r>
-            <a:endParaRPr lang="en-US" sz="3700" dirty="0"/>
+              <a:rPr lang="en-US" sz="1700" dirty="0"/>
+              <a:t>LEFT(), RIGHT()</a:t>
+            </a:r>
           </a:p>
           <a:p>
             <a:pPr lvl="1" fontAlgn="t"/>
             <a:r>
-              <a:rPr lang="en-US" dirty="0"/>
-              <a:t>DATETIME</a:t>
+              <a:rPr lang="en-US" sz="1700" dirty="0"/>
+              <a:t>LEN(), DATALENGTH()</a:t>
             </a:r>
           </a:p>
           <a:p>
             <a:pPr lvl="1" fontAlgn="t"/>
             <a:r>
-              <a:rPr lang="en-US" dirty="0"/>
-              <a:t>DATETIME2</a:t>
-            </a:r>
-            <a:endParaRPr lang="en-US" sz="3700" dirty="0"/>
+              <a:rPr lang="en-US" sz="1700" dirty="0"/>
+              <a:t>CHARINDEX()</a:t>
+            </a:r>
           </a:p>
           <a:p>
             <a:pPr lvl="1" fontAlgn="t"/>
             <a:r>
-              <a:rPr lang="en-US" dirty="0"/>
-              <a:t>DATE</a:t>
-            </a:r>
-            <a:endParaRPr lang="en-US" sz="3700" dirty="0"/>
+              <a:rPr lang="en-US" sz="1700" dirty="0"/>
+              <a:t>REPLACE()</a:t>
+            </a:r>
           </a:p>
           <a:p>
             <a:pPr lvl="1" fontAlgn="t"/>
             <a:r>
-              <a:rPr lang="en-US" dirty="0"/>
-              <a:t>TIME</a:t>
-            </a:r>
-            <a:endParaRPr lang="en-US" sz="3700" dirty="0"/>
+              <a:rPr lang="en-US" sz="1700" dirty="0"/>
+              <a:t>UPPER(), LOWER()</a:t>
+            </a:r>
           </a:p>
           <a:p>
             <a:pPr lvl="1" fontAlgn="t"/>
             <a:r>
-              <a:rPr lang="en-US" dirty="0"/>
-              <a:t>DATETIMEOFFSET</a:t>
-            </a:r>
-            <a:endParaRPr lang="en-US" sz="3700" dirty="0"/>
+              <a:rPr lang="en-US" sz="1700" dirty="0"/>
+              <a:t>SUBSTRING()</a:t>
+            </a:r>
           </a:p>
           <a:p>
             <a:pPr lvl="1" fontAlgn="t"/>
@@ -49908,56 +49000,22 @@
           <a:p>
             <a:r>
               <a:rPr lang="en-US" sz="2000" dirty="0"/>
-              <a:t>You can use the following date and time functions to return current date and time</a:t>
-            </a:r>
-          </a:p>
-          <a:p>
+              <a:t>The LIKE predicate used to check a character string against a pattern</a:t>
+            </a:r>
+          </a:p>
+          <a:p>
+            <a:pPr lvl="1"/>
             <a:r>
               <a:rPr lang="en-US" sz="2000" dirty="0"/>
-              <a:t>     </a:t>
-            </a:r>
-            <a:r>
-              <a:rPr lang="en-US" sz="1500" dirty="0"/>
-              <a:t>GETDATE()</a:t>
-            </a:r>
-          </a:p>
-          <a:p>
-            <a:pPr lvl="1" fontAlgn="t"/>
-            <a:r>
-              <a:rPr lang="en-US" dirty="0"/>
-              <a:t>GETUTCDATE()</a:t>
-            </a:r>
-          </a:p>
-          <a:p>
-            <a:pPr lvl="1" fontAlgn="t"/>
-            <a:r>
-              <a:rPr lang="en-US" dirty="0"/>
-              <a:t>CURRENT_TIMESTAMP</a:t>
-            </a:r>
-          </a:p>
-          <a:p>
-            <a:pPr lvl="1" fontAlgn="t"/>
-            <a:r>
-              <a:rPr lang="en-US" dirty="0"/>
-              <a:t>SYSDATETIME()</a:t>
-            </a:r>
-          </a:p>
-          <a:p>
-            <a:pPr lvl="1" fontAlgn="t"/>
-            <a:r>
-              <a:rPr lang="en-US" dirty="0"/>
-              <a:t>SYSUTCDATETIME()</a:t>
-            </a:r>
-          </a:p>
-          <a:p>
-            <a:pPr lvl="1" fontAlgn="t"/>
-            <a:r>
-              <a:rPr lang="en-US" dirty="0"/>
-              <a:t>SYSDATETIMEOFFSET()</a:t>
-            </a:r>
-          </a:p>
-          <a:p>
-            <a:endParaRPr lang="en-US" sz="2000" dirty="0"/>
+              <a:t>% (Percent) represents a string of any length</a:t>
+            </a:r>
+          </a:p>
+          <a:p>
+            <a:pPr lvl="1"/>
+            <a:r>
+              <a:rPr lang="en-US" sz="2000" dirty="0"/>
+              <a:t>_ (Underscore) represents a single character</a:t>
+            </a:r>
           </a:p>
           <a:p>
             <a:endParaRPr lang="en-US" sz="2000" dirty="0"/>
@@ -49974,7 +49032,7 @@
     </p:spTree>
     <p:extLst>
       <p:ext uri="{BB962C8B-B14F-4D97-AF65-F5344CB8AC3E}">
-        <p14:creationId xmlns:p14="http://schemas.microsoft.com/office/powerpoint/2010/main" val="791236137"/>
+        <p14:creationId xmlns:p14="http://schemas.microsoft.com/office/powerpoint/2010/main" val="2146502508"/>
       </p:ext>
     </p:extLst>
   </p:cSld>
@@ -50043,29 +49101,55 @@
           <a:p>
             <a:r>
               <a:rPr lang="en-US" sz="2000" dirty="0"/>
-              <a:t>Built-in function types include </a:t>
-            </a:r>
-          </a:p>
-          <a:p>
-            <a:pPr lvl="1"/>
-            <a:r>
-              <a:rPr lang="en-US" sz="1700" dirty="0"/>
-              <a:t>Scalar</a:t>
+              <a:t>There are several date and time data types available</a:t>
             </a:r>
           </a:p>
           <a:p>
             <a:pPr lvl="1" fontAlgn="t"/>
             <a:r>
-              <a:rPr lang="en-US" sz="1700" dirty="0"/>
-              <a:t>Grouped Aggregate</a:t>
-            </a:r>
+              <a:rPr lang="en-US" dirty="0"/>
+              <a:t>SMALLDATETIME</a:t>
+            </a:r>
+            <a:endParaRPr lang="en-US" sz="3700" dirty="0"/>
           </a:p>
           <a:p>
             <a:pPr lvl="1" fontAlgn="t"/>
             <a:r>
-              <a:rPr lang="en-US" sz="1700" dirty="0"/>
-              <a:t>Window</a:t>
-            </a:r>
+              <a:rPr lang="en-US" dirty="0"/>
+              <a:t>DATETIME</a:t>
+            </a:r>
+          </a:p>
+          <a:p>
+            <a:pPr lvl="1" fontAlgn="t"/>
+            <a:r>
+              <a:rPr lang="en-US" dirty="0"/>
+              <a:t>DATETIME2</a:t>
+            </a:r>
+            <a:endParaRPr lang="en-US" sz="3700" dirty="0"/>
+          </a:p>
+          <a:p>
+            <a:pPr lvl="1" fontAlgn="t"/>
+            <a:r>
+              <a:rPr lang="en-US" dirty="0"/>
+              <a:t>DATE</a:t>
+            </a:r>
+            <a:endParaRPr lang="en-US" sz="3700" dirty="0"/>
+          </a:p>
+          <a:p>
+            <a:pPr lvl="1" fontAlgn="t"/>
+            <a:r>
+              <a:rPr lang="en-US" dirty="0"/>
+              <a:t>TIME</a:t>
+            </a:r>
+            <a:endParaRPr lang="en-US" sz="3700" dirty="0"/>
+          </a:p>
+          <a:p>
+            <a:pPr lvl="1" fontAlgn="t"/>
+            <a:r>
+              <a:rPr lang="en-US" dirty="0"/>
+              <a:t>DATETIMEOFFSET</a:t>
+            </a:r>
+            <a:endParaRPr lang="en-US" sz="3700" dirty="0"/>
           </a:p>
           <a:p>
             <a:pPr lvl="1" fontAlgn="t"/>
@@ -50074,7 +49158,7 @@
           <a:p>
             <a:r>
               <a:rPr lang="en-US" sz="2000" dirty="0"/>
-              <a:t>Other functions include</a:t>
+              <a:t>You can use the following date and time functions to return current date and time</a:t>
             </a:r>
           </a:p>
           <a:p>
@@ -50083,21 +49167,47 @@
               <a:t>     </a:t>
             </a:r>
             <a:r>
-              <a:rPr lang="en-US" sz="1700" dirty="0"/>
-              <a:t>ISNUMERIC</a:t>
-            </a:r>
-          </a:p>
-          <a:p>
-            <a:r>
-              <a:rPr lang="en-US" sz="1700" dirty="0"/>
-              <a:t>      IIF</a:t>
-            </a:r>
-          </a:p>
-          <a:p>
-            <a:r>
-              <a:rPr lang="en-US" sz="1700" dirty="0"/>
-              <a:t>      CHOOSE</a:t>
-            </a:r>
+              <a:rPr lang="en-US" sz="1500" dirty="0"/>
+              <a:t>GETDATE()</a:t>
+            </a:r>
+          </a:p>
+          <a:p>
+            <a:pPr lvl="1" fontAlgn="t"/>
+            <a:r>
+              <a:rPr lang="en-US" dirty="0"/>
+              <a:t>GETUTCDATE()</a:t>
+            </a:r>
+          </a:p>
+          <a:p>
+            <a:pPr lvl="1" fontAlgn="t"/>
+            <a:r>
+              <a:rPr lang="en-US" dirty="0"/>
+              <a:t>CURRENT_TIMESTAMP</a:t>
+            </a:r>
+          </a:p>
+          <a:p>
+            <a:pPr lvl="1" fontAlgn="t"/>
+            <a:r>
+              <a:rPr lang="en-US" dirty="0"/>
+              <a:t>SYSDATETIME()</a:t>
+            </a:r>
+          </a:p>
+          <a:p>
+            <a:pPr lvl="1" fontAlgn="t"/>
+            <a:r>
+              <a:rPr lang="en-US" dirty="0"/>
+              <a:t>SYSUTCDATETIME()</a:t>
+            </a:r>
+          </a:p>
+          <a:p>
+            <a:pPr lvl="1" fontAlgn="t"/>
+            <a:r>
+              <a:rPr lang="en-US" dirty="0"/>
+              <a:t>SYSDATETIMEOFFSET()</a:t>
+            </a:r>
+          </a:p>
+          <a:p>
+            <a:endParaRPr lang="en-US" sz="2000" dirty="0"/>
           </a:p>
           <a:p>
             <a:endParaRPr lang="en-US" sz="2000" dirty="0"/>
@@ -50114,7 +49224,7 @@
     </p:spTree>
     <p:extLst>
       <p:ext uri="{BB962C8B-B14F-4D97-AF65-F5344CB8AC3E}">
-        <p14:creationId xmlns:p14="http://schemas.microsoft.com/office/powerpoint/2010/main" val="872355295"/>
+        <p14:creationId xmlns:p14="http://schemas.microsoft.com/office/powerpoint/2010/main" val="791236137"/>
       </p:ext>
     </p:extLst>
   </p:cSld>
@@ -50237,6 +49347,146 @@
           <a:chExt cx="0" cy="0"/>
         </a:xfrm>
       </p:grpSpPr>
+      <p:sp>
+        <p:nvSpPr>
+          <p:cNvPr id="2" name="Title 1"/>
+          <p:cNvSpPr>
+            <a:spLocks noGrp="1"/>
+          </p:cNvSpPr>
+          <p:nvPr>
+            <p:ph type="title"/>
+          </p:nvPr>
+        </p:nvSpPr>
+        <p:spPr/>
+        <p:txBody>
+          <a:bodyPr/>
+          <a:lstStyle/>
+          <a:p>
+            <a:pPr>
+              <a:defRPr/>
+            </a:pPr>
+            <a:r>
+              <a:rPr lang="en-US" dirty="0"/>
+              <a:t>Summary</a:t>
+            </a:r>
+          </a:p>
+        </p:txBody>
+      </p:sp>
+      <p:sp>
+        <p:nvSpPr>
+          <p:cNvPr id="20483" name="Content Placeholder 2"/>
+          <p:cNvSpPr>
+            <a:spLocks noGrp="1"/>
+          </p:cNvSpPr>
+          <p:nvPr>
+            <p:ph idx="1"/>
+          </p:nvPr>
+        </p:nvSpPr>
+        <p:spPr/>
+        <p:txBody>
+          <a:bodyPr/>
+          <a:lstStyle/>
+          <a:p>
+            <a:r>
+              <a:rPr lang="en-US" sz="2000" dirty="0"/>
+              <a:t>Built-in function types include </a:t>
+            </a:r>
+          </a:p>
+          <a:p>
+            <a:pPr lvl="1"/>
+            <a:r>
+              <a:rPr lang="en-US" sz="1700" dirty="0"/>
+              <a:t>Scalar</a:t>
+            </a:r>
+          </a:p>
+          <a:p>
+            <a:pPr lvl="1" fontAlgn="t"/>
+            <a:r>
+              <a:rPr lang="en-US" sz="1700" dirty="0"/>
+              <a:t>Grouped Aggregate</a:t>
+            </a:r>
+          </a:p>
+          <a:p>
+            <a:pPr lvl="1" fontAlgn="t"/>
+            <a:r>
+              <a:rPr lang="en-US" sz="1700" dirty="0"/>
+              <a:t>Window</a:t>
+            </a:r>
+          </a:p>
+          <a:p>
+            <a:pPr lvl="1" fontAlgn="t"/>
+            <a:endParaRPr lang="en-US" sz="1700" dirty="0"/>
+          </a:p>
+          <a:p>
+            <a:r>
+              <a:rPr lang="en-US" sz="2000" dirty="0"/>
+              <a:t>Other functions include</a:t>
+            </a:r>
+          </a:p>
+          <a:p>
+            <a:r>
+              <a:rPr lang="en-US" sz="2000" dirty="0"/>
+              <a:t>     </a:t>
+            </a:r>
+            <a:r>
+              <a:rPr lang="en-US" sz="1700" dirty="0"/>
+              <a:t>ISNUMERIC</a:t>
+            </a:r>
+          </a:p>
+          <a:p>
+            <a:r>
+              <a:rPr lang="en-US" sz="1700" dirty="0"/>
+              <a:t>      IIF</a:t>
+            </a:r>
+          </a:p>
+          <a:p>
+            <a:r>
+              <a:rPr lang="en-US" sz="1700" dirty="0"/>
+              <a:t>      CHOOSE</a:t>
+            </a:r>
+          </a:p>
+          <a:p>
+            <a:endParaRPr lang="en-US" sz="2000" dirty="0"/>
+          </a:p>
+          <a:p>
+            <a:pPr fontAlgn="t"/>
+            <a:endParaRPr lang="en-US" sz="2000" dirty="0"/>
+          </a:p>
+          <a:p>
+            <a:endParaRPr lang="en-US" sz="2000" dirty="0"/>
+          </a:p>
+        </p:txBody>
+      </p:sp>
+    </p:spTree>
+    <p:extLst>
+      <p:ext uri="{BB962C8B-B14F-4D97-AF65-F5344CB8AC3E}">
+        <p14:creationId xmlns:p14="http://schemas.microsoft.com/office/powerpoint/2010/main" val="872355295"/>
+      </p:ext>
+    </p:extLst>
+  </p:cSld>
+  <p:clrMapOvr>
+    <a:masterClrMapping/>
+  </p:clrMapOvr>
+</p:sld>
+</file>
+
+<file path=ppt/slides/slide41.xml><?xml version="1.0" encoding="utf-8"?>
+<p:sld xmlns:a="http://schemas.openxmlformats.org/drawingml/2006/main" xmlns:r="http://schemas.openxmlformats.org/officeDocument/2006/relationships" xmlns:p="http://schemas.openxmlformats.org/presentationml/2006/main">
+  <p:cSld>
+    <p:spTree>
+      <p:nvGrpSpPr>
+        <p:cNvPr id="1" name=""/>
+        <p:cNvGrpSpPr/>
+        <p:nvPr/>
+      </p:nvGrpSpPr>
+      <p:grpSpPr>
+        <a:xfrm>
+          <a:off x="0" y="0"/>
+          <a:ext cx="0" cy="0"/>
+          <a:chOff x="0" y="0"/>
+          <a:chExt cx="0" cy="0"/>
+        </a:xfrm>
+      </p:grpSpPr>
     </p:spTree>
     <p:extLst>
       <p:ext uri="{BB962C8B-B14F-4D97-AF65-F5344CB8AC3E}">
@@ -50392,14 +49642,14 @@
                 <a:gridCol w="3048000">
                   <a:extLst>
                     <a:ext uri="{9D8B030D-6E8A-4147-A177-3AD203B41FA5}">
-                      <a16:colId xmlns:a16="http://schemas.microsoft.com/office/drawing/2014/main" val="20000"/>
+                      <a16:colId xmlns:a16="http://schemas.microsoft.com/office/drawing/2014/main" xmlns="" val="20000"/>
                     </a:ext>
                   </a:extLst>
                 </a:gridCol>
                 <a:gridCol w="3048000">
                   <a:extLst>
                     <a:ext uri="{9D8B030D-6E8A-4147-A177-3AD203B41FA5}">
-                      <a16:colId xmlns:a16="http://schemas.microsoft.com/office/drawing/2014/main" val="20001"/>
+                      <a16:colId xmlns:a16="http://schemas.microsoft.com/office/drawing/2014/main" xmlns="" val="20001"/>
                     </a:ext>
                   </a:extLst>
                 </a:gridCol>
@@ -50471,7 +49721,7 @@
                 </a:tc>
                 <a:extLst>
                   <a:ext uri="{0D108BD9-81ED-4DB2-BD59-A6C34878D82A}">
-                    <a16:rowId xmlns:a16="http://schemas.microsoft.com/office/drawing/2014/main" val="10000"/>
+                    <a16:rowId xmlns:a16="http://schemas.microsoft.com/office/drawing/2014/main" xmlns="" val="10000"/>
                   </a:ext>
                 </a:extLst>
               </a:tr>
@@ -50514,7 +49764,7 @@
                 </a:tc>
                 <a:extLst>
                   <a:ext uri="{0D108BD9-81ED-4DB2-BD59-A6C34878D82A}">
-                    <a16:rowId xmlns:a16="http://schemas.microsoft.com/office/drawing/2014/main" val="10001"/>
+                    <a16:rowId xmlns:a16="http://schemas.microsoft.com/office/drawing/2014/main" xmlns="" val="10001"/>
                   </a:ext>
                 </a:extLst>
               </a:tr>
@@ -50561,7 +49811,7 @@
                 </a:tc>
                 <a:extLst>
                   <a:ext uri="{0D108BD9-81ED-4DB2-BD59-A6C34878D82A}">
-                    <a16:rowId xmlns:a16="http://schemas.microsoft.com/office/drawing/2014/main" val="10002"/>
+                    <a16:rowId xmlns:a16="http://schemas.microsoft.com/office/drawing/2014/main" xmlns="" val="10002"/>
                   </a:ext>
                 </a:extLst>
               </a:tr>
@@ -50608,7 +49858,7 @@
                 </a:tc>
                 <a:extLst>
                   <a:ext uri="{0D108BD9-81ED-4DB2-BD59-A6C34878D82A}">
-                    <a16:rowId xmlns:a16="http://schemas.microsoft.com/office/drawing/2014/main" val="10003"/>
+                    <a16:rowId xmlns:a16="http://schemas.microsoft.com/office/drawing/2014/main" xmlns="" val="10003"/>
                   </a:ext>
                 </a:extLst>
               </a:tr>
@@ -50651,7 +49901,7 @@
                 </a:tc>
                 <a:extLst>
                   <a:ext uri="{0D108BD9-81ED-4DB2-BD59-A6C34878D82A}">
-                    <a16:rowId xmlns:a16="http://schemas.microsoft.com/office/drawing/2014/main" val="10004"/>
+                    <a16:rowId xmlns:a16="http://schemas.microsoft.com/office/drawing/2014/main" xmlns="" val="10004"/>
                   </a:ext>
                 </a:extLst>
               </a:tr>
@@ -50805,21 +50055,21 @@
                 <a:gridCol w="2017494">
                   <a:extLst>
                     <a:ext uri="{9D8B030D-6E8A-4147-A177-3AD203B41FA5}">
-                      <a16:colId xmlns:a16="http://schemas.microsoft.com/office/drawing/2014/main" val="20000"/>
+                      <a16:colId xmlns:a16="http://schemas.microsoft.com/office/drawing/2014/main" xmlns="" val="20000"/>
                     </a:ext>
                   </a:extLst>
                 </a:gridCol>
                 <a:gridCol w="3421828">
                   <a:extLst>
                     <a:ext uri="{9D8B030D-6E8A-4147-A177-3AD203B41FA5}">
-                      <a16:colId xmlns:a16="http://schemas.microsoft.com/office/drawing/2014/main" val="20001"/>
+                      <a16:colId xmlns:a16="http://schemas.microsoft.com/office/drawing/2014/main" xmlns="" val="20001"/>
                     </a:ext>
                   </a:extLst>
                 </a:gridCol>
                 <a:gridCol w="1938083">
                   <a:extLst>
                     <a:ext uri="{9D8B030D-6E8A-4147-A177-3AD203B41FA5}">
-                      <a16:colId xmlns:a16="http://schemas.microsoft.com/office/drawing/2014/main" val="20002"/>
+                      <a16:colId xmlns:a16="http://schemas.microsoft.com/office/drawing/2014/main" xmlns="" val="20002"/>
                     </a:ext>
                   </a:extLst>
                 </a:gridCol>
@@ -50866,7 +50116,7 @@
                 </a:tc>
                 <a:extLst>
                   <a:ext uri="{0D108BD9-81ED-4DB2-BD59-A6C34878D82A}">
-                    <a16:rowId xmlns:a16="http://schemas.microsoft.com/office/drawing/2014/main" val="10000"/>
+                    <a16:rowId xmlns:a16="http://schemas.microsoft.com/office/drawing/2014/main" xmlns="" val="10000"/>
                   </a:ext>
                 </a:extLst>
               </a:tr>
@@ -50912,7 +50162,7 @@
                 </a:tc>
                 <a:extLst>
                   <a:ext uri="{0D108BD9-81ED-4DB2-BD59-A6C34878D82A}">
-                    <a16:rowId xmlns:a16="http://schemas.microsoft.com/office/drawing/2014/main" val="10001"/>
+                    <a16:rowId xmlns:a16="http://schemas.microsoft.com/office/drawing/2014/main" xmlns="" val="10001"/>
                   </a:ext>
                 </a:extLst>
               </a:tr>
@@ -50963,7 +50213,7 @@
                 </a:tc>
                 <a:extLst>
                   <a:ext uri="{0D108BD9-81ED-4DB2-BD59-A6C34878D82A}">
-                    <a16:rowId xmlns:a16="http://schemas.microsoft.com/office/drawing/2014/main" val="10002"/>
+                    <a16:rowId xmlns:a16="http://schemas.microsoft.com/office/drawing/2014/main" xmlns="" val="10002"/>
                   </a:ext>
                 </a:extLst>
               </a:tr>
@@ -51016,7 +50266,7 @@
                 </a:tc>
                 <a:extLst>
                   <a:ext uri="{0D108BD9-81ED-4DB2-BD59-A6C34878D82A}">
-                    <a16:rowId xmlns:a16="http://schemas.microsoft.com/office/drawing/2014/main" val="10003"/>
+                    <a16:rowId xmlns:a16="http://schemas.microsoft.com/office/drawing/2014/main" xmlns="" val="10003"/>
                   </a:ext>
                 </a:extLst>
               </a:tr>
@@ -51069,7 +50319,7 @@
                 </a:tc>
                 <a:extLst>
                   <a:ext uri="{0D108BD9-81ED-4DB2-BD59-A6C34878D82A}">
-                    <a16:rowId xmlns:a16="http://schemas.microsoft.com/office/drawing/2014/main" val="10004"/>
+                    <a16:rowId xmlns:a16="http://schemas.microsoft.com/office/drawing/2014/main" xmlns="" val="10004"/>
                   </a:ext>
                 </a:extLst>
               </a:tr>
@@ -51115,7 +50365,7 @@
                 </a:tc>
                 <a:extLst>
                   <a:ext uri="{0D108BD9-81ED-4DB2-BD59-A6C34878D82A}">
-                    <a16:rowId xmlns:a16="http://schemas.microsoft.com/office/drawing/2014/main" val="10005"/>
+                    <a16:rowId xmlns:a16="http://schemas.microsoft.com/office/drawing/2014/main" xmlns="" val="10005"/>
                   </a:ext>
                 </a:extLst>
               </a:tr>
@@ -51166,7 +50416,7 @@
                 </a:tc>
                 <a:extLst>
                   <a:ext uri="{0D108BD9-81ED-4DB2-BD59-A6C34878D82A}">
-                    <a16:rowId xmlns:a16="http://schemas.microsoft.com/office/drawing/2014/main" val="10006"/>
+                    <a16:rowId xmlns:a16="http://schemas.microsoft.com/office/drawing/2014/main" xmlns="" val="10006"/>
                   </a:ext>
                 </a:extLst>
               </a:tr>
@@ -51212,7 +50462,7 @@
                 </a:tc>
                 <a:extLst>
                   <a:ext uri="{0D108BD9-81ED-4DB2-BD59-A6C34878D82A}">
-                    <a16:rowId xmlns:a16="http://schemas.microsoft.com/office/drawing/2014/main" val="10007"/>
+                    <a16:rowId xmlns:a16="http://schemas.microsoft.com/office/drawing/2014/main" xmlns="" val="10007"/>
                   </a:ext>
                 </a:extLst>
               </a:tr>
@@ -51258,7 +50508,7 @@
                 </a:tc>
                 <a:extLst>
                   <a:ext uri="{0D108BD9-81ED-4DB2-BD59-A6C34878D82A}">
-                    <a16:rowId xmlns:a16="http://schemas.microsoft.com/office/drawing/2014/main" val="10008"/>
+                    <a16:rowId xmlns:a16="http://schemas.microsoft.com/office/drawing/2014/main" xmlns="" val="10008"/>
                   </a:ext>
                 </a:extLst>
               </a:tr>
@@ -51512,21 +50762,21 @@
                 <a:gridCol w="1306286">
                   <a:extLst>
                     <a:ext uri="{9D8B030D-6E8A-4147-A177-3AD203B41FA5}">
-                      <a16:colId xmlns:a16="http://schemas.microsoft.com/office/drawing/2014/main" val="20000"/>
+                      <a16:colId xmlns:a16="http://schemas.microsoft.com/office/drawing/2014/main" xmlns="" val="20000"/>
                     </a:ext>
                   </a:extLst>
                 </a:gridCol>
                 <a:gridCol w="4149012">
                   <a:extLst>
                     <a:ext uri="{9D8B030D-6E8A-4147-A177-3AD203B41FA5}">
-                      <a16:colId xmlns:a16="http://schemas.microsoft.com/office/drawing/2014/main" val="20001"/>
+                      <a16:colId xmlns:a16="http://schemas.microsoft.com/office/drawing/2014/main" xmlns="" val="20001"/>
                     </a:ext>
                   </a:extLst>
                 </a:gridCol>
                 <a:gridCol w="2727649">
                   <a:extLst>
                     <a:ext uri="{9D8B030D-6E8A-4147-A177-3AD203B41FA5}">
-                      <a16:colId xmlns:a16="http://schemas.microsoft.com/office/drawing/2014/main" val="20002"/>
+                      <a16:colId xmlns:a16="http://schemas.microsoft.com/office/drawing/2014/main" xmlns="" val="20002"/>
                     </a:ext>
                   </a:extLst>
                 </a:gridCol>
@@ -51573,7 +50823,7 @@
                 </a:tc>
                 <a:extLst>
                   <a:ext uri="{0D108BD9-81ED-4DB2-BD59-A6C34878D82A}">
-                    <a16:rowId xmlns:a16="http://schemas.microsoft.com/office/drawing/2014/main" val="10000"/>
+                    <a16:rowId xmlns:a16="http://schemas.microsoft.com/office/drawing/2014/main" xmlns="" val="10000"/>
                   </a:ext>
                 </a:extLst>
               </a:tr>
@@ -51619,7 +50869,7 @@
                 </a:tc>
                 <a:extLst>
                   <a:ext uri="{0D108BD9-81ED-4DB2-BD59-A6C34878D82A}">
-                    <a16:rowId xmlns:a16="http://schemas.microsoft.com/office/drawing/2014/main" val="10001"/>
+                    <a16:rowId xmlns:a16="http://schemas.microsoft.com/office/drawing/2014/main" xmlns="" val="10001"/>
                   </a:ext>
                 </a:extLst>
               </a:tr>
@@ -51682,7 +50932,7 @@
                 </a:tc>
                 <a:extLst>
                   <a:ext uri="{0D108BD9-81ED-4DB2-BD59-A6C34878D82A}">
-                    <a16:rowId xmlns:a16="http://schemas.microsoft.com/office/drawing/2014/main" val="10002"/>
+                    <a16:rowId xmlns:a16="http://schemas.microsoft.com/office/drawing/2014/main" xmlns="" val="10002"/>
                   </a:ext>
                 </a:extLst>
               </a:tr>
@@ -52599,21 +51849,21 @@
                 <a:gridCol w="2175695">
                   <a:extLst>
                     <a:ext uri="{9D8B030D-6E8A-4147-A177-3AD203B41FA5}">
-                      <a16:colId xmlns:a16="http://schemas.microsoft.com/office/drawing/2014/main" val="20000"/>
+                      <a16:colId xmlns:a16="http://schemas.microsoft.com/office/drawing/2014/main" xmlns="" val="20000"/>
                     </a:ext>
                   </a:extLst>
                 </a:gridCol>
                 <a:gridCol w="4007390">
                   <a:extLst>
                     <a:ext uri="{9D8B030D-6E8A-4147-A177-3AD203B41FA5}">
-                      <a16:colId xmlns:a16="http://schemas.microsoft.com/office/drawing/2014/main" val="20001"/>
+                      <a16:colId xmlns:a16="http://schemas.microsoft.com/office/drawing/2014/main" xmlns="" val="20001"/>
                     </a:ext>
                   </a:extLst>
                 </a:gridCol>
                 <a:gridCol w="1772817">
                   <a:extLst>
                     <a:ext uri="{9D8B030D-6E8A-4147-A177-3AD203B41FA5}">
-                      <a16:colId xmlns:a16="http://schemas.microsoft.com/office/drawing/2014/main" val="20002"/>
+                      <a16:colId xmlns:a16="http://schemas.microsoft.com/office/drawing/2014/main" xmlns="" val="20002"/>
                     </a:ext>
                   </a:extLst>
                 </a:gridCol>
@@ -52660,7 +51910,7 @@
                 </a:tc>
                 <a:extLst>
                   <a:ext uri="{0D108BD9-81ED-4DB2-BD59-A6C34878D82A}">
-                    <a16:rowId xmlns:a16="http://schemas.microsoft.com/office/drawing/2014/main" val="10000"/>
+                    <a16:rowId xmlns:a16="http://schemas.microsoft.com/office/drawing/2014/main" xmlns="" val="10000"/>
                   </a:ext>
                 </a:extLst>
               </a:tr>
@@ -52706,7 +51956,7 @@
                 </a:tc>
                 <a:extLst>
                   <a:ext uri="{0D108BD9-81ED-4DB2-BD59-A6C34878D82A}">
-                    <a16:rowId xmlns:a16="http://schemas.microsoft.com/office/drawing/2014/main" val="10001"/>
+                    <a16:rowId xmlns:a16="http://schemas.microsoft.com/office/drawing/2014/main" xmlns="" val="10001"/>
                   </a:ext>
                 </a:extLst>
               </a:tr>
@@ -52757,7 +52007,7 @@
                 </a:tc>
                 <a:extLst>
                   <a:ext uri="{0D108BD9-81ED-4DB2-BD59-A6C34878D82A}">
-                    <a16:rowId xmlns:a16="http://schemas.microsoft.com/office/drawing/2014/main" val="10002"/>
+                    <a16:rowId xmlns:a16="http://schemas.microsoft.com/office/drawing/2014/main" xmlns="" val="10002"/>
                   </a:ext>
                 </a:extLst>
               </a:tr>
@@ -52810,7 +52060,7 @@
                 </a:tc>
                 <a:extLst>
                   <a:ext uri="{0D108BD9-81ED-4DB2-BD59-A6C34878D82A}">
-                    <a16:rowId xmlns:a16="http://schemas.microsoft.com/office/drawing/2014/main" val="10003"/>
+                    <a16:rowId xmlns:a16="http://schemas.microsoft.com/office/drawing/2014/main" xmlns="" val="10003"/>
                   </a:ext>
                 </a:extLst>
               </a:tr>
@@ -52856,7 +52106,7 @@
                 </a:tc>
                 <a:extLst>
                   <a:ext uri="{0D108BD9-81ED-4DB2-BD59-A6C34878D82A}">
-                    <a16:rowId xmlns:a16="http://schemas.microsoft.com/office/drawing/2014/main" val="10004"/>
+                    <a16:rowId xmlns:a16="http://schemas.microsoft.com/office/drawing/2014/main" xmlns="" val="10004"/>
                   </a:ext>
                 </a:extLst>
               </a:tr>
@@ -52902,7 +52152,7 @@
                 </a:tc>
                 <a:extLst>
                   <a:ext uri="{0D108BD9-81ED-4DB2-BD59-A6C34878D82A}">
-                    <a16:rowId xmlns:a16="http://schemas.microsoft.com/office/drawing/2014/main" val="10005"/>
+                    <a16:rowId xmlns:a16="http://schemas.microsoft.com/office/drawing/2014/main" xmlns="" val="10005"/>
                   </a:ext>
                 </a:extLst>
               </a:tr>
@@ -52953,7 +52203,7 @@
                 </a:tc>
                 <a:extLst>
                   <a:ext uri="{0D108BD9-81ED-4DB2-BD59-A6C34878D82A}">
-                    <a16:rowId xmlns:a16="http://schemas.microsoft.com/office/drawing/2014/main" val="10006"/>
+                    <a16:rowId xmlns:a16="http://schemas.microsoft.com/office/drawing/2014/main" xmlns="" val="10006"/>
                   </a:ext>
                 </a:extLst>
               </a:tr>
@@ -52999,7 +52249,7 @@
                 </a:tc>
                 <a:extLst>
                   <a:ext uri="{0D108BD9-81ED-4DB2-BD59-A6C34878D82A}">
-                    <a16:rowId xmlns:a16="http://schemas.microsoft.com/office/drawing/2014/main" val="10007"/>
+                    <a16:rowId xmlns:a16="http://schemas.microsoft.com/office/drawing/2014/main" xmlns="" val="10007"/>
                   </a:ext>
                 </a:extLst>
               </a:tr>
@@ -53045,7 +52295,7 @@
                 </a:tc>
                 <a:extLst>
                   <a:ext uri="{0D108BD9-81ED-4DB2-BD59-A6C34878D82A}">
-                    <a16:rowId xmlns:a16="http://schemas.microsoft.com/office/drawing/2014/main" val="10008"/>
+                    <a16:rowId xmlns:a16="http://schemas.microsoft.com/office/drawing/2014/main" xmlns="" val="10008"/>
                   </a:ext>
                 </a:extLst>
               </a:tr>
@@ -53461,6 +52711,14 @@
   <p:clrMapOvr>
     <a:masterClrMapping/>
   </p:clrMapOvr>
+  <mc:AlternateContent xmlns:mc="http://schemas.openxmlformats.org/markup-compatibility/2006">
+    <mc:Choice xmlns:p14="http://schemas.microsoft.com/office/powerpoint/2010/main" Requires="p14">
+      <p:transition spd="slow" p14:dur="2000"/>
+    </mc:Choice>
+    <mc:Fallback>
+      <p:transition spd="slow"/>
+    </mc:Fallback>
+  </mc:AlternateContent>
   <p:timing>
     <p:tnLst>
       <p:par>
@@ -53637,21 +52895,21 @@
                 <a:gridCol w="1996752">
                   <a:extLst>
                     <a:ext uri="{9D8B030D-6E8A-4147-A177-3AD203B41FA5}">
-                      <a16:colId xmlns:a16="http://schemas.microsoft.com/office/drawing/2014/main" val="20000"/>
+                      <a16:colId xmlns:a16="http://schemas.microsoft.com/office/drawing/2014/main" xmlns="" val="20000"/>
                     </a:ext>
                   </a:extLst>
                 </a:gridCol>
                 <a:gridCol w="3458546">
                   <a:extLst>
                     <a:ext uri="{9D8B030D-6E8A-4147-A177-3AD203B41FA5}">
-                      <a16:colId xmlns:a16="http://schemas.microsoft.com/office/drawing/2014/main" val="20001"/>
+                      <a16:colId xmlns:a16="http://schemas.microsoft.com/office/drawing/2014/main" xmlns="" val="20001"/>
                     </a:ext>
                   </a:extLst>
                 </a:gridCol>
                 <a:gridCol w="2727649">
                   <a:extLst>
                     <a:ext uri="{9D8B030D-6E8A-4147-A177-3AD203B41FA5}">
-                      <a16:colId xmlns:a16="http://schemas.microsoft.com/office/drawing/2014/main" val="20002"/>
+                      <a16:colId xmlns:a16="http://schemas.microsoft.com/office/drawing/2014/main" xmlns="" val="20002"/>
                     </a:ext>
                   </a:extLst>
                 </a:gridCol>
@@ -53698,7 +52956,7 @@
                 </a:tc>
                 <a:extLst>
                   <a:ext uri="{0D108BD9-81ED-4DB2-BD59-A6C34878D82A}">
-                    <a16:rowId xmlns:a16="http://schemas.microsoft.com/office/drawing/2014/main" val="10000"/>
+                    <a16:rowId xmlns:a16="http://schemas.microsoft.com/office/drawing/2014/main" xmlns="" val="10000"/>
                   </a:ext>
                 </a:extLst>
               </a:tr>
@@ -53745,7 +53003,7 @@
                 </a:tc>
                 <a:extLst>
                   <a:ext uri="{0D108BD9-81ED-4DB2-BD59-A6C34878D82A}">
-                    <a16:rowId xmlns:a16="http://schemas.microsoft.com/office/drawing/2014/main" val="10001"/>
+                    <a16:rowId xmlns:a16="http://schemas.microsoft.com/office/drawing/2014/main" xmlns="" val="10001"/>
                   </a:ext>
                 </a:extLst>
               </a:tr>
@@ -53825,7 +53083,7 @@
                 </a:tc>
                 <a:extLst>
                   <a:ext uri="{0D108BD9-81ED-4DB2-BD59-A6C34878D82A}">
-                    <a16:rowId xmlns:a16="http://schemas.microsoft.com/office/drawing/2014/main" val="10002"/>
+                    <a16:rowId xmlns:a16="http://schemas.microsoft.com/office/drawing/2014/main" xmlns="" val="10002"/>
                   </a:ext>
                 </a:extLst>
               </a:tr>
@@ -53933,7 +53191,7 @@
                 </a:tc>
                 <a:extLst>
                   <a:ext uri="{0D108BD9-81ED-4DB2-BD59-A6C34878D82A}">
-                    <a16:rowId xmlns:a16="http://schemas.microsoft.com/office/drawing/2014/main" val="10003"/>
+                    <a16:rowId xmlns:a16="http://schemas.microsoft.com/office/drawing/2014/main" xmlns="" val="10003"/>
                   </a:ext>
                 </a:extLst>
               </a:tr>
@@ -54031,28 +53289,28 @@
                 <a:gridCol w="1976502">
                   <a:extLst>
                     <a:ext uri="{9D8B030D-6E8A-4147-A177-3AD203B41FA5}">
-                      <a16:colId xmlns:a16="http://schemas.microsoft.com/office/drawing/2014/main" val="20000"/>
+                      <a16:colId xmlns:a16="http://schemas.microsoft.com/office/drawing/2014/main" xmlns="" val="20000"/>
                     </a:ext>
                   </a:extLst>
                 </a:gridCol>
                 <a:gridCol w="1688841">
                   <a:extLst>
                     <a:ext uri="{9D8B030D-6E8A-4147-A177-3AD203B41FA5}">
-                      <a16:colId xmlns:a16="http://schemas.microsoft.com/office/drawing/2014/main" val="20001"/>
+                      <a16:colId xmlns:a16="http://schemas.microsoft.com/office/drawing/2014/main" xmlns="" val="20001"/>
                     </a:ext>
                   </a:extLst>
                 </a:gridCol>
                 <a:gridCol w="1359109">
                   <a:extLst>
                     <a:ext uri="{9D8B030D-6E8A-4147-A177-3AD203B41FA5}">
-                      <a16:colId xmlns:a16="http://schemas.microsoft.com/office/drawing/2014/main" val="20002"/>
+                      <a16:colId xmlns:a16="http://schemas.microsoft.com/office/drawing/2014/main" xmlns="" val="20002"/>
                     </a:ext>
                   </a:extLst>
                 </a:gridCol>
                 <a:gridCol w="2727312">
                   <a:extLst>
                     <a:ext uri="{9D8B030D-6E8A-4147-A177-3AD203B41FA5}">
-                      <a16:colId xmlns:a16="http://schemas.microsoft.com/office/drawing/2014/main" val="20003"/>
+                      <a16:colId xmlns:a16="http://schemas.microsoft.com/office/drawing/2014/main" xmlns="" val="20003"/>
                     </a:ext>
                   </a:extLst>
                 </a:gridCol>
@@ -54120,7 +53378,7 @@
                 </a:tc>
                 <a:extLst>
                   <a:ext uri="{0D108BD9-81ED-4DB2-BD59-A6C34878D82A}">
-                    <a16:rowId xmlns:a16="http://schemas.microsoft.com/office/drawing/2014/main" val="10000"/>
+                    <a16:rowId xmlns:a16="http://schemas.microsoft.com/office/drawing/2014/main" xmlns="" val="10000"/>
                   </a:ext>
                 </a:extLst>
               </a:tr>
@@ -54179,7 +53437,7 @@
                 </a:tc>
                 <a:extLst>
                   <a:ext uri="{0D108BD9-81ED-4DB2-BD59-A6C34878D82A}">
-                    <a16:rowId xmlns:a16="http://schemas.microsoft.com/office/drawing/2014/main" val="10001"/>
+                    <a16:rowId xmlns:a16="http://schemas.microsoft.com/office/drawing/2014/main" xmlns="" val="10001"/>
                   </a:ext>
                 </a:extLst>
               </a:tr>
@@ -54255,7 +53513,7 @@
                 </a:tc>
                 <a:extLst>
                   <a:ext uri="{0D108BD9-81ED-4DB2-BD59-A6C34878D82A}">
-                    <a16:rowId xmlns:a16="http://schemas.microsoft.com/office/drawing/2014/main" val="10002"/>
+                    <a16:rowId xmlns:a16="http://schemas.microsoft.com/office/drawing/2014/main" xmlns="" val="10002"/>
                   </a:ext>
                 </a:extLst>
               </a:tr>
@@ -54319,7 +53577,7 @@
                 </a:tc>
                 <a:extLst>
                   <a:ext uri="{0D108BD9-81ED-4DB2-BD59-A6C34878D82A}">
-                    <a16:rowId xmlns:a16="http://schemas.microsoft.com/office/drawing/2014/main" val="10003"/>
+                    <a16:rowId xmlns:a16="http://schemas.microsoft.com/office/drawing/2014/main" xmlns="" val="10003"/>
                   </a:ext>
                 </a:extLst>
               </a:tr>
@@ -54383,7 +53641,7 @@
                 </a:tc>
                 <a:extLst>
                   <a:ext uri="{0D108BD9-81ED-4DB2-BD59-A6C34878D82A}">
-                    <a16:rowId xmlns:a16="http://schemas.microsoft.com/office/drawing/2014/main" val="10004"/>
+                    <a16:rowId xmlns:a16="http://schemas.microsoft.com/office/drawing/2014/main" xmlns="" val="10004"/>
                   </a:ext>
                 </a:extLst>
               </a:tr>
@@ -54447,7 +53705,7 @@
                 </a:tc>
                 <a:extLst>
                   <a:ext uri="{0D108BD9-81ED-4DB2-BD59-A6C34878D82A}">
-                    <a16:rowId xmlns:a16="http://schemas.microsoft.com/office/drawing/2014/main" val="10005"/>
+                    <a16:rowId xmlns:a16="http://schemas.microsoft.com/office/drawing/2014/main" xmlns="" val="10005"/>
                   </a:ext>
                 </a:extLst>
               </a:tr>
@@ -54521,7 +53779,7 @@
                 </a:tc>
                 <a:extLst>
                   <a:ext uri="{0D108BD9-81ED-4DB2-BD59-A6C34878D82A}">
-                    <a16:rowId xmlns:a16="http://schemas.microsoft.com/office/drawing/2014/main" val="10006"/>
+                    <a16:rowId xmlns:a16="http://schemas.microsoft.com/office/drawing/2014/main" xmlns="" val="10006"/>
                   </a:ext>
                 </a:extLst>
               </a:tr>
@@ -54585,7 +53843,7 @@
                 </a:tc>
                 <a:extLst>
                   <a:ext uri="{0D108BD9-81ED-4DB2-BD59-A6C34878D82A}">
-                    <a16:rowId xmlns:a16="http://schemas.microsoft.com/office/drawing/2014/main" val="10007"/>
+                    <a16:rowId xmlns:a16="http://schemas.microsoft.com/office/drawing/2014/main" xmlns="" val="10007"/>
                   </a:ext>
                 </a:extLst>
               </a:tr>
@@ -57811,21 +57069,6 @@
 </file>
 
 <file path=customXml/item1.xml><?xml version="1.0" encoding="utf-8"?>
-<?mso-contentType ?>
-<FormTemplates xmlns="http://schemas.microsoft.com/sharepoint/v3/contenttype/forms">
-  <Display>DocumentLibraryForm</Display>
-  <Edit>DocumentLibraryForm</Edit>
-  <New>DocumentLibraryForm</New>
-</FormTemplates>
-</file>
-
-<file path=customXml/item2.xml><?xml version="1.0" encoding="utf-8"?>
-<p:properties xmlns:p="http://schemas.microsoft.com/office/2006/metadata/properties" xmlns:xsi="http://www.w3.org/2001/XMLSchema-instance" xmlns:pc="http://schemas.microsoft.com/office/infopath/2007/PartnerControls">
-  <documentManagement/>
-</p:properties>
-</file>
-
-<file path=customXml/item3.xml><?xml version="1.0" encoding="utf-8"?>
 <ct:contentTypeSchema xmlns:ct="http://schemas.microsoft.com/office/2006/metadata/contentType" xmlns:ma="http://schemas.microsoft.com/office/2006/metadata/properties/metaAttributes" ct:_="" ma:_="" ma:contentTypeName="Document" ma:contentTypeID="0x010100144956FE3CD0384DA7E7A5916524330B" ma:contentTypeVersion="0" ma:contentTypeDescription="Create a new document." ma:contentTypeScope="" ma:versionID="d60e39efb90b64ac65a3196b1702c62f">
   <xsd:schema xmlns:xsd="http://www.w3.org/2001/XMLSchema" xmlns:xs="http://www.w3.org/2001/XMLSchema" xmlns:p="http://schemas.microsoft.com/office/2006/metadata/properties" targetNamespace="http://schemas.microsoft.com/office/2006/metadata/properties" ma:root="true" ma:fieldsID="61a5510ac1a642cc309ccb7be38155f9">
     <xsd:element name="properties">
@@ -57939,10 +57182,33 @@
 </ct:contentTypeSchema>
 </file>
 
+<file path=customXml/item2.xml><?xml version="1.0" encoding="utf-8"?>
+<p:properties xmlns:p="http://schemas.microsoft.com/office/2006/metadata/properties" xmlns:xsi="http://www.w3.org/2001/XMLSchema-instance" xmlns:pc="http://schemas.microsoft.com/office/infopath/2007/PartnerControls">
+  <documentManagement/>
+</p:properties>
+</file>
+
+<file path=customXml/item3.xml><?xml version="1.0" encoding="utf-8"?>
+<?mso-contentType ?>
+<FormTemplates xmlns="http://schemas.microsoft.com/sharepoint/v3/contenttype/forms">
+  <Display>DocumentLibraryForm</Display>
+  <Edit>DocumentLibraryForm</Edit>
+  <New>DocumentLibraryForm</New>
+</FormTemplates>
+</file>
+
 <file path=customXml/itemProps1.xml><?xml version="1.0" encoding="utf-8"?>
-<ds:datastoreItem xmlns:ds="http://schemas.openxmlformats.org/officeDocument/2006/customXml" ds:itemID="{BAED9006-1FB6-41AD-82C5-380656F61A1E}">
+<ds:datastoreItem xmlns:ds="http://schemas.openxmlformats.org/officeDocument/2006/customXml" ds:itemID="{A6CA10A4-9E58-4EE7-92DC-EFCE2380D473}">
   <ds:schemaRefs>
-    <ds:schemaRef ds:uri="http://schemas.microsoft.com/sharepoint/v3/contenttype/forms"/>
+    <ds:schemaRef ds:uri="http://schemas.microsoft.com/office/2006/metadata/contentType"/>
+    <ds:schemaRef ds:uri="http://schemas.microsoft.com/office/2006/metadata/properties/metaAttributes"/>
+    <ds:schemaRef ds:uri="http://www.w3.org/2001/XMLSchema"/>
+    <ds:schemaRef ds:uri="http://schemas.microsoft.com/office/2006/metadata/properties"/>
+    <ds:schemaRef ds:uri="http://schemas.openxmlformats.org/package/2006/metadata/core-properties"/>
+    <ds:schemaRef ds:uri="http://purl.org/dc/elements/1.1/"/>
+    <ds:schemaRef ds:uri="http://purl.org/dc/terms/"/>
+    <ds:schemaRef ds:uri="http://schemas.microsoft.com/internal/obd"/>
+    <ds:schemaRef ds:uri="http://schemas.microsoft.com/office/infopath/2007/PartnerControls"/>
   </ds:schemaRefs>
 </ds:datastoreItem>
 </file>
@@ -57963,17 +57229,9 @@
 </file>
 
 <file path=customXml/itemProps3.xml><?xml version="1.0" encoding="utf-8"?>
-<ds:datastoreItem xmlns:ds="http://schemas.openxmlformats.org/officeDocument/2006/customXml" ds:itemID="{A6CA10A4-9E58-4EE7-92DC-EFCE2380D473}">
+<ds:datastoreItem xmlns:ds="http://schemas.openxmlformats.org/officeDocument/2006/customXml" ds:itemID="{BAED9006-1FB6-41AD-82C5-380656F61A1E}">
   <ds:schemaRefs>
-    <ds:schemaRef ds:uri="http://schemas.microsoft.com/office/2006/metadata/contentType"/>
-    <ds:schemaRef ds:uri="http://schemas.microsoft.com/office/2006/metadata/properties/metaAttributes"/>
-    <ds:schemaRef ds:uri="http://www.w3.org/2001/XMLSchema"/>
-    <ds:schemaRef ds:uri="http://schemas.microsoft.com/office/2006/metadata/properties"/>
-    <ds:schemaRef ds:uri="http://schemas.openxmlformats.org/package/2006/metadata/core-properties"/>
-    <ds:schemaRef ds:uri="http://purl.org/dc/elements/1.1/"/>
-    <ds:schemaRef ds:uri="http://purl.org/dc/terms/"/>
-    <ds:schemaRef ds:uri="http://schemas.microsoft.com/internal/obd"/>
-    <ds:schemaRef ds:uri="http://schemas.microsoft.com/office/infopath/2007/PartnerControls"/>
+    <ds:schemaRef ds:uri="http://schemas.microsoft.com/sharepoint/v3/contenttype/forms"/>
   </ds:schemaRefs>
 </ds:datastoreItem>
 </file>